--- a/draft-gandhi-spring-stamp-srpm-01.pptx
+++ b/draft-gandhi-spring-stamp-srpm-01.pptx
@@ -264,7 +264,7 @@
           <a:p>
             <a:fld id="{E8FA3DB5-7722-3F4F-947D-12B203669AD7}" type="datetimeFigureOut">
               <a:rPr lang="en-US" smtClean="0"/>
-              <a:t>4/6/20</a:t>
+              <a:t>4/13/20</a:t>
             </a:fld>
             <a:endParaRPr lang="en-US"/>
           </a:p>
@@ -2747,7 +2747,7 @@
               </a14:hiddenLine>
             </a:ext>
             <a:ext uri="{FAA26D3D-D897-4be2-8F04-BA451C77F1D7}">
-              <ma14:placeholderFlag xmlns="" xmlns:ma14="http://schemas.microsoft.com/office/mac/drawingml/2011/main" val="1"/>
+              <ma14:placeholderFlag xmlns:ma14="http://schemas.microsoft.com/office/mac/drawingml/2011/main" xmlns="" val="1"/>
             </a:ext>
           </a:extLst>
         </p:spPr>
@@ -6090,7 +6090,7 @@
                   <a:schemeClr val="tx2"/>
                 </a:solidFill>
               </a:rPr>
-              <a:t> is used for LM.</a:t>
+              <a:t> is used for LM</a:t>
             </a:r>
           </a:p>
         </p:txBody>
@@ -7701,7 +7701,7 @@
                 <a:ea typeface="Times New Roman" panose="02020603050405020304" pitchFamily="18" charset="0"/>
                 <a:cs typeface="Courier New" panose="02070309020205020404" pitchFamily="49" charset="0"/>
               </a:rPr>
-              <a:t>|X|B| Reserved  | Block Number  | Session ID                    |</a:t>
+              <a:t>|X|B| Reserved  | Block Number  | SSID                          |</a:t>
             </a:r>
             <a:endParaRPr kumimoji="0" lang="en-US" altLang="en-US" sz="600" u="none" strike="noStrike" cap="none" normalizeH="0" baseline="0" dirty="0">
               <a:ln>
@@ -9863,7 +9863,7 @@
           <a:p>
             <a:pPr algn="l"/>
             <a:r>
-              <a:rPr lang="en-US" sz="3400" dirty="0">
+              <a:rPr lang="en-US" sz="3200" dirty="0">
                 <a:solidFill>
                   <a:srgbClr val="0070C0"/>
                 </a:solidFill>
@@ -10906,7 +10906,7 @@
                 <a:latin typeface="Calibri Light" panose="020F0302020204030204" pitchFamily="34" charset="0"/>
                 <a:cs typeface="Calibri Light" panose="020F0302020204030204" pitchFamily="34" charset="0"/>
               </a:rPr>
-              <a:t>ECMP Support for SR Policy</a:t>
+              <a:t>ECMP Support for SR Path</a:t>
             </a:r>
           </a:p>
         </p:txBody>
@@ -10941,7 +10941,7 @@
             </a:pPr>
             <a:r>
               <a:rPr lang="en-US" sz="1800" dirty="0"/>
-              <a:t>SR Policy can have ECMP between the ingress and transit nodes, between transit nodes and between transit and egress nodes.</a:t>
+              <a:t>SR Path can have ECMP between the ingress and transit nodes, between transit nodes and between transit and egress nodes.</a:t>
             </a:r>
           </a:p>
           <a:p>
@@ -13515,7 +13515,7 @@
             </a:pPr>
             <a:r>
               <a:rPr lang="en-US" sz="1600" dirty="0"/>
-              <a:t>Links and End-to-end P2P/P2MP SR Policies</a:t>
+              <a:t>Links and End-to-end P2P/P2MP SR Paths</a:t>
             </a:r>
           </a:p>
           <a:p>
@@ -13555,7 +13555,7 @@
             </a:pPr>
             <a:r>
               <a:rPr lang="en-US" sz="1600" dirty="0"/>
-              <a:t>Handle ECMP for SR Policies</a:t>
+              <a:t>Handle ECMP for SR Paths</a:t>
             </a:r>
           </a:p>
           <a:p>

--- a/draft-gandhi-spring-stamp-srpm-01.pptx
+++ b/draft-gandhi-spring-stamp-srpm-01.pptx
@@ -2747,7 +2747,7 @@
               </a14:hiddenLine>
             </a:ext>
             <a:ext uri="{FAA26D3D-D897-4be2-8F04-BA451C77F1D7}">
-              <ma14:placeholderFlag xmlns:ma14="http://schemas.microsoft.com/office/mac/drawingml/2011/main" xmlns="" val="1"/>
+              <ma14:placeholderFlag xmlns="" xmlns:ma14="http://schemas.microsoft.com/office/mac/drawingml/2011/main" val="1"/>
             </a:ext>
           </a:extLst>
         </p:spPr>
@@ -5483,7 +5483,7 @@
         </p:nvSpPr>
         <p:spPr bwMode="auto">
           <a:xfrm>
-            <a:off x="1676400" y="2972592"/>
+            <a:off x="1676400" y="2800350"/>
             <a:ext cx="6248400" cy="1478757"/>
           </a:xfrm>
           <a:prstGeom prst="rect">
@@ -11025,7 +11025,7 @@
             </a:pPr>
             <a:r>
               <a:rPr lang="en-US" sz="1800" dirty="0"/>
-              <a:t>Destination addresses in IPv6 header (e.g. FFFF:7F00/104)</a:t>
+              <a:t>Destination addresses in IPv6 header (e.g. FFFF:127/104)</a:t>
             </a:r>
           </a:p>
           <a:p>
@@ -14709,7 +14709,7 @@
         <p:spPr>
           <a:xfrm>
             <a:off x="4300123" y="2875123"/>
-            <a:ext cx="4648200" cy="1692771"/>
+            <a:ext cx="4648200" cy="1569660"/>
           </a:xfrm>
           <a:prstGeom prst="rect">
             <a:avLst/>
@@ -14833,18 +14833,6 @@
               </a:rPr>
               <a:t>            Figure: Reflector Control Code in STAMP DM Message</a:t>
             </a:r>
-          </a:p>
-          <a:p>
-            <a:r>
-              <a:rPr lang="en-CA" sz="800" dirty="0">
-                <a:latin typeface="Courier" pitchFamily="2" charset="0"/>
-              </a:rPr>
-              <a:t> </a:t>
-            </a:r>
-            <a:endParaRPr lang="en-US" sz="800" dirty="0">
-              <a:latin typeface="Courier" pitchFamily="2" charset="0"/>
-              <a:cs typeface="Courier New" panose="02070309020205020404" pitchFamily="49" charset="0"/>
-            </a:endParaRPr>
           </a:p>
         </p:txBody>
       </p:sp>

--- a/draft-gandhi-spring-stamp-srpm-01.pptx
+++ b/draft-gandhi-spring-stamp-srpm-01.pptx
@@ -264,7 +264,7 @@
           <a:p>
             <a:fld id="{E8FA3DB5-7722-3F4F-947D-12B203669AD7}" type="datetimeFigureOut">
               <a:rPr lang="en-US" smtClean="0"/>
-              <a:t>4/13/20</a:t>
+              <a:t>4/16/20</a:t>
             </a:fld>
             <a:endParaRPr lang="en-US"/>
           </a:p>
@@ -2747,7 +2747,7 @@
               </a14:hiddenLine>
             </a:ext>
             <a:ext uri="{FAA26D3D-D897-4be2-8F04-BA451C77F1D7}">
-              <ma14:placeholderFlag xmlns="" xmlns:ma14="http://schemas.microsoft.com/office/mac/drawingml/2011/main" val="1"/>
+              <ma14:placeholderFlag xmlns:ma14="http://schemas.microsoft.com/office/mac/drawingml/2011/main" xmlns="" val="1"/>
             </a:ext>
           </a:extLst>
         </p:spPr>
@@ -9913,8 +9913,8 @@
         </p:nvSpPr>
         <p:spPr>
           <a:xfrm>
-            <a:off x="4169569" y="263426"/>
-            <a:ext cx="4724400" cy="2308324"/>
+            <a:off x="4169569" y="102581"/>
+            <a:ext cx="4136231" cy="2062103"/>
           </a:xfrm>
           <a:prstGeom prst="rect">
             <a:avLst/>
@@ -9933,7 +9933,7 @@
           <a:lstStyle/>
           <a:p>
             <a:r>
-              <a:rPr lang="en-US" sz="900" dirty="0">
+              <a:rPr lang="en-US" sz="800" dirty="0">
                 <a:latin typeface="Courier" charset="0"/>
                 <a:ea typeface="Courier" charset="0"/>
                 <a:cs typeface="Courier" charset="0"/>
@@ -9943,7 +9943,7 @@
           </a:p>
           <a:p>
             <a:r>
-              <a:rPr lang="en-US" sz="900" dirty="0">
+              <a:rPr lang="en-US" sz="800" dirty="0">
                 <a:latin typeface="Courier" charset="0"/>
                 <a:ea typeface="Courier" charset="0"/>
                 <a:cs typeface="Courier" charset="0"/>
@@ -9953,7 +9953,7 @@
           </a:p>
           <a:p>
             <a:r>
-              <a:rPr lang="en-US" sz="900" dirty="0">
+              <a:rPr lang="en-US" sz="800" dirty="0">
                 <a:latin typeface="Courier" charset="0"/>
                 <a:ea typeface="Courier" charset="0"/>
                 <a:cs typeface="Courier" charset="0"/>
@@ -9963,7 +9963,7 @@
           </a:p>
           <a:p>
             <a:r>
-              <a:rPr lang="en-US" sz="900" dirty="0">
+              <a:rPr lang="en-US" sz="800" dirty="0">
                 <a:latin typeface="Courier" charset="0"/>
                 <a:ea typeface="Courier" charset="0"/>
                 <a:cs typeface="Courier" charset="0"/>
@@ -9973,7 +9973,7 @@
           </a:p>
           <a:p>
             <a:r>
-              <a:rPr lang="en-US" sz="900" dirty="0">
+              <a:rPr lang="en-US" sz="800" dirty="0">
                 <a:latin typeface="Courier" charset="0"/>
                 <a:ea typeface="Courier" charset="0"/>
                 <a:cs typeface="Courier" charset="0"/>
@@ -9983,7 +9983,7 @@
           </a:p>
           <a:p>
             <a:r>
-              <a:rPr lang="en-US" sz="900" dirty="0">
+              <a:rPr lang="en-US" sz="800" dirty="0">
                 <a:latin typeface="Courier" charset="0"/>
                 <a:ea typeface="Courier" charset="0"/>
                 <a:cs typeface="Courier" charset="0"/>
@@ -9993,7 +9993,7 @@
           </a:p>
           <a:p>
             <a:r>
-              <a:rPr lang="en-US" sz="900" dirty="0">
+              <a:rPr lang="en-US" sz="800" dirty="0">
                 <a:latin typeface="Courier" charset="0"/>
                 <a:ea typeface="Courier" charset="0"/>
                 <a:cs typeface="Courier" charset="0"/>
@@ -10003,7 +10003,7 @@
           </a:p>
           <a:p>
             <a:r>
-              <a:rPr lang="en-US" sz="900" dirty="0">
+              <a:rPr lang="en-US" sz="800" dirty="0">
                 <a:latin typeface="Courier" charset="0"/>
                 <a:ea typeface="Courier" charset="0"/>
                 <a:cs typeface="Courier" charset="0"/>
@@ -10013,7 +10013,7 @@
           </a:p>
           <a:p>
             <a:r>
-              <a:rPr lang="en-US" sz="900" dirty="0">
+              <a:rPr lang="en-US" sz="800" dirty="0">
                 <a:latin typeface="Courier" charset="0"/>
                 <a:ea typeface="Courier" charset="0"/>
                 <a:cs typeface="Courier" charset="0"/>
@@ -10023,7 +10023,7 @@
           </a:p>
           <a:p>
             <a:r>
-              <a:rPr lang="en-US" sz="900" dirty="0">
+              <a:rPr lang="en-US" sz="800" dirty="0">
                 <a:latin typeface="Courier" charset="0"/>
                 <a:ea typeface="Courier" charset="0"/>
                 <a:cs typeface="Courier" charset="0"/>
@@ -10033,7 +10033,7 @@
           </a:p>
           <a:p>
             <a:r>
-              <a:rPr lang="en-US" sz="900" dirty="0">
+              <a:rPr lang="en-US" sz="800" dirty="0">
                 <a:latin typeface="Courier" charset="0"/>
                 <a:ea typeface="Courier" charset="0"/>
                 <a:cs typeface="Courier" charset="0"/>
@@ -10043,7 +10043,7 @@
           </a:p>
           <a:p>
             <a:r>
-              <a:rPr lang="en-US" sz="900" dirty="0">
+              <a:rPr lang="en-US" sz="800" dirty="0">
                 <a:latin typeface="Courier" charset="0"/>
                 <a:ea typeface="Courier" charset="0"/>
                 <a:cs typeface="Courier" charset="0"/>
@@ -10053,7 +10053,7 @@
           </a:p>
           <a:p>
             <a:r>
-              <a:rPr lang="en-US" sz="900" dirty="0">
+              <a:rPr lang="en-US" sz="800" dirty="0">
                 <a:latin typeface="Courier" charset="0"/>
                 <a:ea typeface="Courier" charset="0"/>
                 <a:cs typeface="Courier" charset="0"/>
@@ -10063,7 +10063,7 @@
           </a:p>
           <a:p>
             <a:r>
-              <a:rPr lang="en-US" sz="900" dirty="0">
+              <a:rPr lang="en-US" sz="800" dirty="0">
                 <a:latin typeface="Courier" charset="0"/>
                 <a:ea typeface="Courier" charset="0"/>
                 <a:cs typeface="Courier" charset="0"/>
@@ -10073,7 +10073,7 @@
           </a:p>
           <a:p>
             <a:r>
-              <a:rPr lang="en-US" sz="900" dirty="0">
+              <a:rPr lang="en-US" sz="800" dirty="0">
                 <a:latin typeface="Courier" charset="0"/>
                 <a:ea typeface="Courier" charset="0"/>
                 <a:cs typeface="Courier" charset="0"/>
@@ -10083,7 +10083,7 @@
           </a:p>
           <a:p>
             <a:r>
-              <a:rPr lang="en-US" sz="900" dirty="0">
+              <a:rPr lang="en-US" sz="800" dirty="0">
                 <a:latin typeface="Courier" charset="0"/>
                 <a:ea typeface="Courier" charset="0"/>
                 <a:cs typeface="Courier" charset="0"/>
@@ -10364,8 +10364,8 @@
         </p:nvSpPr>
         <p:spPr>
           <a:xfrm>
-            <a:off x="4169569" y="2782872"/>
-            <a:ext cx="4724400" cy="1754326"/>
+            <a:off x="4169568" y="2240152"/>
+            <a:ext cx="4136231" cy="2800767"/>
           </a:xfrm>
           <a:prstGeom prst="rect">
             <a:avLst/>
@@ -10384,7 +10384,7 @@
           <a:lstStyle/>
           <a:p>
             <a:r>
-              <a:rPr lang="en-US" sz="900" dirty="0">
+              <a:rPr lang="en-US" sz="800" dirty="0">
                 <a:latin typeface="Courier" charset="0"/>
                 <a:ea typeface="Courier" charset="0"/>
                 <a:cs typeface="Courier" charset="0"/>
@@ -10394,7 +10394,7 @@
           </a:p>
           <a:p>
             <a:r>
-              <a:rPr lang="en-US" sz="900" dirty="0">
+              <a:rPr lang="en-US" sz="800" dirty="0">
                 <a:latin typeface="Courier" charset="0"/>
                 <a:ea typeface="Courier" charset="0"/>
                 <a:cs typeface="Courier" charset="0"/>
@@ -10403,28 +10403,118 @@
             </a:r>
           </a:p>
           <a:p>
-            <a:r>
-              <a:rPr lang="en-US" sz="900" dirty="0">
+            <a:pPr>
+              <a:spcAft>
+                <a:spcPts val="0"/>
+              </a:spcAft>
+            </a:pPr>
+            <a:r>
+              <a:rPr lang="en-US" sz="800" dirty="0">
+                <a:latin typeface="Courier" pitchFamily="2" charset="0"/>
+                <a:ea typeface="Courier" charset="0"/>
+                <a:cs typeface="Courier" charset="0"/>
+              </a:rPr>
+              <a:t>+---------------------------------------------------------------+</a:t>
+            </a:r>
+          </a:p>
+          <a:p>
+            <a:pPr>
+              <a:spcAft>
+                <a:spcPts val="0"/>
+              </a:spcAft>
+            </a:pPr>
+            <a:r>
+              <a:rPr lang="en-US" sz="800" dirty="0">
+                <a:latin typeface="Courier" pitchFamily="2" charset="0"/>
+                <a:ea typeface="Courier" charset="0"/>
+                <a:cs typeface="Courier" charset="0"/>
+              </a:rPr>
+              <a:t>| IP Header                                                     |</a:t>
+            </a:r>
+          </a:p>
+          <a:p>
+            <a:pPr>
+              <a:spcAft>
+                <a:spcPts val="0"/>
+              </a:spcAft>
+            </a:pPr>
+            <a:r>
+              <a:rPr lang="en-US" sz="800" dirty="0">
+                <a:latin typeface="Courier" pitchFamily="2" charset="0"/>
+                <a:ea typeface="Courier" charset="0"/>
+                <a:cs typeface="Courier" charset="0"/>
+              </a:rPr>
+              <a:t>.  Source IP Address = Sender IPv6 Address                      .</a:t>
+            </a:r>
+          </a:p>
+          <a:p>
+            <a:pPr>
+              <a:spcAft>
+                <a:spcPts val="0"/>
+              </a:spcAft>
+            </a:pPr>
+            <a:r>
+              <a:rPr lang="en-US" sz="800" dirty="0">
+                <a:latin typeface="Courier" pitchFamily="2" charset="0"/>
+                <a:ea typeface="Courier" charset="0"/>
+                <a:cs typeface="Courier" charset="0"/>
+              </a:rPr>
+              <a:t>.  Destination IP Address = Reflector IPv6 Address              .</a:t>
+            </a:r>
+          </a:p>
+          <a:p>
+            <a:pPr>
+              <a:spcAft>
+                <a:spcPts val="0"/>
+              </a:spcAft>
+            </a:pPr>
+            <a:r>
+              <a:rPr lang="en-US" sz="800" dirty="0">
+                <a:latin typeface="Courier" pitchFamily="2" charset="0"/>
+                <a:ea typeface="Courier" charset="0"/>
+                <a:cs typeface="Courier" charset="0"/>
+              </a:rPr>
+              <a:t>.                                                               .</a:t>
+            </a:r>
+          </a:p>
+          <a:p>
+            <a:pPr>
+              <a:spcAft>
+                <a:spcPts val="0"/>
+              </a:spcAft>
+            </a:pPr>
+            <a:r>
+              <a:rPr lang="en-US" sz="800" dirty="0">
+                <a:latin typeface="Courier" pitchFamily="2" charset="0"/>
+                <a:ea typeface="Courier" charset="0"/>
+                <a:cs typeface="Courier" charset="0"/>
+              </a:rPr>
+              <a:t>+---------------------------------------------------------------+</a:t>
+            </a:r>
+          </a:p>
+          <a:p>
+            <a:r>
+              <a:rPr lang="en-US" sz="800" dirty="0">
                 <a:latin typeface="Courier" charset="0"/>
                 <a:ea typeface="Courier" charset="0"/>
                 <a:cs typeface="Courier" charset="0"/>
               </a:rPr>
-              <a:t>+-+-+-+-+-+-+-+-+-+-+-+-+-+-+-+-+-+-+-+-+-+-+-+-+-+-+-+-+-+-+-+-+</a:t>
-            </a:r>
-          </a:p>
-          <a:p>
-            <a:r>
-              <a:rPr lang="en-US" sz="900" dirty="0">
+              <a:t>| SRH                                                           |</a:t>
+            </a:r>
+          </a:p>
+          <a:p>
+            <a:r>
+              <a:rPr lang="en-US" sz="800" dirty="0">
                 <a:latin typeface="Courier" charset="0"/>
                 <a:ea typeface="Courier" charset="0"/>
                 <a:cs typeface="Courier" charset="0"/>
               </a:rPr>
-              <a:t>|                           SRH                                 |</a:t>
-            </a:r>
-          </a:p>
-          <a:p>
-            <a:r>
-              <a:rPr lang="en-US" sz="900" dirty="0">
+              <a:t>. &lt;SID List&gt;                                                    .</a:t>
+            </a:r>
+          </a:p>
+          <a:p>
+            <a:r>
+              <a:rPr lang="en-US" sz="800" dirty="0">
                 <a:latin typeface="Courier" charset="0"/>
                 <a:ea typeface="Courier" charset="0"/>
                 <a:cs typeface="Courier" charset="0"/>
@@ -10433,8 +10523,102 @@
             </a:r>
           </a:p>
           <a:p>
-            <a:r>
-              <a:rPr lang="en-US" sz="900" dirty="0">
+            <a:pPr>
+              <a:spcAft>
+                <a:spcPts val="0"/>
+              </a:spcAft>
+            </a:pPr>
+            <a:r>
+              <a:rPr lang="en-US" sz="800" dirty="0">
+                <a:latin typeface="Courier" pitchFamily="2" charset="0"/>
+                <a:ea typeface="Courier" charset="0"/>
+                <a:cs typeface="Courier" charset="0"/>
+              </a:rPr>
+              <a:t>+---------------------------------------------------------------+</a:t>
+            </a:r>
+          </a:p>
+          <a:p>
+            <a:pPr>
+              <a:spcAft>
+                <a:spcPts val="0"/>
+              </a:spcAft>
+            </a:pPr>
+            <a:r>
+              <a:rPr lang="en-US" sz="800" dirty="0">
+                <a:latin typeface="Courier" pitchFamily="2" charset="0"/>
+                <a:ea typeface="Courier" charset="0"/>
+                <a:cs typeface="Courier" charset="0"/>
+              </a:rPr>
+              <a:t>| UDP Header                                                    |</a:t>
+            </a:r>
+          </a:p>
+          <a:p>
+            <a:pPr>
+              <a:spcAft>
+                <a:spcPts val="0"/>
+              </a:spcAft>
+            </a:pPr>
+            <a:r>
+              <a:rPr lang="en-US" sz="800" dirty="0">
+                <a:latin typeface="Courier" pitchFamily="2" charset="0"/>
+                <a:ea typeface="Courier" charset="0"/>
+                <a:cs typeface="Courier" charset="0"/>
+              </a:rPr>
+              <a:t>.  Source Port = As chosen by Sender                            .</a:t>
+            </a:r>
+          </a:p>
+          <a:p>
+            <a:pPr>
+              <a:spcAft>
+                <a:spcPts val="0"/>
+              </a:spcAft>
+            </a:pPr>
+            <a:r>
+              <a:rPr lang="en-US" sz="800" dirty="0">
+                <a:latin typeface="Courier" pitchFamily="2" charset="0"/>
+                <a:ea typeface="Courier" charset="0"/>
+                <a:cs typeface="Courier" charset="0"/>
+              </a:rPr>
+              <a:t>.  Destination Port = </a:t>
+            </a:r>
+            <a:r>
+              <a:rPr lang="en-US" sz="800" dirty="0">
+                <a:solidFill>
+                  <a:srgbClr val="0070C0"/>
+                </a:solidFill>
+                <a:latin typeface="Courier" pitchFamily="2" charset="0"/>
+                <a:ea typeface="Courier" charset="0"/>
+                <a:cs typeface="Courier" charset="0"/>
+              </a:rPr>
+              <a:t>User-configured Port                      </a:t>
+            </a:r>
+            <a:r>
+              <a:rPr lang="en-US" sz="800" dirty="0">
+                <a:latin typeface="Courier" pitchFamily="2" charset="0"/>
+                <a:ea typeface="Courier" charset="0"/>
+                <a:cs typeface="Courier" charset="0"/>
+              </a:rPr>
+              <a:t>.</a:t>
+            </a:r>
+          </a:p>
+          <a:p>
+            <a:pPr>
+              <a:spcAft>
+                <a:spcPts val="0"/>
+              </a:spcAft>
+            </a:pPr>
+            <a:r>
+              <a:rPr lang="en-US" sz="800" dirty="0">
+                <a:latin typeface="Courier" pitchFamily="2" charset="0"/>
+                <a:ea typeface="Courier" charset="0"/>
+                <a:cs typeface="Courier" charset="0"/>
+              </a:rPr>
+              <a:t>.                                                               .</a:t>
+            </a:r>
+          </a:p>
+          <a:p>
+            <a:r>
+              <a:rPr lang="en-US" sz="800" dirty="0">
                 <a:latin typeface="Courier" charset="0"/>
                 <a:ea typeface="Courier" charset="0"/>
                 <a:cs typeface="Courier" charset="0"/>
@@ -10444,57 +10628,47 @@
           </a:p>
           <a:p>
             <a:r>
-              <a:rPr lang="en-US" sz="900" dirty="0">
+              <a:rPr lang="en-US" sz="800" dirty="0">
                 <a:latin typeface="Courier" charset="0"/>
                 <a:ea typeface="Courier" charset="0"/>
                 <a:cs typeface="Courier" charset="0"/>
               </a:rPr>
-              <a:t>|   Message for DM or LM Query                                  |</a:t>
-            </a:r>
-          </a:p>
-          <a:p>
-            <a:r>
-              <a:rPr lang="en-US" sz="900" dirty="0">
+              <a:t>|   Payload for DM or LM Query                                  |</a:t>
+            </a:r>
+          </a:p>
+          <a:p>
+            <a:r>
+              <a:rPr lang="en-US" sz="800" dirty="0">
                 <a:latin typeface="Courier" charset="0"/>
                 <a:ea typeface="Courier" charset="0"/>
                 <a:cs typeface="Courier" charset="0"/>
               </a:rPr>
-              <a:t>.   (Using IPv6 Addresses)                                      .</a:t>
-            </a:r>
-          </a:p>
-          <a:p>
-            <a:r>
-              <a:rPr lang="en-US" sz="900" dirty="0">
+              <a:t>.                                                               .</a:t>
+            </a:r>
+          </a:p>
+          <a:p>
+            <a:r>
+              <a:rPr lang="en-US" sz="800" dirty="0">
                 <a:latin typeface="Courier" charset="0"/>
                 <a:ea typeface="Courier" charset="0"/>
                 <a:cs typeface="Courier" charset="0"/>
               </a:rPr>
-              <a:t>.                                                               .</a:t>
-            </a:r>
-          </a:p>
-          <a:p>
-            <a:r>
-              <a:rPr lang="en-US" sz="900" dirty="0">
+              <a:t>+---------------------------------------------------------------+</a:t>
+            </a:r>
+          </a:p>
+          <a:p>
+            <a:r>
+              <a:rPr lang="en-US" sz="800" dirty="0">
                 <a:latin typeface="Courier" charset="0"/>
                 <a:ea typeface="Courier" charset="0"/>
                 <a:cs typeface="Courier" charset="0"/>
               </a:rPr>
-              <a:t>+---------------------------------------------------------------+</a:t>
-            </a:r>
-          </a:p>
-          <a:p>
-            <a:r>
-              <a:rPr lang="en-US" sz="900" dirty="0">
-                <a:latin typeface="Courier" charset="0"/>
-                <a:ea typeface="Courier" charset="0"/>
-                <a:cs typeface="Courier" charset="0"/>
-              </a:rPr>
               <a:t> </a:t>
             </a:r>
           </a:p>
           <a:p>
             <a:r>
-              <a:rPr lang="en-US" sz="900" dirty="0">
+              <a:rPr lang="en-US" sz="800" dirty="0">
                 <a:latin typeface="Courier" charset="0"/>
                 <a:ea typeface="Courier" charset="0"/>
                 <a:cs typeface="Courier" charset="0"/>

--- a/draft-gandhi-spring-stamp-srpm-01.pptx
+++ b/draft-gandhi-spring-stamp-srpm-01.pptx
@@ -2747,7 +2747,7 @@
               </a14:hiddenLine>
             </a:ext>
             <a:ext uri="{FAA26D3D-D897-4be2-8F04-BA451C77F1D7}">
-              <ma14:placeholderFlag xmlns:ma14="http://schemas.microsoft.com/office/mac/drawingml/2011/main" xmlns="" val="1"/>
+              <ma14:placeholderFlag xmlns="" xmlns:ma14="http://schemas.microsoft.com/office/mac/drawingml/2011/main" val="1"/>
             </a:ext>
           </a:extLst>
         </p:spPr>
@@ -10048,7 +10048,7 @@
                 <a:ea typeface="Courier" charset="0"/>
                 <a:cs typeface="Courier" charset="0"/>
               </a:rPr>
-              <a:t>|   Message for DM or LM Query                                  |</a:t>
+              <a:t>|   Message for DM or LM Query with IP/UDP Header               |</a:t>
             </a:r>
           </a:p>
           <a:p>
@@ -10633,7 +10633,7 @@
                 <a:ea typeface="Courier" charset="0"/>
                 <a:cs typeface="Courier" charset="0"/>
               </a:rPr>
-              <a:t>|   Payload for DM or LM Query                                  |</a:t>
+              <a:t>|   Message for DM or LM Query                                  |</a:t>
             </a:r>
           </a:p>
           <a:p>

--- a/draft-gandhi-spring-stamp-srpm-01.pptx
+++ b/draft-gandhi-spring-stamp-srpm-01.pptx
@@ -2747,7 +2747,7 @@
               </a14:hiddenLine>
             </a:ext>
             <a:ext uri="{FAA26D3D-D897-4be2-8F04-BA451C77F1D7}">
-              <ma14:placeholderFlag xmlns="" xmlns:ma14="http://schemas.microsoft.com/office/mac/drawingml/2011/main" val="1"/>
+              <ma14:placeholderFlag xmlns:ma14="http://schemas.microsoft.com/office/mac/drawingml/2011/main" xmlns="" val="1"/>
             </a:ext>
           </a:extLst>
         </p:spPr>
@@ -9913,7 +9913,7 @@
         </p:nvSpPr>
         <p:spPr>
           <a:xfrm>
-            <a:off x="4169569" y="102581"/>
+            <a:off x="4169569" y="-19050"/>
             <a:ext cx="4136231" cy="2062103"/>
           </a:xfrm>
           <a:prstGeom prst="rect">
@@ -10088,7 +10088,15 @@
                 <a:ea typeface="Courier" charset="0"/>
                 <a:cs typeface="Courier" charset="0"/>
               </a:rPr>
-              <a:t>         Figure: Probe Query Message for SR-MPLS Policy</a:t>
+              <a:t>     Figure: Example Probe Query Message for SR-MPLS </a:t>
+            </a:r>
+            <a:r>
+              <a:rPr lang="en-US" sz="750" dirty="0">
+                <a:latin typeface="Courier" charset="0"/>
+                <a:ea typeface="Courier" charset="0"/>
+                <a:cs typeface="Courier" charset="0"/>
+              </a:rPr>
+              <a:t>Policy</a:t>
             </a:r>
           </a:p>
         </p:txBody>
@@ -10104,7 +10112,7 @@
         <p:spPr bwMode="auto">
           <a:xfrm>
             <a:off x="207169" y="1461909"/>
-            <a:ext cx="3962400" cy="2641926"/>
+            <a:ext cx="3907631" cy="2641926"/>
           </a:xfrm>
           <a:prstGeom prst="rect">
             <a:avLst/>
@@ -10364,8 +10372,8 @@
         </p:nvSpPr>
         <p:spPr>
           <a:xfrm>
-            <a:off x="4169568" y="2240152"/>
-            <a:ext cx="4136231" cy="2800767"/>
+            <a:off x="4169568" y="2114550"/>
+            <a:ext cx="4136231" cy="2862322"/>
           </a:xfrm>
           <a:prstGeom prst="rect">
             <a:avLst/>
@@ -10384,7 +10392,7 @@
           <a:lstStyle/>
           <a:p>
             <a:r>
-              <a:rPr lang="en-US" sz="800" dirty="0">
+              <a:rPr lang="en-US" sz="750" dirty="0">
                 <a:latin typeface="Courier" charset="0"/>
                 <a:ea typeface="Courier" charset="0"/>
                 <a:cs typeface="Courier" charset="0"/>
@@ -10394,7 +10402,7 @@
           </a:p>
           <a:p>
             <a:r>
-              <a:rPr lang="en-US" sz="800" dirty="0">
+              <a:rPr lang="en-US" sz="750" dirty="0">
                 <a:latin typeface="Courier" charset="0"/>
                 <a:ea typeface="Courier" charset="0"/>
                 <a:cs typeface="Courier" charset="0"/>
@@ -10409,7 +10417,7 @@
               </a:spcAft>
             </a:pPr>
             <a:r>
-              <a:rPr lang="en-US" sz="800" dirty="0">
+              <a:rPr lang="en-US" sz="750" dirty="0">
                 <a:latin typeface="Courier" pitchFamily="2" charset="0"/>
                 <a:ea typeface="Courier" charset="0"/>
                 <a:cs typeface="Courier" charset="0"/>
@@ -10424,7 +10432,7 @@
               </a:spcAft>
             </a:pPr>
             <a:r>
-              <a:rPr lang="en-US" sz="800" dirty="0">
+              <a:rPr lang="en-US" sz="750" dirty="0">
                 <a:latin typeface="Courier" pitchFamily="2" charset="0"/>
                 <a:ea typeface="Courier" charset="0"/>
                 <a:cs typeface="Courier" charset="0"/>
@@ -10439,7 +10447,7 @@
               </a:spcAft>
             </a:pPr>
             <a:r>
-              <a:rPr lang="en-US" sz="800" dirty="0">
+              <a:rPr lang="en-US" sz="750" dirty="0">
                 <a:latin typeface="Courier" pitchFamily="2" charset="0"/>
                 <a:ea typeface="Courier" charset="0"/>
                 <a:cs typeface="Courier" charset="0"/>
@@ -10454,7 +10462,7 @@
               </a:spcAft>
             </a:pPr>
             <a:r>
-              <a:rPr lang="en-US" sz="800" dirty="0">
+              <a:rPr lang="en-US" sz="750" dirty="0">
                 <a:latin typeface="Courier" pitchFamily="2" charset="0"/>
                 <a:ea typeface="Courier" charset="0"/>
                 <a:cs typeface="Courier" charset="0"/>
@@ -10469,7 +10477,25 @@
               </a:spcAft>
             </a:pPr>
             <a:r>
-              <a:rPr lang="en-US" sz="800" dirty="0">
+              <a:rPr lang="en-CA" sz="750" dirty="0">
+                <a:latin typeface="Courier" pitchFamily="2" charset="0"/>
+              </a:rPr>
+              <a:t>.  Next Header = 43 (Routing Header)                            .</a:t>
+            </a:r>
+            <a:endParaRPr lang="en-US" sz="750" dirty="0">
+              <a:latin typeface="Courier" pitchFamily="2" charset="0"/>
+              <a:ea typeface="Courier" charset="0"/>
+              <a:cs typeface="Courier" charset="0"/>
+            </a:endParaRPr>
+          </a:p>
+          <a:p>
+            <a:pPr>
+              <a:spcAft>
+                <a:spcPts val="0"/>
+              </a:spcAft>
+            </a:pPr>
+            <a:r>
+              <a:rPr lang="en-US" sz="750" dirty="0">
                 <a:latin typeface="Courier" pitchFamily="2" charset="0"/>
                 <a:ea typeface="Courier" charset="0"/>
                 <a:cs typeface="Courier" charset="0"/>
@@ -10484,7 +10510,7 @@
               </a:spcAft>
             </a:pPr>
             <a:r>
-              <a:rPr lang="en-US" sz="800" dirty="0">
+              <a:rPr lang="en-US" sz="750" dirty="0">
                 <a:latin typeface="Courier" pitchFamily="2" charset="0"/>
                 <a:ea typeface="Courier" charset="0"/>
                 <a:cs typeface="Courier" charset="0"/>
@@ -10494,7 +10520,7 @@
           </a:p>
           <a:p>
             <a:r>
-              <a:rPr lang="en-US" sz="800" dirty="0">
+              <a:rPr lang="en-US" sz="750" dirty="0">
                 <a:latin typeface="Courier" charset="0"/>
                 <a:ea typeface="Courier" charset="0"/>
                 <a:cs typeface="Courier" charset="0"/>
@@ -10504,7 +10530,7 @@
           </a:p>
           <a:p>
             <a:r>
-              <a:rPr lang="en-US" sz="800" dirty="0">
+              <a:rPr lang="en-US" sz="750" dirty="0">
                 <a:latin typeface="Courier" charset="0"/>
                 <a:ea typeface="Courier" charset="0"/>
                 <a:cs typeface="Courier" charset="0"/>
@@ -10514,7 +10540,15 @@
           </a:p>
           <a:p>
             <a:r>
-              <a:rPr lang="en-US" sz="800" dirty="0">
+              <a:rPr lang="en-CA" sz="750" dirty="0">
+                <a:latin typeface="Courier" pitchFamily="2" charset="0"/>
+              </a:rPr>
+              <a:t>.  Next Header = 17 (UDP)                                       .</a:t>
+            </a:r>
+          </a:p>
+          <a:p>
+            <a:r>
+              <a:rPr lang="en-US" sz="750" dirty="0">
                 <a:latin typeface="Courier" charset="0"/>
                 <a:ea typeface="Courier" charset="0"/>
                 <a:cs typeface="Courier" charset="0"/>
@@ -10529,7 +10563,7 @@
               </a:spcAft>
             </a:pPr>
             <a:r>
-              <a:rPr lang="en-US" sz="800" dirty="0">
+              <a:rPr lang="en-US" sz="750" dirty="0">
                 <a:latin typeface="Courier" pitchFamily="2" charset="0"/>
                 <a:ea typeface="Courier" charset="0"/>
                 <a:cs typeface="Courier" charset="0"/>
@@ -10544,7 +10578,7 @@
               </a:spcAft>
             </a:pPr>
             <a:r>
-              <a:rPr lang="en-US" sz="800" dirty="0">
+              <a:rPr lang="en-US" sz="750" dirty="0">
                 <a:latin typeface="Courier" pitchFamily="2" charset="0"/>
                 <a:ea typeface="Courier" charset="0"/>
                 <a:cs typeface="Courier" charset="0"/>
@@ -10559,7 +10593,7 @@
               </a:spcAft>
             </a:pPr>
             <a:r>
-              <a:rPr lang="en-US" sz="800" dirty="0">
+              <a:rPr lang="en-US" sz="750" dirty="0">
                 <a:latin typeface="Courier" pitchFamily="2" charset="0"/>
                 <a:ea typeface="Courier" charset="0"/>
                 <a:cs typeface="Courier" charset="0"/>
@@ -10574,7 +10608,7 @@
               </a:spcAft>
             </a:pPr>
             <a:r>
-              <a:rPr lang="en-US" sz="800" dirty="0">
+              <a:rPr lang="en-US" sz="750" dirty="0">
                 <a:latin typeface="Courier" pitchFamily="2" charset="0"/>
                 <a:ea typeface="Courier" charset="0"/>
                 <a:cs typeface="Courier" charset="0"/>
@@ -10582,7 +10616,7 @@
               <a:t>.  Destination Port = </a:t>
             </a:r>
             <a:r>
-              <a:rPr lang="en-US" sz="800" dirty="0">
+              <a:rPr lang="en-US" sz="750" dirty="0">
                 <a:solidFill>
                   <a:srgbClr val="0070C0"/>
                 </a:solidFill>
@@ -10593,7 +10627,7 @@
               <a:t>User-configured Port                      </a:t>
             </a:r>
             <a:r>
-              <a:rPr lang="en-US" sz="800" dirty="0">
+              <a:rPr lang="en-US" sz="750" dirty="0">
                 <a:latin typeface="Courier" pitchFamily="2" charset="0"/>
                 <a:ea typeface="Courier" charset="0"/>
                 <a:cs typeface="Courier" charset="0"/>
@@ -10608,7 +10642,7 @@
               </a:spcAft>
             </a:pPr>
             <a:r>
-              <a:rPr lang="en-US" sz="800" dirty="0">
+              <a:rPr lang="en-US" sz="750" dirty="0">
                 <a:latin typeface="Courier" pitchFamily="2" charset="0"/>
                 <a:ea typeface="Courier" charset="0"/>
                 <a:cs typeface="Courier" charset="0"/>
@@ -10618,7 +10652,7 @@
           </a:p>
           <a:p>
             <a:r>
-              <a:rPr lang="en-US" sz="800" dirty="0">
+              <a:rPr lang="en-US" sz="750" dirty="0">
                 <a:latin typeface="Courier" charset="0"/>
                 <a:ea typeface="Courier" charset="0"/>
                 <a:cs typeface="Courier" charset="0"/>
@@ -10628,7 +10662,7 @@
           </a:p>
           <a:p>
             <a:r>
-              <a:rPr lang="en-US" sz="800" dirty="0">
+              <a:rPr lang="en-US" sz="750" dirty="0">
                 <a:latin typeface="Courier" charset="0"/>
                 <a:ea typeface="Courier" charset="0"/>
                 <a:cs typeface="Courier" charset="0"/>
@@ -10638,7 +10672,7 @@
           </a:p>
           <a:p>
             <a:r>
-              <a:rPr lang="en-US" sz="800" dirty="0">
+              <a:rPr lang="en-US" sz="750" dirty="0">
                 <a:latin typeface="Courier" charset="0"/>
                 <a:ea typeface="Courier" charset="0"/>
                 <a:cs typeface="Courier" charset="0"/>
@@ -10648,7 +10682,7 @@
           </a:p>
           <a:p>
             <a:r>
-              <a:rPr lang="en-US" sz="800" dirty="0">
+              <a:rPr lang="en-US" sz="750" dirty="0">
                 <a:latin typeface="Courier" charset="0"/>
                 <a:ea typeface="Courier" charset="0"/>
                 <a:cs typeface="Courier" charset="0"/>
@@ -10658,7 +10692,7 @@
           </a:p>
           <a:p>
             <a:r>
-              <a:rPr lang="en-US" sz="800" dirty="0">
+              <a:rPr lang="en-US" sz="750" dirty="0">
                 <a:latin typeface="Courier" charset="0"/>
                 <a:ea typeface="Courier" charset="0"/>
                 <a:cs typeface="Courier" charset="0"/>
@@ -10668,12 +10702,12 @@
           </a:p>
           <a:p>
             <a:r>
-              <a:rPr lang="en-US" sz="800" dirty="0">
+              <a:rPr lang="en-US" sz="750" dirty="0">
                 <a:latin typeface="Courier" charset="0"/>
                 <a:ea typeface="Courier" charset="0"/>
                 <a:cs typeface="Courier" charset="0"/>
               </a:rPr>
-              <a:t>          Figure: Probe Query Message for SRv6 Policy</a:t>
+              <a:t>       Figure: Example Probe Query Message for SRv6 Policy</a:t>
             </a:r>
           </a:p>
         </p:txBody>

--- a/draft-gandhi-spring-stamp-srpm-01.pptx
+++ b/draft-gandhi-spring-stamp-srpm-01.pptx
@@ -264,7 +264,7 @@
           <a:p>
             <a:fld id="{E8FA3DB5-7722-3F4F-947D-12B203669AD7}" type="datetimeFigureOut">
               <a:rPr lang="en-US" smtClean="0"/>
-              <a:t>4/16/20</a:t>
+              <a:t>4/21/20</a:t>
             </a:fld>
             <a:endParaRPr lang="en-US"/>
           </a:p>
@@ -2747,7 +2747,7 @@
               </a14:hiddenLine>
             </a:ext>
             <a:ext uri="{FAA26D3D-D897-4be2-8F04-BA451C77F1D7}">
-              <ma14:placeholderFlag xmlns:ma14="http://schemas.microsoft.com/office/mac/drawingml/2011/main" xmlns="" val="1"/>
+              <ma14:placeholderFlag xmlns="" xmlns:ma14="http://schemas.microsoft.com/office/mac/drawingml/2011/main" val="1"/>
             </a:ext>
           </a:extLst>
         </p:spPr>
@@ -5707,7 +5707,7 @@
             </a:pPr>
             <a:r>
               <a:rPr lang="en-US" altLang="zh-CN" dirty="0"/>
-              <a:t>IETF IPPM Interim – April 2020</a:t>
+              <a:t>IETF  – April 2020</a:t>
             </a:r>
           </a:p>
         </p:txBody>
@@ -5830,7 +5830,7 @@
             </a:pPr>
             <a:r>
               <a:rPr lang="en-US" altLang="zh-CN" sz="1200" dirty="0"/>
-              <a:t>IETF IPPM Interim – April 2020</a:t>
+              <a:t>IETF  – April 2020</a:t>
             </a:r>
           </a:p>
         </p:txBody>
@@ -8574,7 +8574,7 @@
             </a:pPr>
             <a:r>
               <a:rPr lang="en-US" altLang="zh-CN" dirty="0"/>
-              <a:t>IETF IPPM Interim – April 2020</a:t>
+              <a:t>IETF  – April 2020</a:t>
             </a:r>
           </a:p>
         </p:txBody>
@@ -8663,7 +8663,7 @@
             </a:pPr>
             <a:r>
               <a:rPr lang="en-US" altLang="zh-CN" dirty="0"/>
-              <a:t>IETF IPPM Interim – April 2020</a:t>
+              <a:t>IETF  – April 2020</a:t>
             </a:r>
           </a:p>
         </p:txBody>
@@ -8941,7 +8941,7 @@
             </a:pPr>
             <a:r>
               <a:rPr lang="en-US" altLang="zh-CN" dirty="0"/>
-              <a:t>IETF IPPM Interim – April 2020</a:t>
+              <a:t>IETF  – April 2020</a:t>
             </a:r>
           </a:p>
         </p:txBody>
@@ -9103,7 +9103,7 @@
             </a:pPr>
             <a:r>
               <a:rPr lang="en-US" altLang="zh-CN" dirty="0"/>
-              <a:t>IETF IPPM Interim – April 2020</a:t>
+              <a:t>IETF  – April 2020</a:t>
             </a:r>
           </a:p>
         </p:txBody>
@@ -9409,7 +9409,7 @@
             </a:pPr>
             <a:r>
               <a:rPr lang="en-US" altLang="zh-CN" dirty="0"/>
-              <a:t>IETF IPPM Interim – April 2020</a:t>
+              <a:t>IETF  – April 2020</a:t>
             </a:r>
           </a:p>
         </p:txBody>
@@ -9900,7 +9900,7 @@
             </a:pPr>
             <a:r>
               <a:rPr lang="en-US" altLang="zh-CN" dirty="0"/>
-              <a:t>IETF IPPM Interim – April 2020</a:t>
+              <a:t>IETF  – April 2020</a:t>
             </a:r>
           </a:p>
         </p:txBody>
@@ -9913,7 +9913,7 @@
         </p:nvSpPr>
         <p:spPr>
           <a:xfrm>
-            <a:off x="4169569" y="-19050"/>
+            <a:off x="4169569" y="57150"/>
             <a:ext cx="4136231" cy="2062103"/>
           </a:xfrm>
           <a:prstGeom prst="rect">
@@ -10372,7 +10372,7 @@
         </p:nvSpPr>
         <p:spPr>
           <a:xfrm>
-            <a:off x="4169568" y="2114550"/>
+            <a:off x="4169568" y="2224028"/>
             <a:ext cx="4136231" cy="2862322"/>
           </a:xfrm>
           <a:prstGeom prst="rect">
@@ -10827,7 +10827,7 @@
             </a:pPr>
             <a:r>
               <a:rPr lang="en-US" altLang="zh-CN" dirty="0"/>
-              <a:t>IETF IPPM Interim – April 2020</a:t>
+              <a:t>IETF  – April 2020</a:t>
             </a:r>
           </a:p>
         </p:txBody>
@@ -11177,7 +11177,7 @@
             </a:pPr>
             <a:r>
               <a:rPr lang="en-US" sz="1800" dirty="0"/>
-              <a:t>Existing forwarding mechanisms are applicable to PM probe messages:</a:t>
+              <a:t>Existing forwarding mechanisms are applicable to PM probe messages. Examples are:</a:t>
             </a:r>
           </a:p>
           <a:p>
@@ -11233,20 +11233,6 @@
             </a:pPr>
             <a:r>
               <a:rPr lang="en-US" sz="1800" dirty="0"/>
-              <a:t>Destination addresses in IPv6 header (e.g. FFFF:127/104)</a:t>
-            </a:r>
-          </a:p>
-          <a:p>
-            <a:pPr lvl="2">
-              <a:lnSpc>
-                <a:spcPts val="2280"/>
-              </a:lnSpc>
-              <a:spcBef>
-                <a:spcPts val="0"/>
-              </a:spcBef>
-            </a:pPr>
-            <a:r>
-              <a:rPr lang="en-US" sz="1800" dirty="0"/>
               <a:t>Flow label in IPv6 header</a:t>
             </a:r>
           </a:p>
@@ -11277,7 +11263,7 @@
             </a:pPr>
             <a:r>
               <a:rPr lang="en-US" altLang="zh-CN" dirty="0"/>
-              <a:t>IETF IPPM Interim – April 2020</a:t>
+              <a:t>IETF  – April 2020</a:t>
             </a:r>
           </a:p>
         </p:txBody>
@@ -11366,7 +11352,7 @@
             </a:pPr>
             <a:r>
               <a:rPr lang="en-US" altLang="zh-CN" dirty="0"/>
-              <a:t>IETF IPPM Interim – April 2020</a:t>
+              <a:t>IETF  – April 2020</a:t>
             </a:r>
           </a:p>
         </p:txBody>
@@ -11567,7 +11553,7 @@
             </a:pPr>
             <a:r>
               <a:rPr lang="en-US" altLang="zh-CN" dirty="0"/>
-              <a:t>IETF IPPM Interim – April 2020</a:t>
+              <a:t>IETF – April 2020</a:t>
             </a:r>
           </a:p>
         </p:txBody>
@@ -13115,7 +13101,7 @@
             </a:pPr>
             <a:r>
               <a:rPr lang="en-US" altLang="zh-CN" sz="1200" dirty="0"/>
-              <a:t>IETF IPPM Interim – April 2020</a:t>
+              <a:t>IETF  – April 2020</a:t>
             </a:r>
           </a:p>
         </p:txBody>
@@ -13392,7 +13378,7 @@
             </a:pPr>
             <a:r>
               <a:rPr lang="en-US" altLang="zh-CN" dirty="0"/>
-              <a:t>IETF IPPM Interim – April 2020</a:t>
+              <a:t>IETF  – April 2020</a:t>
             </a:r>
           </a:p>
         </p:txBody>
@@ -13869,7 +13855,7 @@
             </a:pPr>
             <a:r>
               <a:rPr lang="en-US" altLang="zh-CN" dirty="0"/>
-              <a:t>IETF IPPM Interim – April 2020</a:t>
+              <a:t>IETF  – April 2020</a:t>
             </a:r>
           </a:p>
         </p:txBody>
@@ -14006,6 +13992,27 @@
           <a:p>
             <a:r>
               <a:rPr lang="en-US" sz="1100" dirty="0"/>
+              <a:t>Mar 2019</a:t>
+            </a:r>
+          </a:p>
+          <a:p>
+            <a:pPr lvl="1"/>
+            <a:r>
+              <a:rPr lang="en-US" sz="1100" dirty="0"/>
+              <a:t>Presented </a:t>
+            </a:r>
+            <a:r>
+              <a:rPr lang="en-US" sz="1100" i="1" dirty="0"/>
+              <a:t>draft-gandhi-spring-twamp-srpm-00</a:t>
+            </a:r>
+            <a:r>
+              <a:rPr lang="en-US" sz="1100" dirty="0"/>
+              <a:t> at IETF 104 Prague in SPRING WG</a:t>
+            </a:r>
+          </a:p>
+          <a:p>
+            <a:r>
+              <a:rPr lang="en-US" sz="1100" dirty="0"/>
               <a:t>May 2019</a:t>
             </a:r>
           </a:p>
@@ -14019,27 +14026,22 @@
           <a:p>
             <a:r>
               <a:rPr lang="en-US" sz="1100" dirty="0"/>
-              <a:t>Mar 2019</a:t>
+              <a:t>July 2019</a:t>
             </a:r>
           </a:p>
           <a:p>
             <a:pPr lvl="1"/>
             <a:r>
               <a:rPr lang="en-US" sz="1100" dirty="0"/>
-              <a:t>Presented version-00 at IETF 104 Prague in SPRING WG</a:t>
-            </a:r>
-          </a:p>
-          <a:p>
+              <a:t>Presented </a:t>
+            </a:r>
+            <a:r>
+              <a:rPr lang="en-US" sz="1100" i="1" dirty="0"/>
+              <a:t>draft-gandhi-spring-twamp-srpm-01</a:t>
+            </a:r>
             <a:r>
               <a:rPr lang="en-US" sz="1100" dirty="0"/>
-              <a:t>July 2019</a:t>
-            </a:r>
-          </a:p>
-          <a:p>
-            <a:pPr lvl="1"/>
-            <a:r>
-              <a:rPr lang="en-US" sz="1100" dirty="0"/>
-              <a:t>Presented version-01 at IETF 105 Montreal in IPPM WG</a:t>
+              <a:t> at IETF 105 Montreal in IPPM WG</a:t>
             </a:r>
           </a:p>
           <a:p>
@@ -14063,8 +14065,12 @@
           <a:p>
             <a:pPr lvl="1"/>
             <a:r>
+              <a:rPr lang="en-US" sz="1100" i="1" dirty="0"/>
+              <a:t>draft-gandhi-spring-twamp-srpm-02</a:t>
+            </a:r>
+            <a:r>
               <a:rPr lang="en-US" sz="1100" dirty="0"/>
-              <a:t>Version-02 updates included a section on stand-alone LM messages</a:t>
+              <a:t> included stand-alone LM messages</a:t>
             </a:r>
           </a:p>
           <a:p>
@@ -14084,7 +14090,15 @@
             <a:pPr lvl="1"/>
             <a:r>
               <a:rPr lang="en-US" sz="1100" dirty="0"/>
-              <a:t>Presented version-04 at IETF 106 Singapore in SPRING WG</a:t>
+              <a:t>Presented </a:t>
+            </a:r>
+            <a:r>
+              <a:rPr lang="en-US" sz="1100" i="1" dirty="0"/>
+              <a:t>draft-gandhi-spring-twamp-srpm-04</a:t>
+            </a:r>
+            <a:r>
+              <a:rPr lang="en-US" sz="1100" dirty="0"/>
+              <a:t> at IETF 106 Singapore in SPRING WG</a:t>
             </a:r>
           </a:p>
           <a:p>
@@ -14097,7 +14111,7 @@
             <a:pPr lvl="1"/>
             <a:r>
               <a:rPr lang="en-US" sz="1100" dirty="0"/>
-              <a:t>Moved SRPM STAMP support to </a:t>
+              <a:t>Moved STAMP support to </a:t>
             </a:r>
             <a:r>
               <a:rPr lang="en-US" sz="1100" i="1" dirty="0"/>
@@ -14124,7 +14138,7 @@
             <a:pPr lvl="1"/>
             <a:r>
               <a:rPr lang="en-US" sz="1100" dirty="0"/>
-              <a:t>Keep SRPM TWAMP Light support in </a:t>
+              <a:t>Keep TWAMP Light support as informational in </a:t>
             </a:r>
             <a:r>
               <a:rPr lang="en-US" sz="1100" i="1" dirty="0"/>
@@ -14136,8 +14150,12 @@
             </a:r>
             <a:r>
               <a:rPr lang="en-US" sz="1100" i="1" dirty="0"/>
-              <a:t>-srpm-08 </a:t>
-            </a:r>
+              <a:t>-srpm-08</a:t>
+            </a:r>
+          </a:p>
+          <a:p>
+            <a:pPr lvl="1"/>
+            <a:endParaRPr lang="en-US" sz="1100" i="1" dirty="0"/>
           </a:p>
         </p:txBody>
       </p:sp>
@@ -14166,7 +14184,7 @@
             </a:pPr>
             <a:r>
               <a:rPr lang="en-US" altLang="zh-CN" dirty="0"/>
-              <a:t>IETF IPPM Interim – April 2020</a:t>
+              <a:t>IETF  – April 2020</a:t>
             </a:r>
           </a:p>
         </p:txBody>
@@ -14398,7 +14416,7 @@
             </a:pPr>
             <a:r>
               <a:rPr lang="en-US" altLang="zh-CN" dirty="0"/>
-              <a:t>IETF IPPM Interim – April 2020</a:t>
+              <a:t>IETF  – April 2020</a:t>
             </a:r>
           </a:p>
         </p:txBody>
@@ -14532,7 +14550,7 @@
             </a:pPr>
             <a:r>
               <a:rPr lang="en-US" altLang="zh-CN" dirty="0"/>
-              <a:t>IETF IPPM Interim – April 2020</a:t>
+              <a:t>IETF  – April 2020</a:t>
             </a:r>
           </a:p>
         </p:txBody>
@@ -15132,7 +15150,7 @@
             </a:pPr>
             <a:r>
               <a:rPr lang="en-US" altLang="zh-CN" dirty="0"/>
-              <a:t>IETF IPPM Interim – April 2020</a:t>
+              <a:t>IETF  – April 2020</a:t>
             </a:r>
           </a:p>
         </p:txBody>
@@ -15370,7 +15388,7 @@
             </a:pPr>
             <a:r>
               <a:rPr lang="en-US" altLang="zh-CN" dirty="0"/>
-              <a:t>IETF IPPM Interim – April 2020</a:t>
+              <a:t>IETF  – April 2020</a:t>
             </a:r>
           </a:p>
         </p:txBody>
@@ -15786,7 +15804,7 @@
             </a:pPr>
             <a:r>
               <a:rPr lang="en-US" altLang="zh-CN" dirty="0"/>
-              <a:t>IETF IPPM Interim – April 2020</a:t>
+              <a:t>IETF  – April 2020</a:t>
             </a:r>
           </a:p>
         </p:txBody>

--- a/draft-gandhi-spring-stamp-srpm-01.pptx
+++ b/draft-gandhi-spring-stamp-srpm-01.pptx
@@ -264,7 +264,7 @@
           <a:p>
             <a:fld id="{E8FA3DB5-7722-3F4F-947D-12B203669AD7}" type="datetimeFigureOut">
               <a:rPr lang="en-US" smtClean="0"/>
-              <a:t>4/21/20</a:t>
+              <a:t>4/22/20</a:t>
             </a:fld>
             <a:endParaRPr lang="en-US"/>
           </a:p>
@@ -2747,7 +2747,7 @@
               </a14:hiddenLine>
             </a:ext>
             <a:ext uri="{FAA26D3D-D897-4be2-8F04-BA451C77F1D7}">
-              <ma14:placeholderFlag xmlns="" xmlns:ma14="http://schemas.microsoft.com/office/mac/drawingml/2011/main" val="1"/>
+              <ma14:placeholderFlag xmlns:ma14="http://schemas.microsoft.com/office/mac/drawingml/2011/main" xmlns="" val="1"/>
             </a:ext>
           </a:extLst>
         </p:spPr>
@@ -11205,7 +11205,7 @@
             </a:pPr>
             <a:r>
               <a:rPr lang="en-US" sz="1800" dirty="0"/>
-              <a:t>Destination addresses in IPv4 header (e.g. 127/8)</a:t>
+              <a:t>Destination address in IPv4 header (e.g. 127/8)</a:t>
             </a:r>
           </a:p>
           <a:p>

--- a/draft-gandhi-spring-stamp-srpm-01.pptx
+++ b/draft-gandhi-spring-stamp-srpm-01.pptx
@@ -2747,7 +2747,7 @@
               </a14:hiddenLine>
             </a:ext>
             <a:ext uri="{FAA26D3D-D897-4be2-8F04-BA451C77F1D7}">
-              <ma14:placeholderFlag xmlns:ma14="http://schemas.microsoft.com/office/mac/drawingml/2011/main" xmlns="" val="1"/>
+              <ma14:placeholderFlag xmlns="" xmlns:ma14="http://schemas.microsoft.com/office/mac/drawingml/2011/main" val="1"/>
             </a:ext>
           </a:extLst>
         </p:spPr>
@@ -11205,7 +11205,7 @@
             </a:pPr>
             <a:r>
               <a:rPr lang="en-US" sz="1800" dirty="0"/>
-              <a:t>Destination address in IPv4 header (e.g. 127/8)</a:t>
+              <a:t>Sweeping destination address in IPv4 header (e.g. 127/8)</a:t>
             </a:r>
           </a:p>
           <a:p>
@@ -11233,7 +11233,7 @@
             </a:pPr>
             <a:r>
               <a:rPr lang="en-US" sz="1800" dirty="0"/>
-              <a:t>Flow label in IPv6 header</a:t>
+              <a:t>Sweeping flow label in IPv6 header</a:t>
             </a:r>
           </a:p>
         </p:txBody>

--- a/draft-gandhi-spring-stamp-srpm-01.pptx
+++ b/draft-gandhi-spring-stamp-srpm-01.pptx
@@ -264,7 +264,7 @@
           <a:p>
             <a:fld id="{E8FA3DB5-7722-3F4F-947D-12B203669AD7}" type="datetimeFigureOut">
               <a:rPr lang="en-US" smtClean="0"/>
-              <a:t>4/22/20</a:t>
+              <a:t>5/7/20</a:t>
             </a:fld>
             <a:endParaRPr lang="en-US"/>
           </a:p>
@@ -2747,7 +2747,7 @@
               </a14:hiddenLine>
             </a:ext>
             <a:ext uri="{FAA26D3D-D897-4be2-8F04-BA451C77F1D7}">
-              <ma14:placeholderFlag xmlns="" xmlns:ma14="http://schemas.microsoft.com/office/mac/drawingml/2011/main" val="1"/>
+              <ma14:placeholderFlag xmlns:ma14="http://schemas.microsoft.com/office/mac/drawingml/2011/main" xmlns="" val="1"/>
             </a:ext>
           </a:extLst>
         </p:spPr>
@@ -9444,7 +9444,7 @@
             </a:r>
             <a:r>
               <a:rPr lang="en-US" sz="1600" dirty="0"/>
-              <a:t> is used for DM probe messages in unauthenticated mode and </a:t>
+              <a:t> is used for DM probe messages and </a:t>
             </a:r>
             <a:r>
               <a:rPr lang="en-US" sz="1600" b="1" dirty="0"/>
@@ -9452,7 +9452,7 @@
             </a:r>
             <a:r>
               <a:rPr lang="en-US" sz="1600" dirty="0"/>
-              <a:t> is used for LM probe messages in unauthenticated mode.</a:t>
+              <a:t> is used for LM probe messages, both in unauthenticated mode.</a:t>
             </a:r>
           </a:p>
           <a:p>
@@ -10467,7 +10467,23 @@
                 <a:ea typeface="Courier" charset="0"/>
                 <a:cs typeface="Courier" charset="0"/>
               </a:rPr>
-              <a:t>.  Destination IP Address = Reflector IPv6 Address              .</a:t>
+              <a:t>.  Destination IP Address = Next Hop IPv6 </a:t>
+            </a:r>
+            <a:r>
+              <a:rPr lang="en-US" sz="750">
+                <a:latin typeface="Courier" pitchFamily="2" charset="0"/>
+                <a:ea typeface="Courier" charset="0"/>
+                <a:cs typeface="Courier" charset="0"/>
+              </a:rPr>
+              <a:t>Address               </a:t>
+            </a:r>
+            <a:r>
+              <a:rPr lang="en-US" sz="750" dirty="0">
+                <a:latin typeface="Courier" pitchFamily="2" charset="0"/>
+                <a:ea typeface="Courier" charset="0"/>
+                <a:cs typeface="Courier" charset="0"/>
+              </a:rPr>
+              <a:t>.</a:t>
             </a:r>
           </a:p>
           <a:p>
@@ -10972,7 +10988,7 @@
                 <a:latin typeface="Courier" pitchFamily="2" charset="0"/>
                 <a:cs typeface="Courier New" panose="02070309020205020404" pitchFamily="49" charset="0"/>
               </a:rPr>
-              <a:t>    | DM Response Payload  |                                        |</a:t>
+              <a:t>    | Payload = DM Response Message |                               |</a:t>
             </a:r>
           </a:p>
           <a:p>
@@ -10981,7 +10997,7 @@
                 <a:latin typeface="Courier" pitchFamily="2" charset="0"/>
                 <a:cs typeface="Courier New" panose="02070309020205020404" pitchFamily="49" charset="0"/>
               </a:rPr>
-              <a:t>    . LM Response Payload                                           .</a:t>
+              <a:t>    . Payload = LM Response Message                                 .</a:t>
             </a:r>
           </a:p>
           <a:p>
@@ -13729,26 +13745,6 @@
             </a:pPr>
             <a:r>
               <a:rPr lang="en-US" sz="1600" dirty="0"/>
-              <a:t>No need to bootstrap PM session (e.g. to negotiate UDP port) - spirit of SR</a:t>
-            </a:r>
-          </a:p>
-          <a:p>
-            <a:pPr lvl="2">
-              <a:buFont typeface="Wingdings" charset="2"/>
-              <a:buChar char="ü"/>
-            </a:pPr>
-            <a:r>
-              <a:rPr lang="en-US" sz="1600" dirty="0"/>
-              <a:t>Stateless on egress node - spirit of SR </a:t>
-            </a:r>
-          </a:p>
-          <a:p>
-            <a:pPr lvl="1">
-              <a:buFont typeface="Wingdings" charset="2"/>
-              <a:buChar char="§"/>
-            </a:pPr>
-            <a:r>
-              <a:rPr lang="en-US" sz="1600" dirty="0"/>
               <a:t>Handle ECMP for SR Paths</a:t>
             </a:r>
           </a:p>
@@ -15676,7 +15672,7 @@
                 <a:ea typeface="Calibri" panose="020F0502020204030204" pitchFamily="34" charset="0"/>
                 <a:cs typeface="Consolas" panose="020B0609020204030204" pitchFamily="49" charset="0"/>
               </a:rPr>
-              <a:t>The reflector node SHOULD NOT send response if it is not the intended destination node of the query.</a:t>
+              <a:t>The reflector node MUST NOT send response if it is not the intended destination node of the query.</a:t>
             </a:r>
           </a:p>
           <a:p>

--- a/draft-gandhi-spring-stamp-srpm-01.pptx
+++ b/draft-gandhi-spring-stamp-srpm-01.pptx
@@ -2747,7 +2747,7 @@
               </a14:hiddenLine>
             </a:ext>
             <a:ext uri="{FAA26D3D-D897-4be2-8F04-BA451C77F1D7}">
-              <ma14:placeholderFlag xmlns:ma14="http://schemas.microsoft.com/office/mac/drawingml/2011/main" xmlns="" val="1"/>
+              <ma14:placeholderFlag xmlns="" xmlns:ma14="http://schemas.microsoft.com/office/mac/drawingml/2011/main" val="1"/>
             </a:ext>
           </a:extLst>
         </p:spPr>
@@ -5707,7 +5707,15 @@
             </a:pPr>
             <a:r>
               <a:rPr lang="en-US" altLang="zh-CN" dirty="0"/>
-              <a:t>IETF  – April 2020</a:t>
+              <a:t>107</a:t>
+            </a:r>
+            <a:r>
+              <a:rPr lang="en-US" altLang="zh-CN" baseline="30000" dirty="0"/>
+              <a:t>th</a:t>
+            </a:r>
+            <a:r>
+              <a:rPr lang="en-US" altLang="zh-CN" dirty="0"/>
+              <a:t> IETF @ Vancouver</a:t>
             </a:r>
           </a:p>
         </p:txBody>
@@ -5830,7 +5838,15 @@
             </a:pPr>
             <a:r>
               <a:rPr lang="en-US" altLang="zh-CN" sz="1200" dirty="0"/>
-              <a:t>IETF  – April 2020</a:t>
+              <a:t>107</a:t>
+            </a:r>
+            <a:r>
+              <a:rPr lang="en-US" altLang="zh-CN" sz="1200" baseline="30000" dirty="0"/>
+              <a:t>th</a:t>
+            </a:r>
+            <a:r>
+              <a:rPr lang="en-US" altLang="zh-CN" sz="1200" dirty="0"/>
+              <a:t> IETF @ Vancouver</a:t>
             </a:r>
           </a:p>
         </p:txBody>
@@ -6069,7 +6085,7 @@
           </a:p>
           <a:p>
             <a:r>
-              <a:rPr lang="en-US" sz="1400" b="1" kern="0" dirty="0">
+              <a:rPr lang="en-US" sz="1400" kern="0" dirty="0">
                 <a:solidFill>
                   <a:schemeClr val="tx2"/>
                 </a:solidFill>
@@ -6077,7 +6093,7 @@
               <a:t>Does not modify existing STAMP (which is for DM) procedure as different UDP destination </a:t>
             </a:r>
             <a:r>
-              <a:rPr lang="en-US" sz="1400" b="1" kern="0" dirty="0">
+              <a:rPr lang="en-US" sz="1400" kern="0" dirty="0">
                 <a:solidFill>
                   <a:srgbClr val="0070C0"/>
                 </a:solidFill>
@@ -6085,7 +6101,7 @@
               <a:t>Port2</a:t>
             </a:r>
             <a:r>
-              <a:rPr lang="en-US" sz="1400" b="1" kern="0" dirty="0">
+              <a:rPr lang="en-US" sz="1400" kern="0" dirty="0">
                 <a:solidFill>
                   <a:schemeClr val="tx2"/>
                 </a:solidFill>
@@ -8574,7 +8590,15 @@
             </a:pPr>
             <a:r>
               <a:rPr lang="en-US" altLang="zh-CN" dirty="0"/>
-              <a:t>IETF  – April 2020</a:t>
+              <a:t>107</a:t>
+            </a:r>
+            <a:r>
+              <a:rPr lang="en-US" altLang="zh-CN" baseline="30000" dirty="0"/>
+              <a:t>th</a:t>
+            </a:r>
+            <a:r>
+              <a:rPr lang="en-US" altLang="zh-CN" dirty="0"/>
+              <a:t> IETF @ Vancouver</a:t>
             </a:r>
           </a:p>
         </p:txBody>
@@ -8663,7 +8687,15 @@
             </a:pPr>
             <a:r>
               <a:rPr lang="en-US" altLang="zh-CN" dirty="0"/>
-              <a:t>IETF  – April 2020</a:t>
+              <a:t>107</a:t>
+            </a:r>
+            <a:r>
+              <a:rPr lang="en-US" altLang="zh-CN" baseline="30000" dirty="0"/>
+              <a:t>th</a:t>
+            </a:r>
+            <a:r>
+              <a:rPr lang="en-US" altLang="zh-CN" dirty="0"/>
+              <a:t> IETF @ Vancouver</a:t>
             </a:r>
           </a:p>
         </p:txBody>
@@ -8941,7 +8973,15 @@
             </a:pPr>
             <a:r>
               <a:rPr lang="en-US" altLang="zh-CN" dirty="0"/>
-              <a:t>IETF  – April 2020</a:t>
+              <a:t>107</a:t>
+            </a:r>
+            <a:r>
+              <a:rPr lang="en-US" altLang="zh-CN" baseline="30000" dirty="0"/>
+              <a:t>th</a:t>
+            </a:r>
+            <a:r>
+              <a:rPr lang="en-US" altLang="zh-CN" dirty="0"/>
+              <a:t> IETF @ Vancouver</a:t>
             </a:r>
           </a:p>
         </p:txBody>
@@ -9103,7 +9143,15 @@
             </a:pPr>
             <a:r>
               <a:rPr lang="en-US" altLang="zh-CN" dirty="0"/>
-              <a:t>IETF  – April 2020</a:t>
+              <a:t>107</a:t>
+            </a:r>
+            <a:r>
+              <a:rPr lang="en-US" altLang="zh-CN" baseline="30000" dirty="0"/>
+              <a:t>th</a:t>
+            </a:r>
+            <a:r>
+              <a:rPr lang="en-US" altLang="zh-CN" dirty="0"/>
+              <a:t> IETF @ Vancouver</a:t>
             </a:r>
           </a:p>
         </p:txBody>
@@ -9409,7 +9457,15 @@
             </a:pPr>
             <a:r>
               <a:rPr lang="en-US" altLang="zh-CN" dirty="0"/>
-              <a:t>IETF  – April 2020</a:t>
+              <a:t>107</a:t>
+            </a:r>
+            <a:r>
+              <a:rPr lang="en-US" altLang="zh-CN" baseline="30000" dirty="0"/>
+              <a:t>th</a:t>
+            </a:r>
+            <a:r>
+              <a:rPr lang="en-US" altLang="zh-CN" dirty="0"/>
+              <a:t> IETF @ Vancouver</a:t>
             </a:r>
           </a:p>
         </p:txBody>
@@ -9471,7 +9527,7 @@
         </p:nvSpPr>
         <p:spPr>
           <a:xfrm>
-            <a:off x="1971675" y="1623915"/>
+            <a:off x="1971675" y="1572719"/>
             <a:ext cx="5200650" cy="2862322"/>
           </a:xfrm>
           <a:prstGeom prst="rect">
@@ -9700,22 +9756,50 @@
                 <a:ea typeface="Courier" charset="0"/>
                 <a:cs typeface="Courier" charset="0"/>
               </a:rPr>
-              <a:t>| Payload = DM Message for Query |                              |</a:t>
-            </a:r>
-          </a:p>
-          <a:p>
-            <a:pPr>
-              <a:spcAft>
-                <a:spcPts val="0"/>
-              </a:spcAft>
-            </a:pPr>
+              <a:t>| Payload = </a:t>
+            </a:r>
+            <a:r>
+              <a:rPr lang="en-CA" sz="1000" dirty="0">
+                <a:latin typeface="Courier" pitchFamily="2" charset="0"/>
+              </a:rPr>
+              <a:t>DM Message as specified in Section 4.2 of RFC 8762</a:t>
+            </a:r>
             <a:r>
               <a:rPr lang="en-US" sz="1000" dirty="0">
                 <a:latin typeface="Courier" pitchFamily="2" charset="0"/>
                 <a:ea typeface="Courier" charset="0"/>
                 <a:cs typeface="Courier" charset="0"/>
               </a:rPr>
-              <a:t>. Payload = LM Message for Query                                .</a:t>
+              <a:t>| |</a:t>
+            </a:r>
+          </a:p>
+          <a:p>
+            <a:pPr>
+              <a:spcAft>
+                <a:spcPts val="0"/>
+              </a:spcAft>
+            </a:pPr>
+            <a:r>
+              <a:rPr lang="en-US" sz="1000" dirty="0">
+                <a:latin typeface="Courier" pitchFamily="2" charset="0"/>
+                <a:ea typeface="Courier" charset="0"/>
+                <a:cs typeface="Courier" charset="0"/>
+              </a:rPr>
+              <a:t>. Payload = </a:t>
+            </a:r>
+            <a:r>
+              <a:rPr lang="en-CA" sz="1000" dirty="0">
+                <a:latin typeface="Courier" pitchFamily="2" charset="0"/>
+              </a:rPr>
+              <a:t>LM Message as specified in Figure 7 or 8            </a:t>
+            </a:r>
+            <a:r>
+              <a:rPr lang="en-US" sz="1000" dirty="0">
+                <a:latin typeface="Courier" pitchFamily="2" charset="0"/>
+                <a:ea typeface="Courier" charset="0"/>
+                <a:cs typeface="Courier" charset="0"/>
+              </a:rPr>
+              <a:t>.</a:t>
             </a:r>
           </a:p>
           <a:p>
@@ -9900,7 +9984,15 @@
             </a:pPr>
             <a:r>
               <a:rPr lang="en-US" altLang="zh-CN" dirty="0"/>
-              <a:t>IETF  – April 2020</a:t>
+              <a:t>107</a:t>
+            </a:r>
+            <a:r>
+              <a:rPr lang="en-US" altLang="zh-CN" baseline="30000" dirty="0"/>
+              <a:t>th</a:t>
+            </a:r>
+            <a:r>
+              <a:rPr lang="en-US" altLang="zh-CN" dirty="0"/>
+              <a:t> IETF @ Vancouver</a:t>
             </a:r>
           </a:p>
         </p:txBody>
@@ -10843,7 +10935,15 @@
             </a:pPr>
             <a:r>
               <a:rPr lang="en-US" altLang="zh-CN" dirty="0"/>
-              <a:t>IETF  – April 2020</a:t>
+              <a:t>107</a:t>
+            </a:r>
+            <a:r>
+              <a:rPr lang="en-US" altLang="zh-CN" baseline="30000" dirty="0"/>
+              <a:t>th</a:t>
+            </a:r>
+            <a:r>
+              <a:rPr lang="en-US" altLang="zh-CN" dirty="0"/>
+              <a:t> IETF @ Vancouver</a:t>
             </a:r>
           </a:p>
         </p:txBody>
@@ -11279,7 +11379,15 @@
             </a:pPr>
             <a:r>
               <a:rPr lang="en-US" altLang="zh-CN" dirty="0"/>
-              <a:t>IETF  – April 2020</a:t>
+              <a:t>107</a:t>
+            </a:r>
+            <a:r>
+              <a:rPr lang="en-US" altLang="zh-CN" baseline="30000" dirty="0"/>
+              <a:t>th</a:t>
+            </a:r>
+            <a:r>
+              <a:rPr lang="en-US" altLang="zh-CN" dirty="0"/>
+              <a:t> IETF @ Vancouver</a:t>
             </a:r>
           </a:p>
         </p:txBody>
@@ -11368,7 +11476,15 @@
             </a:pPr>
             <a:r>
               <a:rPr lang="en-US" altLang="zh-CN" dirty="0"/>
-              <a:t>IETF  – April 2020</a:t>
+              <a:t>107</a:t>
+            </a:r>
+            <a:r>
+              <a:rPr lang="en-US" altLang="zh-CN" baseline="30000" dirty="0"/>
+              <a:t>th</a:t>
+            </a:r>
+            <a:r>
+              <a:rPr lang="en-US" altLang="zh-CN" dirty="0"/>
+              <a:t> IETF @ Vancouver</a:t>
             </a:r>
           </a:p>
         </p:txBody>
@@ -11569,7 +11685,15 @@
             </a:pPr>
             <a:r>
               <a:rPr lang="en-US" altLang="zh-CN" dirty="0"/>
-              <a:t>IETF – April 2020</a:t>
+              <a:t>107</a:t>
+            </a:r>
+            <a:r>
+              <a:rPr lang="en-US" altLang="zh-CN" baseline="30000" dirty="0"/>
+              <a:t>th</a:t>
+            </a:r>
+            <a:r>
+              <a:rPr lang="en-US" altLang="zh-CN" dirty="0"/>
+              <a:t> IETF @ Vancouver</a:t>
             </a:r>
           </a:p>
         </p:txBody>
@@ -13117,7 +13241,15 @@
             </a:pPr>
             <a:r>
               <a:rPr lang="en-US" altLang="zh-CN" sz="1200" dirty="0"/>
-              <a:t>IETF  – April 2020</a:t>
+              <a:t>107</a:t>
+            </a:r>
+            <a:r>
+              <a:rPr lang="en-US" altLang="zh-CN" sz="1200" baseline="30000" dirty="0"/>
+              <a:t>th</a:t>
+            </a:r>
+            <a:r>
+              <a:rPr lang="en-US" altLang="zh-CN" sz="1200" dirty="0"/>
+              <a:t> IETF @ Vancouver</a:t>
             </a:r>
           </a:p>
         </p:txBody>
@@ -13394,7 +13526,15 @@
             </a:pPr>
             <a:r>
               <a:rPr lang="en-US" altLang="zh-CN" dirty="0"/>
-              <a:t>IETF  – April 2020</a:t>
+              <a:t>107</a:t>
+            </a:r>
+            <a:r>
+              <a:rPr lang="en-US" altLang="zh-CN" baseline="30000" dirty="0"/>
+              <a:t>th</a:t>
+            </a:r>
+            <a:r>
+              <a:rPr lang="en-US" altLang="zh-CN" dirty="0"/>
+              <a:t> IETF @ Vancouver</a:t>
             </a:r>
           </a:p>
         </p:txBody>
@@ -13851,7 +13991,15 @@
             </a:pPr>
             <a:r>
               <a:rPr lang="en-US" altLang="zh-CN" dirty="0"/>
-              <a:t>IETF  – April 2020</a:t>
+              <a:t>107</a:t>
+            </a:r>
+            <a:r>
+              <a:rPr lang="en-US" altLang="zh-CN" baseline="30000" dirty="0"/>
+              <a:t>th</a:t>
+            </a:r>
+            <a:r>
+              <a:rPr lang="en-US" altLang="zh-CN" dirty="0"/>
+              <a:t> IETF @ Vancouver</a:t>
             </a:r>
           </a:p>
         </p:txBody>
@@ -14180,7 +14328,15 @@
             </a:pPr>
             <a:r>
               <a:rPr lang="en-US" altLang="zh-CN" dirty="0"/>
-              <a:t>IETF  – April 2020</a:t>
+              <a:t>107</a:t>
+            </a:r>
+            <a:r>
+              <a:rPr lang="en-US" altLang="zh-CN" baseline="30000" dirty="0"/>
+              <a:t>th</a:t>
+            </a:r>
+            <a:r>
+              <a:rPr lang="en-US" altLang="zh-CN" dirty="0"/>
+              <a:t> IETF @ Vancouver</a:t>
             </a:r>
           </a:p>
         </p:txBody>
@@ -14353,6 +14509,16 @@
             </a:pPr>
             <a:r>
               <a:rPr lang="en-US" sz="1600" dirty="0"/>
+              <a:t>Updated IANA registry action</a:t>
+            </a:r>
+          </a:p>
+          <a:p>
+            <a:pPr marL="800100" lvl="1" indent="-342900">
+              <a:buFont typeface="+mj-lt"/>
+              <a:buAutoNum type="arabicPeriod"/>
+            </a:pPr>
+            <a:r>
+              <a:rPr lang="en-US" sz="1600" dirty="0"/>
               <a:t>Various editorial changes 	</a:t>
             </a:r>
           </a:p>
@@ -14366,23 +14532,13 @@
             </a:r>
           </a:p>
           <a:p>
-            <a:pPr marL="742950" lvl="2" indent="-342900">
+            <a:pPr marL="685800" lvl="2" indent="-285750">
               <a:buFont typeface="Wingdings" pitchFamily="2" charset="2"/>
               <a:buChar char="§"/>
             </a:pPr>
             <a:r>
               <a:rPr lang="en-US" sz="1600" dirty="0"/>
-              <a:t>Identify TLV as Mandatory or Optional</a:t>
-            </a:r>
-          </a:p>
-          <a:p>
-            <a:pPr marL="742950" lvl="2" indent="-342900">
-              <a:buFont typeface="Wingdings" pitchFamily="2" charset="2"/>
-              <a:buChar char="§"/>
-            </a:pPr>
-            <a:r>
-              <a:rPr lang="en-US" sz="1600" dirty="0"/>
-              <a:t>Update IANA registry action</a:t>
+              <a:t>None</a:t>
             </a:r>
           </a:p>
         </p:txBody>
@@ -14412,7 +14568,15 @@
             </a:pPr>
             <a:r>
               <a:rPr lang="en-US" altLang="zh-CN" dirty="0"/>
-              <a:t>IETF  – April 2020</a:t>
+              <a:t>107</a:t>
+            </a:r>
+            <a:r>
+              <a:rPr lang="en-US" altLang="zh-CN" baseline="30000" dirty="0"/>
+              <a:t>th</a:t>
+            </a:r>
+            <a:r>
+              <a:rPr lang="en-US" altLang="zh-CN" dirty="0"/>
+              <a:t> IETF @ Vancouver</a:t>
             </a:r>
           </a:p>
         </p:txBody>
@@ -14546,7 +14710,15 @@
             </a:pPr>
             <a:r>
               <a:rPr lang="en-US" altLang="zh-CN" dirty="0"/>
-              <a:t>IETF  – April 2020</a:t>
+              <a:t>107</a:t>
+            </a:r>
+            <a:r>
+              <a:rPr lang="en-US" altLang="zh-CN" baseline="30000" dirty="0"/>
+              <a:t>th</a:t>
+            </a:r>
+            <a:r>
+              <a:rPr lang="en-US" altLang="zh-CN" dirty="0"/>
+              <a:t> IETF @ Vancouver</a:t>
             </a:r>
           </a:p>
         </p:txBody>
@@ -15146,7 +15318,15 @@
             </a:pPr>
             <a:r>
               <a:rPr lang="en-US" altLang="zh-CN" dirty="0"/>
-              <a:t>IETF  – April 2020</a:t>
+              <a:t>107</a:t>
+            </a:r>
+            <a:r>
+              <a:rPr lang="en-US" altLang="zh-CN" baseline="30000" dirty="0"/>
+              <a:t>th</a:t>
+            </a:r>
+            <a:r>
+              <a:rPr lang="en-US" altLang="zh-CN" dirty="0"/>
+              <a:t> IETF @ Vancouver</a:t>
             </a:r>
           </a:p>
         </p:txBody>
@@ -15384,7 +15564,15 @@
             </a:pPr>
             <a:r>
               <a:rPr lang="en-US" altLang="zh-CN" dirty="0"/>
-              <a:t>IETF  – April 2020</a:t>
+              <a:t>107</a:t>
+            </a:r>
+            <a:r>
+              <a:rPr lang="en-US" altLang="zh-CN" baseline="30000" dirty="0"/>
+              <a:t>th</a:t>
+            </a:r>
+            <a:r>
+              <a:rPr lang="en-US" altLang="zh-CN" dirty="0"/>
+              <a:t> IETF @ Vancouver</a:t>
             </a:r>
           </a:p>
         </p:txBody>
@@ -15800,7 +15988,15 @@
             </a:pPr>
             <a:r>
               <a:rPr lang="en-US" altLang="zh-CN" dirty="0"/>
-              <a:t>IETF  – April 2020</a:t>
+              <a:t>107</a:t>
+            </a:r>
+            <a:r>
+              <a:rPr lang="en-US" altLang="zh-CN" baseline="30000" dirty="0"/>
+              <a:t>th</a:t>
+            </a:r>
+            <a:r>
+              <a:rPr lang="en-US" altLang="zh-CN" dirty="0"/>
+              <a:t> IETF @ Vancouver</a:t>
             </a:r>
           </a:p>
         </p:txBody>

--- a/draft-gandhi-spring-stamp-srpm-01.pptx
+++ b/draft-gandhi-spring-stamp-srpm-01.pptx
@@ -26,7 +26,7 @@
     <p:sldId id="1672" r:id="rId14"/>
     <p:sldId id="1652" r:id="rId15"/>
     <p:sldId id="1657" r:id="rId16"/>
-    <p:sldId id="322" r:id="rId17"/>
+    <p:sldId id="1673" r:id="rId17"/>
     <p:sldId id="320" r:id="rId18"/>
     <p:sldId id="1658" r:id="rId19"/>
     <p:sldId id="1655" r:id="rId20"/>
@@ -264,7 +264,7 @@
           <a:p>
             <a:fld id="{E8FA3DB5-7722-3F4F-947D-12B203669AD7}" type="datetimeFigureOut">
               <a:rPr lang="en-US" smtClean="0"/>
-              <a:t>5/7/20</a:t>
+              <a:t>5/8/20</a:t>
             </a:fld>
             <a:endParaRPr lang="en-US"/>
           </a:p>
@@ -2747,7 +2747,7 @@
               </a14:hiddenLine>
             </a:ext>
             <a:ext uri="{FAA26D3D-D897-4be2-8F04-BA451C77F1D7}">
-              <ma14:placeholderFlag xmlns="" xmlns:ma14="http://schemas.microsoft.com/office/mac/drawingml/2011/main" val="1"/>
+              <ma14:placeholderFlag xmlns:ma14="http://schemas.microsoft.com/office/mac/drawingml/2011/main" xmlns="" val="1"/>
             </a:ext>
           </a:extLst>
         </p:spPr>
@@ -9947,7 +9947,7 @@
           <a:p>
             <a:pPr algn="l"/>
             <a:r>
-              <a:rPr lang="en-US" sz="3200" dirty="0">
+              <a:rPr lang="en-US" sz="3400" dirty="0">
                 <a:solidFill>
                   <a:srgbClr val="0070C0"/>
                 </a:solidFill>
@@ -10005,8 +10005,8 @@
         </p:nvSpPr>
         <p:spPr>
           <a:xfrm>
-            <a:off x="4169569" y="57150"/>
-            <a:ext cx="4136231" cy="2062103"/>
+            <a:off x="4267200" y="87235"/>
+            <a:ext cx="3962400" cy="1823576"/>
           </a:xfrm>
           <a:prstGeom prst="rect">
             <a:avLst/>
@@ -10025,170 +10025,152 @@
           <a:lstStyle/>
           <a:p>
             <a:r>
-              <a:rPr lang="en-US" sz="800" dirty="0">
-                <a:latin typeface="Courier" charset="0"/>
-                <a:ea typeface="Courier" charset="0"/>
-                <a:cs typeface="Courier" charset="0"/>
-              </a:rPr>
-              <a:t>0                   1                   2                   3</a:t>
-            </a:r>
-          </a:p>
-          <a:p>
-            <a:r>
-              <a:rPr lang="en-US" sz="800" dirty="0">
-                <a:latin typeface="Courier" charset="0"/>
-                <a:ea typeface="Courier" charset="0"/>
-                <a:cs typeface="Courier" charset="0"/>
-              </a:rPr>
-              <a:t>0 1 2 3 4 5 6 7 8 9 0 1 2 3 4 5 6 7 8 9 0 1 2 3 4 5 6 7 8 9 0 1</a:t>
-            </a:r>
-          </a:p>
-          <a:p>
-            <a:r>
-              <a:rPr lang="en-US" sz="800" dirty="0">
-                <a:latin typeface="Courier" charset="0"/>
-                <a:ea typeface="Courier" charset="0"/>
-                <a:cs typeface="Courier" charset="0"/>
-              </a:rPr>
-              <a:t>+-+-+-+-+-+-+-+-+-+-+-+-+-+-+-+-+-+-+-+-+-+-+-+-+-+-+-+-+-+-+-+-+</a:t>
-            </a:r>
-          </a:p>
-          <a:p>
-            <a:r>
-              <a:rPr lang="en-US" sz="800" dirty="0">
-                <a:latin typeface="Courier" charset="0"/>
-                <a:ea typeface="Courier" charset="0"/>
-                <a:cs typeface="Courier" charset="0"/>
-              </a:rPr>
-              <a:t>|              Segment(1)               | TC  |S|      TTL      |</a:t>
-            </a:r>
-          </a:p>
-          <a:p>
-            <a:r>
-              <a:rPr lang="en-US" sz="800" dirty="0">
-                <a:latin typeface="Courier" charset="0"/>
-                <a:ea typeface="Courier" charset="0"/>
-                <a:cs typeface="Courier" charset="0"/>
-              </a:rPr>
-              <a:t>+-+-+-+-+-+-+-+-+-+-+-+-+-+-+-+-+-+-+-+-+-+-+-+-+-+-+-+-+-+-+-+-+</a:t>
-            </a:r>
-          </a:p>
-          <a:p>
-            <a:r>
-              <a:rPr lang="en-US" sz="800" dirty="0">
-                <a:latin typeface="Courier" charset="0"/>
-                <a:ea typeface="Courier" charset="0"/>
-                <a:cs typeface="Courier" charset="0"/>
-              </a:rPr>
-              <a:t>.                                                               .</a:t>
-            </a:r>
-          </a:p>
-          <a:p>
-            <a:r>
-              <a:rPr lang="en-US" sz="800" dirty="0">
-                <a:latin typeface="Courier" charset="0"/>
-                <a:ea typeface="Courier" charset="0"/>
-                <a:cs typeface="Courier" charset="0"/>
-              </a:rPr>
-              <a:t>.                                                               .</a:t>
-            </a:r>
-          </a:p>
-          <a:p>
-            <a:r>
-              <a:rPr lang="en-US" sz="800" dirty="0">
-                <a:latin typeface="Courier" charset="0"/>
-                <a:ea typeface="Courier" charset="0"/>
-                <a:cs typeface="Courier" charset="0"/>
-              </a:rPr>
-              <a:t>.                                                               .</a:t>
-            </a:r>
-          </a:p>
-          <a:p>
-            <a:r>
-              <a:rPr lang="en-US" sz="800" dirty="0">
-                <a:latin typeface="Courier" charset="0"/>
-                <a:ea typeface="Courier" charset="0"/>
-                <a:cs typeface="Courier" charset="0"/>
-              </a:rPr>
-              <a:t>+-+-+-+-+-+-+-+-+-+-+-+-+-+-+-+-+-+-+-+-+-+-+-+-+-+-+-+-+-+-+-+-+</a:t>
-            </a:r>
-          </a:p>
-          <a:p>
-            <a:r>
-              <a:rPr lang="en-US" sz="800" dirty="0">
-                <a:latin typeface="Courier" charset="0"/>
-                <a:ea typeface="Courier" charset="0"/>
-                <a:cs typeface="Courier" charset="0"/>
-              </a:rPr>
-              <a:t>|              Segment(n)               | TC  |S|      TTL      |</a:t>
-            </a:r>
-          </a:p>
-          <a:p>
-            <a:r>
-              <a:rPr lang="en-US" sz="800" dirty="0">
-                <a:latin typeface="Courier" charset="0"/>
-                <a:ea typeface="Courier" charset="0"/>
-                <a:cs typeface="Courier" charset="0"/>
-              </a:rPr>
-              <a:t>+-+-+-+-+-+-+-+-+-+-+-+-+-+-+-+-+-+-+-+-+-+-+-+-+-+-+-+-+-+-+-+-+</a:t>
-            </a:r>
-          </a:p>
-          <a:p>
-            <a:r>
-              <a:rPr lang="en-US" sz="800" dirty="0">
-                <a:latin typeface="Courier" charset="0"/>
-                <a:ea typeface="Courier" charset="0"/>
-                <a:cs typeface="Courier" charset="0"/>
-              </a:rPr>
-              <a:t>|   Message for DM or LM Query with IP/UDP Header               |</a:t>
-            </a:r>
-          </a:p>
-          <a:p>
-            <a:r>
-              <a:rPr lang="en-US" sz="800" dirty="0">
-                <a:latin typeface="Courier" charset="0"/>
-                <a:ea typeface="Courier" charset="0"/>
-                <a:cs typeface="Courier" charset="0"/>
-              </a:rPr>
-              <a:t>.                                                               .</a:t>
-            </a:r>
-          </a:p>
-          <a:p>
-            <a:r>
-              <a:rPr lang="en-US" sz="800" dirty="0">
-                <a:latin typeface="Courier" charset="0"/>
-                <a:ea typeface="Courier" charset="0"/>
-                <a:cs typeface="Courier" charset="0"/>
-              </a:rPr>
-              <a:t>+---------------------------------------------------------------+</a:t>
-            </a:r>
-          </a:p>
-          <a:p>
-            <a:r>
-              <a:rPr lang="en-US" sz="800" dirty="0">
-                <a:latin typeface="Courier" charset="0"/>
-                <a:ea typeface="Courier" charset="0"/>
-                <a:cs typeface="Courier" charset="0"/>
-              </a:rPr>
-              <a:t> </a:t>
-            </a:r>
-          </a:p>
-          <a:p>
-            <a:r>
-              <a:rPr lang="en-US" sz="800" dirty="0">
-                <a:latin typeface="Courier" charset="0"/>
-                <a:ea typeface="Courier" charset="0"/>
-                <a:cs typeface="Courier" charset="0"/>
-              </a:rPr>
-              <a:t>     Figure: Example Probe Query Message for SR-MPLS </a:t>
-            </a:r>
-            <a:r>
               <a:rPr lang="en-US" sz="750" dirty="0">
                 <a:latin typeface="Courier" charset="0"/>
                 <a:ea typeface="Courier" charset="0"/>
                 <a:cs typeface="Courier" charset="0"/>
               </a:rPr>
-              <a:t>Policy</a:t>
+              <a:t>0 1 2 3 4 5 6 7 8 9 0 1 2 3 4 5 6 7 8 9 0 1 2 3 4 5 6 7 8 9 0 1</a:t>
+            </a:r>
+          </a:p>
+          <a:p>
+            <a:r>
+              <a:rPr lang="en-US" sz="750" dirty="0">
+                <a:latin typeface="Courier" charset="0"/>
+                <a:ea typeface="Courier" charset="0"/>
+                <a:cs typeface="Courier" charset="0"/>
+              </a:rPr>
+              <a:t>+-+-+-+-+-+-+-+-+-+-+-+-+-+-+-+-+-+-+-+-+-+-+-+-+-+-+-+-+-+-+-+-+</a:t>
+            </a:r>
+          </a:p>
+          <a:p>
+            <a:r>
+              <a:rPr lang="en-US" sz="750" dirty="0">
+                <a:latin typeface="Courier" charset="0"/>
+                <a:ea typeface="Courier" charset="0"/>
+                <a:cs typeface="Courier" charset="0"/>
+              </a:rPr>
+              <a:t>|              Segment(1)               | TC  |S|      TTL      |</a:t>
+            </a:r>
+          </a:p>
+          <a:p>
+            <a:r>
+              <a:rPr lang="en-US" sz="750" dirty="0">
+                <a:latin typeface="Courier" charset="0"/>
+                <a:ea typeface="Courier" charset="0"/>
+                <a:cs typeface="Courier" charset="0"/>
+              </a:rPr>
+              <a:t>+-+-+-+-+-+-+-+-+-+-+-+-+-+-+-+-+-+-+-+-+-+-+-+-+-+-+-+-+-+-+-+-+</a:t>
+            </a:r>
+          </a:p>
+          <a:p>
+            <a:r>
+              <a:rPr lang="en-US" sz="750" dirty="0">
+                <a:latin typeface="Courier" charset="0"/>
+                <a:ea typeface="Courier" charset="0"/>
+                <a:cs typeface="Courier" charset="0"/>
+              </a:rPr>
+              <a:t>.                                                               .</a:t>
+            </a:r>
+          </a:p>
+          <a:p>
+            <a:r>
+              <a:rPr lang="en-US" sz="750" dirty="0">
+                <a:latin typeface="Courier" charset="0"/>
+                <a:ea typeface="Courier" charset="0"/>
+                <a:cs typeface="Courier" charset="0"/>
+              </a:rPr>
+              <a:t>.                                                               .</a:t>
+            </a:r>
+          </a:p>
+          <a:p>
+            <a:r>
+              <a:rPr lang="en-US" sz="750" dirty="0">
+                <a:latin typeface="Courier" charset="0"/>
+                <a:ea typeface="Courier" charset="0"/>
+                <a:cs typeface="Courier" charset="0"/>
+              </a:rPr>
+              <a:t>.                                                               .</a:t>
+            </a:r>
+          </a:p>
+          <a:p>
+            <a:r>
+              <a:rPr lang="en-US" sz="750" dirty="0">
+                <a:latin typeface="Courier" charset="0"/>
+                <a:ea typeface="Courier" charset="0"/>
+                <a:cs typeface="Courier" charset="0"/>
+              </a:rPr>
+              <a:t>+-+-+-+-+-+-+-+-+-+-+-+-+-+-+-+-+-+-+-+-+-+-+-+-+-+-+-+-+-+-+-+-+</a:t>
+            </a:r>
+          </a:p>
+          <a:p>
+            <a:r>
+              <a:rPr lang="en-US" sz="750" dirty="0">
+                <a:latin typeface="Courier" charset="0"/>
+                <a:ea typeface="Courier" charset="0"/>
+                <a:cs typeface="Courier" charset="0"/>
+              </a:rPr>
+              <a:t>|              Segment(n)               | TC  |S|      TTL      |</a:t>
+            </a:r>
+          </a:p>
+          <a:p>
+            <a:r>
+              <a:rPr lang="en-US" sz="750" dirty="0">
+                <a:latin typeface="Courier" charset="0"/>
+                <a:ea typeface="Courier" charset="0"/>
+                <a:cs typeface="Courier" charset="0"/>
+              </a:rPr>
+              <a:t>+-+-+-+-+-+-+-+-+-+-+-+-+-+-+-+-+-+-+-+-+-+-+-+-+-+-+-+-+-+-+-+-+</a:t>
+            </a:r>
+          </a:p>
+          <a:p>
+            <a:r>
+              <a:rPr lang="en-US" sz="750" dirty="0">
+                <a:latin typeface="Courier" charset="0"/>
+                <a:ea typeface="Courier" charset="0"/>
+                <a:cs typeface="Courier" charset="0"/>
+              </a:rPr>
+              <a:t>|  DM or LM Query Message including IP/UDP Header               |</a:t>
+            </a:r>
+          </a:p>
+          <a:p>
+            <a:r>
+              <a:rPr lang="en-US" sz="750" dirty="0">
+                <a:latin typeface="Courier" charset="0"/>
+                <a:ea typeface="Courier" charset="0"/>
+                <a:cs typeface="Courier" charset="0"/>
+              </a:rPr>
+              <a:t>.                                                               .</a:t>
+            </a:r>
+          </a:p>
+          <a:p>
+            <a:r>
+              <a:rPr lang="en-US" sz="750" dirty="0">
+                <a:latin typeface="Courier" charset="0"/>
+                <a:ea typeface="Courier" charset="0"/>
+                <a:cs typeface="Courier" charset="0"/>
+              </a:rPr>
+              <a:t>+---------------------------------------------------------------+</a:t>
+            </a:r>
+          </a:p>
+          <a:p>
+            <a:r>
+              <a:rPr lang="en-US" sz="750" dirty="0">
+                <a:latin typeface="Courier" charset="0"/>
+                <a:ea typeface="Courier" charset="0"/>
+                <a:cs typeface="Courier" charset="0"/>
+              </a:rPr>
+              <a:t> </a:t>
+            </a:r>
+          </a:p>
+          <a:p>
+            <a:r>
+              <a:rPr lang="en-US" sz="750" dirty="0">
+                <a:latin typeface="Courier" charset="0"/>
+                <a:ea typeface="Courier" charset="0"/>
+                <a:cs typeface="Courier" charset="0"/>
+              </a:rPr>
+              <a:t>     Figure: Example Probe Query Message for SR-MPLS Policy</a:t>
             </a:r>
           </a:p>
         </p:txBody>
@@ -10203,8 +10185,8 @@
         </p:nvSpPr>
         <p:spPr bwMode="auto">
           <a:xfrm>
-            <a:off x="207169" y="1461909"/>
-            <a:ext cx="3907631" cy="2641926"/>
+            <a:off x="228600" y="1250787"/>
+            <a:ext cx="3962400" cy="2641926"/>
           </a:xfrm>
           <a:prstGeom prst="rect">
             <a:avLst/>
@@ -10388,7 +10370,7 @@
             </a:r>
             <a:r>
               <a:rPr lang="en-US" sz="1600" dirty="0"/>
-              <a:t>performance delay/loss measurement of SR Policy, the probe query messages are sent on the SR Policy path with:</a:t>
+              <a:t>performance delay/loss measurement of SR Policy, the probe query message is sent on the SR Policy with:</a:t>
             </a:r>
           </a:p>
           <a:p>
@@ -10416,7 +10398,7 @@
             </a:r>
             <a:r>
               <a:rPr lang="en-US" sz="1600" dirty="0"/>
-              <a:t>] with SID list for SRv6 Policies </a:t>
+              <a:t>] with SID list for SRv6 Policies</a:t>
             </a:r>
           </a:p>
         </p:txBody>
@@ -10455,7 +10437,7 @@
           <p:cNvPr id="9" name="Rectangle 8">
             <a:extLst>
               <a:ext uri="{FF2B5EF4-FFF2-40B4-BE49-F238E27FC236}">
-                <a16:creationId xmlns:a16="http://schemas.microsoft.com/office/drawing/2014/main" id="{160F96A1-646E-FF46-8FB4-8962B822EE32}"/>
+                <a16:creationId xmlns:a16="http://schemas.microsoft.com/office/drawing/2014/main" id="{A856D9B7-FCE9-1B49-8307-31CEB3BC42F4}"/>
               </a:ext>
             </a:extLst>
           </p:cNvPr>
@@ -10464,8 +10446,8 @@
         </p:nvSpPr>
         <p:spPr>
           <a:xfrm>
-            <a:off x="4169568" y="2224028"/>
-            <a:ext cx="4136231" cy="2862322"/>
+            <a:off x="4267200" y="1973509"/>
+            <a:ext cx="3962400" cy="3208571"/>
           </a:xfrm>
           <a:prstGeom prst="rect">
             <a:avLst/>
@@ -10489,7 +10471,97 @@
                 <a:ea typeface="Courier" charset="0"/>
                 <a:cs typeface="Courier" charset="0"/>
               </a:rPr>
-              <a:t>0                   1                   2                   3</a:t>
+              <a:t>0 1 2 3 4 5 6 7 8 9 0 1 2 3 4 5 6 7 8 9 0 1 2 3 4 5 6 7 8 9 0 1</a:t>
+            </a:r>
+          </a:p>
+          <a:p>
+            <a:pPr>
+              <a:spcAft>
+                <a:spcPts val="0"/>
+              </a:spcAft>
+            </a:pPr>
+            <a:r>
+              <a:rPr lang="en-US" sz="750" dirty="0">
+                <a:latin typeface="Courier" pitchFamily="2" charset="0"/>
+                <a:ea typeface="Courier" charset="0"/>
+                <a:cs typeface="Courier" charset="0"/>
+              </a:rPr>
+              <a:t>+---------------------------------------------------------------+</a:t>
+            </a:r>
+          </a:p>
+          <a:p>
+            <a:pPr>
+              <a:spcAft>
+                <a:spcPts val="0"/>
+              </a:spcAft>
+            </a:pPr>
+            <a:r>
+              <a:rPr lang="en-US" sz="750" dirty="0">
+                <a:latin typeface="Courier" pitchFamily="2" charset="0"/>
+                <a:ea typeface="Courier" charset="0"/>
+                <a:cs typeface="Courier" charset="0"/>
+              </a:rPr>
+              <a:t>| IP Header                                                     |</a:t>
+            </a:r>
+          </a:p>
+          <a:p>
+            <a:pPr>
+              <a:spcAft>
+                <a:spcPts val="0"/>
+              </a:spcAft>
+            </a:pPr>
+            <a:r>
+              <a:rPr lang="en-US" sz="750" dirty="0">
+                <a:latin typeface="Courier" pitchFamily="2" charset="0"/>
+                <a:ea typeface="Courier" charset="0"/>
+                <a:cs typeface="Courier" charset="0"/>
+              </a:rPr>
+              <a:t>.  Source IP Address = Sender IPv6 Address                      .</a:t>
+            </a:r>
+          </a:p>
+          <a:p>
+            <a:pPr>
+              <a:spcAft>
+                <a:spcPts val="0"/>
+              </a:spcAft>
+            </a:pPr>
+            <a:r>
+              <a:rPr lang="en-US" sz="750" dirty="0">
+                <a:latin typeface="Courier" pitchFamily="2" charset="0"/>
+                <a:ea typeface="Courier" charset="0"/>
+                <a:cs typeface="Courier" charset="0"/>
+              </a:rPr>
+              <a:t>.  Destination IP Address = Next Hop IPv6 Address               .</a:t>
+            </a:r>
+          </a:p>
+          <a:p>
+            <a:pPr>
+              <a:spcAft>
+                <a:spcPts val="0"/>
+              </a:spcAft>
+            </a:pPr>
+            <a:r>
+              <a:rPr lang="en-US" sz="750" dirty="0">
+                <a:latin typeface="Courier" pitchFamily="2" charset="0"/>
+                <a:ea typeface="Courier" charset="0"/>
+                <a:cs typeface="Courier" charset="0"/>
+              </a:rPr>
+              <a:t>.                                                               .</a:t>
+            </a:r>
+          </a:p>
+          <a:p>
+            <a:pPr>
+              <a:spcAft>
+                <a:spcPts val="0"/>
+              </a:spcAft>
+            </a:pPr>
+            <a:r>
+              <a:rPr lang="en-US" sz="750" dirty="0">
+                <a:latin typeface="Courier" pitchFamily="2" charset="0"/>
+                <a:ea typeface="Courier" charset="0"/>
+                <a:cs typeface="Courier" charset="0"/>
+              </a:rPr>
+              <a:t>+---------------------------------------------------------------+</a:t>
             </a:r>
           </a:p>
           <a:p>
@@ -10499,131 +10571,7 @@
                 <a:ea typeface="Courier" charset="0"/>
                 <a:cs typeface="Courier" charset="0"/>
               </a:rPr>
-              <a:t>0 1 2 3 4 5 6 7 8 9 0 1 2 3 4 5 6 7 8 9 0 1 2 3 4 5 6 7 8 9 0 1</a:t>
-            </a:r>
-          </a:p>
-          <a:p>
-            <a:pPr>
-              <a:spcAft>
-                <a:spcPts val="0"/>
-              </a:spcAft>
-            </a:pPr>
-            <a:r>
-              <a:rPr lang="en-US" sz="750" dirty="0">
-                <a:latin typeface="Courier" pitchFamily="2" charset="0"/>
-                <a:ea typeface="Courier" charset="0"/>
-                <a:cs typeface="Courier" charset="0"/>
-              </a:rPr>
-              <a:t>+---------------------------------------------------------------+</a:t>
-            </a:r>
-          </a:p>
-          <a:p>
-            <a:pPr>
-              <a:spcAft>
-                <a:spcPts val="0"/>
-              </a:spcAft>
-            </a:pPr>
-            <a:r>
-              <a:rPr lang="en-US" sz="750" dirty="0">
-                <a:latin typeface="Courier" pitchFamily="2" charset="0"/>
-                <a:ea typeface="Courier" charset="0"/>
-                <a:cs typeface="Courier" charset="0"/>
-              </a:rPr>
-              <a:t>| IP Header                                                     |</a:t>
-            </a:r>
-          </a:p>
-          <a:p>
-            <a:pPr>
-              <a:spcAft>
-                <a:spcPts val="0"/>
-              </a:spcAft>
-            </a:pPr>
-            <a:r>
-              <a:rPr lang="en-US" sz="750" dirty="0">
-                <a:latin typeface="Courier" pitchFamily="2" charset="0"/>
-                <a:ea typeface="Courier" charset="0"/>
-                <a:cs typeface="Courier" charset="0"/>
-              </a:rPr>
-              <a:t>.  Source IP Address = Sender IPv6 Address                      .</a:t>
-            </a:r>
-          </a:p>
-          <a:p>
-            <a:pPr>
-              <a:spcAft>
-                <a:spcPts val="0"/>
-              </a:spcAft>
-            </a:pPr>
-            <a:r>
-              <a:rPr lang="en-US" sz="750" dirty="0">
-                <a:latin typeface="Courier" pitchFamily="2" charset="0"/>
-                <a:ea typeface="Courier" charset="0"/>
-                <a:cs typeface="Courier" charset="0"/>
-              </a:rPr>
-              <a:t>.  Destination IP Address = Next Hop IPv6 </a:t>
-            </a:r>
-            <a:r>
-              <a:rPr lang="en-US" sz="750">
-                <a:latin typeface="Courier" pitchFamily="2" charset="0"/>
-                <a:ea typeface="Courier" charset="0"/>
-                <a:cs typeface="Courier" charset="0"/>
-              </a:rPr>
-              <a:t>Address               </a:t>
-            </a:r>
-            <a:r>
-              <a:rPr lang="en-US" sz="750" dirty="0">
-                <a:latin typeface="Courier" pitchFamily="2" charset="0"/>
-                <a:ea typeface="Courier" charset="0"/>
-                <a:cs typeface="Courier" charset="0"/>
-              </a:rPr>
-              <a:t>.</a:t>
-            </a:r>
-          </a:p>
-          <a:p>
-            <a:pPr>
-              <a:spcAft>
-                <a:spcPts val="0"/>
-              </a:spcAft>
-            </a:pPr>
-            <a:r>
-              <a:rPr lang="en-CA" sz="750" dirty="0">
-                <a:latin typeface="Courier" pitchFamily="2" charset="0"/>
-              </a:rPr>
-              <a:t>.  Next Header = 43 (Routing Header)                            .</a:t>
-            </a:r>
-            <a:endParaRPr lang="en-US" sz="750" dirty="0">
-              <a:latin typeface="Courier" pitchFamily="2" charset="0"/>
-              <a:ea typeface="Courier" charset="0"/>
-              <a:cs typeface="Courier" charset="0"/>
-            </a:endParaRPr>
-          </a:p>
-          <a:p>
-            <a:pPr>
-              <a:spcAft>
-                <a:spcPts val="0"/>
-              </a:spcAft>
-            </a:pPr>
-            <a:r>
-              <a:rPr lang="en-US" sz="750" dirty="0">
-                <a:latin typeface="Courier" pitchFamily="2" charset="0"/>
-                <a:ea typeface="Courier" charset="0"/>
-                <a:cs typeface="Courier" charset="0"/>
-              </a:rPr>
-              <a:t>.                                                               .</a:t>
-            </a:r>
-          </a:p>
-          <a:p>
-            <a:pPr>
-              <a:spcAft>
-                <a:spcPts val="0"/>
-              </a:spcAft>
-            </a:pPr>
-            <a:r>
-              <a:rPr lang="en-US" sz="750" dirty="0">
-                <a:latin typeface="Courier" pitchFamily="2" charset="0"/>
-                <a:ea typeface="Courier" charset="0"/>
-                <a:cs typeface="Courier" charset="0"/>
-              </a:rPr>
-              <a:t>+---------------------------------------------------------------+</a:t>
+              <a:t>| SRH as specified in RFC 8754                                  |</a:t>
             </a:r>
           </a:p>
           <a:p>
@@ -10633,34 +10581,139 @@
                 <a:ea typeface="Courier" charset="0"/>
                 <a:cs typeface="Courier" charset="0"/>
               </a:rPr>
-              <a:t>| SRH                                                           |</a:t>
-            </a:r>
-          </a:p>
-          <a:p>
+              <a:t>.  </a:t>
+            </a:r>
+            <a:r>
+              <a:rPr lang="en-US" sz="750">
+                <a:latin typeface="Courier" charset="0"/>
+                <a:ea typeface="Courier" charset="0"/>
+                <a:cs typeface="Courier" charset="0"/>
+              </a:rPr>
+              <a:t>&lt;</a:t>
+            </a:r>
             <a:r>
               <a:rPr lang="en-US" sz="750" dirty="0">
                 <a:latin typeface="Courier" charset="0"/>
                 <a:ea typeface="Courier" charset="0"/>
                 <a:cs typeface="Courier" charset="0"/>
               </a:rPr>
-              <a:t>. &lt;SID List&gt;                                                    .</a:t>
-            </a:r>
-          </a:p>
-          <a:p>
-            <a:r>
-              <a:rPr lang="en-CA" sz="750" dirty="0">
-                <a:latin typeface="Courier" pitchFamily="2" charset="0"/>
-              </a:rPr>
-              <a:t>.  Next Header = 17 (UDP)                                       .</a:t>
-            </a:r>
-          </a:p>
-          <a:p>
+              <a:t>SID List</a:t>
+            </a:r>
+            <a:r>
+              <a:rPr lang="en-US" sz="750">
+                <a:latin typeface="Courier" charset="0"/>
+                <a:ea typeface="Courier" charset="0"/>
+                <a:cs typeface="Courier" charset="0"/>
+              </a:rPr>
+              <a:t>&gt;                                                   </a:t>
+            </a:r>
             <a:r>
               <a:rPr lang="en-US" sz="750" dirty="0">
                 <a:latin typeface="Courier" charset="0"/>
                 <a:ea typeface="Courier" charset="0"/>
                 <a:cs typeface="Courier" charset="0"/>
               </a:rPr>
+              <a:t>.</a:t>
+            </a:r>
+          </a:p>
+          <a:p>
+            <a:r>
+              <a:rPr lang="en-US" sz="750" dirty="0">
+                <a:latin typeface="Courier" charset="0"/>
+                <a:ea typeface="Courier" charset="0"/>
+                <a:cs typeface="Courier" charset="0"/>
+              </a:rPr>
+              <a:t>.                                                               .</a:t>
+            </a:r>
+          </a:p>
+          <a:p>
+            <a:pPr>
+              <a:spcAft>
+                <a:spcPts val="0"/>
+              </a:spcAft>
+            </a:pPr>
+            <a:r>
+              <a:rPr lang="en-US" sz="750" dirty="0">
+                <a:latin typeface="Courier" pitchFamily="2" charset="0"/>
+                <a:ea typeface="Courier" charset="0"/>
+                <a:cs typeface="Courier" charset="0"/>
+              </a:rPr>
+              <a:t>+---------------------------------------------------------------+</a:t>
+            </a:r>
+          </a:p>
+          <a:p>
+            <a:pPr>
+              <a:spcAft>
+                <a:spcPts val="0"/>
+              </a:spcAft>
+            </a:pPr>
+            <a:r>
+              <a:rPr lang="en-US" sz="750" dirty="0">
+                <a:latin typeface="Courier" pitchFamily="2" charset="0"/>
+                <a:ea typeface="Courier" charset="0"/>
+                <a:cs typeface="Courier" charset="0"/>
+              </a:rPr>
+              <a:t>| IP Header (Optional)                                          |</a:t>
+            </a:r>
+          </a:p>
+          <a:p>
+            <a:pPr>
+              <a:spcAft>
+                <a:spcPts val="0"/>
+              </a:spcAft>
+            </a:pPr>
+            <a:r>
+              <a:rPr lang="en-US" sz="750" dirty="0">
+                <a:latin typeface="Courier" pitchFamily="2" charset="0"/>
+                <a:ea typeface="Courier" charset="0"/>
+                <a:cs typeface="Courier" charset="0"/>
+              </a:rPr>
+              <a:t>.  Source IP Address = Sender IPv6 Address                      .</a:t>
+            </a:r>
+          </a:p>
+          <a:p>
+            <a:pPr>
+              <a:spcAft>
+                <a:spcPts val="0"/>
+              </a:spcAft>
+            </a:pPr>
+            <a:r>
+              <a:rPr lang="en-US" sz="750" dirty="0">
+                <a:latin typeface="Courier" pitchFamily="2" charset="0"/>
+                <a:ea typeface="Courier" charset="0"/>
+                <a:cs typeface="Courier" charset="0"/>
+              </a:rPr>
+              <a:t>.  Destination IP Address = </a:t>
+            </a:r>
+            <a:r>
+              <a:rPr lang="en-US" sz="750" b="1" dirty="0">
+                <a:latin typeface="Courier" pitchFamily="2" charset="0"/>
+                <a:ea typeface="Courier" charset="0"/>
+                <a:cs typeface="Courier" charset="0"/>
+              </a:rPr>
+              <a:t>Reflector</a:t>
+            </a:r>
+            <a:r>
+              <a:rPr lang="en-US" sz="750" dirty="0">
+                <a:latin typeface="Courier" pitchFamily="2" charset="0"/>
+                <a:ea typeface="Courier" charset="0"/>
+                <a:cs typeface="Courier" charset="0"/>
+              </a:rPr>
+              <a:t> IPv6 Address               .</a:t>
+            </a:r>
+          </a:p>
+          <a:p>
+            <a:pPr>
+              <a:spcAft>
+                <a:spcPts val="0"/>
+              </a:spcAft>
+            </a:pPr>
+            <a:r>
+              <a:rPr lang="en-US" sz="750" dirty="0">
+                <a:latin typeface="Courier" pitchFamily="2" charset="0"/>
+                <a:ea typeface="Courier" charset="0"/>
+                <a:cs typeface="Courier" charset="0"/>
+              </a:rPr>
               <a:t>.                                                               .</a:t>
             </a:r>
           </a:p>
@@ -10775,7 +10828,7 @@
                 <a:ea typeface="Courier" charset="0"/>
                 <a:cs typeface="Courier" charset="0"/>
               </a:rPr>
-              <a:t>|   Message for DM or LM Query                                  |</a:t>
+              <a:t>|  Payload = DM or LM Query Message                             |</a:t>
             </a:r>
           </a:p>
           <a:p>
@@ -10823,7 +10876,7 @@
     </p:spTree>
     <p:extLst>
       <p:ext uri="{BB962C8B-B14F-4D97-AF65-F5344CB8AC3E}">
-        <p14:creationId xmlns:p14="http://schemas.microsoft.com/office/powerpoint/2010/main" val="2459644476"/>
+        <p14:creationId xmlns:p14="http://schemas.microsoft.com/office/powerpoint/2010/main" val="2091496984"/>
       </p:ext>
     </p:extLst>
   </p:cSld>

--- a/draft-gandhi-spring-stamp-srpm-01.pptx
+++ b/draft-gandhi-spring-stamp-srpm-01.pptx
@@ -2747,7 +2747,7 @@
               </a14:hiddenLine>
             </a:ext>
             <a:ext uri="{FAA26D3D-D897-4be2-8F04-BA451C77F1D7}">
-              <ma14:placeholderFlag xmlns:ma14="http://schemas.microsoft.com/office/mac/drawingml/2011/main" xmlns="" val="1"/>
+              <ma14:placeholderFlag xmlns="" xmlns:ma14="http://schemas.microsoft.com/office/mac/drawingml/2011/main" val="1"/>
             </a:ext>
           </a:extLst>
         </p:spPr>
@@ -15514,6 +15514,46 @@
               <a:rPr lang="en-US" sz="1800" dirty="0"/>
               <a:t>Probe message carries the return path in the header of the packet</a:t>
             </a:r>
+          </a:p>
+        </p:txBody>
+      </p:sp>
+      <p:sp>
+        <p:nvSpPr>
+          <p:cNvPr id="5" name="Slide Number Placeholder 4">
+            <a:extLst>
+              <a:ext uri="{FF2B5EF4-FFF2-40B4-BE49-F238E27FC236}">
+                <a16:creationId xmlns:a16="http://schemas.microsoft.com/office/drawing/2014/main" id="{DB7171B5-76A8-7648-8775-D1C8FBA7C22C}"/>
+              </a:ext>
+            </a:extLst>
+          </p:cNvPr>
+          <p:cNvSpPr>
+            <a:spLocks noGrp="1"/>
+          </p:cNvSpPr>
+          <p:nvPr>
+            <p:ph type="sldNum" sz="quarter" idx="12"/>
+          </p:nvPr>
+        </p:nvSpPr>
+        <p:spPr>
+          <a:xfrm>
+            <a:off x="6553200" y="4705350"/>
+            <a:ext cx="2133600" cy="357188"/>
+          </a:xfrm>
+        </p:spPr>
+        <p:txBody>
+          <a:bodyPr/>
+          <a:lstStyle/>
+          <a:p>
+            <a:pPr>
+              <a:defRPr/>
+            </a:pPr>
+            <a:fld id="{BD6E0F59-1DD8-40FC-9C92-B6295CBA6CCA}" type="slidenum">
+              <a:rPr lang="en-US" altLang="zh-CN" smtClean="0"/>
+              <a:pPr>
+                <a:defRPr/>
+              </a:pPr>
+              <a:t>7</a:t>
+            </a:fld>
+            <a:endParaRPr lang="en-US" altLang="zh-CN" dirty="0"/>
           </a:p>
         </p:txBody>
       </p:sp>

--- a/draft-gandhi-spring-stamp-srpm-01.pptx
+++ b/draft-gandhi-spring-stamp-srpm-01.pptx
@@ -2747,7 +2747,7 @@
               </a14:hiddenLine>
             </a:ext>
             <a:ext uri="{FAA26D3D-D897-4be2-8F04-BA451C77F1D7}">
-              <ma14:placeholderFlag xmlns="" xmlns:ma14="http://schemas.microsoft.com/office/mac/drawingml/2011/main" val="1"/>
+              <ma14:placeholderFlag xmlns:ma14="http://schemas.microsoft.com/office/mac/drawingml/2011/main" xmlns="" val="1"/>
             </a:ext>
           </a:extLst>
         </p:spPr>
@@ -15396,7 +15396,7 @@
         </p:nvSpPr>
         <p:spPr>
           <a:xfrm>
-            <a:off x="412474" y="895350"/>
+            <a:off x="457200" y="1009650"/>
             <a:ext cx="8319052" cy="3124200"/>
           </a:xfrm>
         </p:spPr>
@@ -15496,24 +15496,7 @@
                 <a:spcPts val="600"/>
               </a:spcBef>
             </a:pPr>
-            <a:r>
-              <a:rPr lang="en-US" sz="1800" dirty="0"/>
-              <a:t>Loopback Measurement Mode</a:t>
-            </a:r>
-          </a:p>
-          <a:p>
-            <a:pPr lvl="1">
-              <a:lnSpc>
-                <a:spcPts val="2360"/>
-              </a:lnSpc>
-              <a:spcBef>
-                <a:spcPts val="600"/>
-              </a:spcBef>
-            </a:pPr>
-            <a:r>
-              <a:rPr lang="en-US" sz="1800" dirty="0"/>
-              <a:t>Probe message carries the return path in the header of the packet</a:t>
-            </a:r>
+            <a:endParaRPr lang="en-US" sz="1800" dirty="0"/>
           </a:p>
         </p:txBody>
       </p:sp>

--- a/draft-gandhi-spring-stamp-srpm-01.pptx
+++ b/draft-gandhi-spring-stamp-srpm-01.pptx
@@ -2747,7 +2747,7 @@
               </a14:hiddenLine>
             </a:ext>
             <a:ext uri="{FAA26D3D-D897-4be2-8F04-BA451C77F1D7}">
-              <ma14:placeholderFlag xmlns:ma14="http://schemas.microsoft.com/office/mac/drawingml/2011/main" xmlns="" val="1"/>
+              <ma14:placeholderFlag xmlns="" xmlns:ma14="http://schemas.microsoft.com/office/mac/drawingml/2011/main" val="1"/>
             </a:ext>
           </a:extLst>
         </p:spPr>
@@ -9340,7 +9340,7 @@
               <a:rPr lang="en-CA" sz="1200" dirty="0">
                 <a:latin typeface="Courier" pitchFamily="2" charset="0"/>
               </a:rPr>
-              <a:t>                     |   R1  |------------|   R5  |</a:t>
+              <a:t>                     |   R1  |============|   R5  |</a:t>
             </a:r>
           </a:p>
           <a:p>
@@ -10581,49 +10581,62 @@
                 <a:ea typeface="Courier" charset="0"/>
                 <a:cs typeface="Courier" charset="0"/>
               </a:rPr>
-              <a:t>.  </a:t>
-            </a:r>
-            <a:r>
-              <a:rPr lang="en-US" sz="750">
-                <a:latin typeface="Courier" charset="0"/>
-                <a:ea typeface="Courier" charset="0"/>
-                <a:cs typeface="Courier" charset="0"/>
-              </a:rPr>
-              <a:t>&lt;</a:t>
-            </a:r>
+              <a:t>.  &lt;SID List&gt;                                                   .</a:t>
+            </a:r>
+          </a:p>
+          <a:p>
             <a:r>
               <a:rPr lang="en-US" sz="750" dirty="0">
                 <a:latin typeface="Courier" charset="0"/>
                 <a:ea typeface="Courier" charset="0"/>
                 <a:cs typeface="Courier" charset="0"/>
               </a:rPr>
-              <a:t>SID List</a:t>
-            </a:r>
-            <a:r>
-              <a:rPr lang="en-US" sz="750">
-                <a:latin typeface="Courier" charset="0"/>
+              <a:t>.                                                               .</a:t>
+            </a:r>
+          </a:p>
+          <a:p>
+            <a:pPr>
+              <a:spcAft>
+                <a:spcPts val="0"/>
+              </a:spcAft>
+            </a:pPr>
+            <a:r>
+              <a:rPr lang="en-US" sz="750" dirty="0">
+                <a:latin typeface="Courier" pitchFamily="2" charset="0"/>
                 <a:ea typeface="Courier" charset="0"/>
                 <a:cs typeface="Courier" charset="0"/>
               </a:rPr>
-              <a:t>&gt;                                                   </a:t>
-            </a:r>
+              <a:t>+---------------------------------------------------------------+</a:t>
+            </a:r>
+          </a:p>
+          <a:p>
+            <a:pPr>
+              <a:spcAft>
+                <a:spcPts val="0"/>
+              </a:spcAft>
+            </a:pPr>
             <a:r>
               <a:rPr lang="en-US" sz="750" dirty="0">
-                <a:latin typeface="Courier" charset="0"/>
+                <a:latin typeface="Courier" pitchFamily="2" charset="0"/>
                 <a:ea typeface="Courier" charset="0"/>
                 <a:cs typeface="Courier" charset="0"/>
               </a:rPr>
-              <a:t>.</a:t>
-            </a:r>
-          </a:p>
-          <a:p>
+              <a:t>| IP Header (Optional)                                          |</a:t>
+            </a:r>
+          </a:p>
+          <a:p>
+            <a:pPr>
+              <a:spcAft>
+                <a:spcPts val="0"/>
+              </a:spcAft>
+            </a:pPr>
             <a:r>
               <a:rPr lang="en-US" sz="750" dirty="0">
-                <a:latin typeface="Courier" charset="0"/>
+                <a:latin typeface="Courier" pitchFamily="2" charset="0"/>
                 <a:ea typeface="Courier" charset="0"/>
                 <a:cs typeface="Courier" charset="0"/>
               </a:rPr>
-              <a:t>.                                                               .</a:t>
+              <a:t>.  Source IP Address = Sender IPv6 Address                      .</a:t>
             </a:r>
           </a:p>
           <a:p>
@@ -10638,68 +10651,23 @@
                 <a:ea typeface="Courier" charset="0"/>
                 <a:cs typeface="Courier" charset="0"/>
               </a:rPr>
-              <a:t>+---------------------------------------------------------------+</a:t>
-            </a:r>
-          </a:p>
-          <a:p>
-            <a:pPr>
-              <a:spcAft>
-                <a:spcPts val="0"/>
-              </a:spcAft>
-            </a:pPr>
-            <a:r>
-              <a:rPr lang="en-US" sz="750" dirty="0">
+              <a:t>.  Destination IP Address = </a:t>
+            </a:r>
+            <a:r>
+              <a:rPr lang="en-US" sz="750" b="1" dirty="0">
                 <a:latin typeface="Courier" pitchFamily="2" charset="0"/>
                 <a:ea typeface="Courier" charset="0"/>
                 <a:cs typeface="Courier" charset="0"/>
               </a:rPr>
-              <a:t>| IP Header (Optional)                                          |</a:t>
-            </a:r>
-          </a:p>
-          <a:p>
-            <a:pPr>
-              <a:spcAft>
-                <a:spcPts val="0"/>
-              </a:spcAft>
-            </a:pPr>
+              <a:t>Reflector</a:t>
+            </a:r>
             <a:r>
               <a:rPr lang="en-US" sz="750" dirty="0">
                 <a:latin typeface="Courier" pitchFamily="2" charset="0"/>
                 <a:ea typeface="Courier" charset="0"/>
                 <a:cs typeface="Courier" charset="0"/>
               </a:rPr>
-              <a:t>.  Source IP Address = Sender IPv6 Address                      .</a:t>
-            </a:r>
-          </a:p>
-          <a:p>
-            <a:pPr>
-              <a:spcAft>
-                <a:spcPts val="0"/>
-              </a:spcAft>
-            </a:pPr>
-            <a:r>
-              <a:rPr lang="en-US" sz="750" dirty="0">
-                <a:latin typeface="Courier" pitchFamily="2" charset="0"/>
-                <a:ea typeface="Courier" charset="0"/>
-                <a:cs typeface="Courier" charset="0"/>
-              </a:rPr>
-              <a:t>.  Destination IP Address = </a:t>
-            </a:r>
-            <a:r>
-              <a:rPr lang="en-US" sz="750" b="1" dirty="0">
-                <a:latin typeface="Courier" pitchFamily="2" charset="0"/>
-                <a:ea typeface="Courier" charset="0"/>
-                <a:cs typeface="Courier" charset="0"/>
-              </a:rPr>
-              <a:t>Reflector</a:t>
-            </a:r>
-            <a:r>
-              <a:rPr lang="en-US" sz="750" dirty="0">
-                <a:latin typeface="Courier" pitchFamily="2" charset="0"/>
-                <a:ea typeface="Courier" charset="0"/>
-                <a:cs typeface="Courier" charset="0"/>
-              </a:rPr>
-              <a:t> IPv6 Address               .</a:t>
+              <a:t> IPv6 Address              .</a:t>
             </a:r>
           </a:p>
           <a:p>

--- a/draft-gandhi-spring-stamp-srpm-01.pptx
+++ b/draft-gandhi-spring-stamp-srpm-01.pptx
@@ -2747,7 +2747,7 @@
               </a14:hiddenLine>
             </a:ext>
             <a:ext uri="{FAA26D3D-D897-4be2-8F04-BA451C77F1D7}">
-              <ma14:placeholderFlag xmlns="" xmlns:ma14="http://schemas.microsoft.com/office/mac/drawingml/2011/main" val="1"/>
+              <ma14:placeholderFlag xmlns:ma14="http://schemas.microsoft.com/office/mac/drawingml/2011/main" xmlns="" val="1"/>
             </a:ext>
           </a:extLst>
         </p:spPr>
@@ -5707,7 +5707,7 @@
             </a:pPr>
             <a:r>
               <a:rPr lang="en-US" altLang="zh-CN" dirty="0"/>
-              <a:t>107</a:t>
+              <a:t>108</a:t>
             </a:r>
             <a:r>
               <a:rPr lang="en-US" altLang="zh-CN" baseline="30000" dirty="0"/>
@@ -5715,7 +5715,7 @@
             </a:r>
             <a:r>
               <a:rPr lang="en-US" altLang="zh-CN" dirty="0"/>
-              <a:t> IETF @ Vancouver</a:t>
+              <a:t> IETF @ Madrid</a:t>
             </a:r>
           </a:p>
         </p:txBody>
@@ -5838,7 +5838,7 @@
             </a:pPr>
             <a:r>
               <a:rPr lang="en-US" altLang="zh-CN" sz="1200" dirty="0"/>
-              <a:t>107</a:t>
+              <a:t>108</a:t>
             </a:r>
             <a:r>
               <a:rPr lang="en-US" altLang="zh-CN" sz="1200" baseline="30000" dirty="0"/>
@@ -5846,7 +5846,7 @@
             </a:r>
             <a:r>
               <a:rPr lang="en-US" altLang="zh-CN" sz="1200" dirty="0"/>
-              <a:t> IETF @ Vancouver</a:t>
+              <a:t> IETF @ Madrid</a:t>
             </a:r>
           </a:p>
         </p:txBody>
@@ -8590,7 +8590,7 @@
             </a:pPr>
             <a:r>
               <a:rPr lang="en-US" altLang="zh-CN" dirty="0"/>
-              <a:t>107</a:t>
+              <a:t>108</a:t>
             </a:r>
             <a:r>
               <a:rPr lang="en-US" altLang="zh-CN" baseline="30000" dirty="0"/>
@@ -8598,7 +8598,7 @@
             </a:r>
             <a:r>
               <a:rPr lang="en-US" altLang="zh-CN" dirty="0"/>
-              <a:t> IETF @ Vancouver</a:t>
+              <a:t> IETF @ Madrid</a:t>
             </a:r>
           </a:p>
         </p:txBody>
@@ -8687,7 +8687,7 @@
             </a:pPr>
             <a:r>
               <a:rPr lang="en-US" altLang="zh-CN" dirty="0"/>
-              <a:t>107</a:t>
+              <a:t>108</a:t>
             </a:r>
             <a:r>
               <a:rPr lang="en-US" altLang="zh-CN" baseline="30000" dirty="0"/>
@@ -8695,7 +8695,7 @@
             </a:r>
             <a:r>
               <a:rPr lang="en-US" altLang="zh-CN" dirty="0"/>
-              <a:t> IETF @ Vancouver</a:t>
+              <a:t> IETF @ Madrid</a:t>
             </a:r>
           </a:p>
         </p:txBody>
@@ -8973,7 +8973,7 @@
             </a:pPr>
             <a:r>
               <a:rPr lang="en-US" altLang="zh-CN" dirty="0"/>
-              <a:t>107</a:t>
+              <a:t>108</a:t>
             </a:r>
             <a:r>
               <a:rPr lang="en-US" altLang="zh-CN" baseline="30000" dirty="0"/>
@@ -8981,7 +8981,7 @@
             </a:r>
             <a:r>
               <a:rPr lang="en-US" altLang="zh-CN" dirty="0"/>
-              <a:t> IETF @ Vancouver</a:t>
+              <a:t> IETF @ Madrid</a:t>
             </a:r>
           </a:p>
         </p:txBody>
@@ -9143,7 +9143,7 @@
             </a:pPr>
             <a:r>
               <a:rPr lang="en-US" altLang="zh-CN" dirty="0"/>
-              <a:t>107</a:t>
+              <a:t>108</a:t>
             </a:r>
             <a:r>
               <a:rPr lang="en-US" altLang="zh-CN" baseline="30000" dirty="0"/>
@@ -9151,7 +9151,7 @@
             </a:r>
             <a:r>
               <a:rPr lang="en-US" altLang="zh-CN" dirty="0"/>
-              <a:t> IETF @ Vancouver</a:t>
+              <a:t> IETF @ Madrid</a:t>
             </a:r>
           </a:p>
         </p:txBody>
@@ -9457,7 +9457,7 @@
             </a:pPr>
             <a:r>
               <a:rPr lang="en-US" altLang="zh-CN" dirty="0"/>
-              <a:t>107</a:t>
+              <a:t>108</a:t>
             </a:r>
             <a:r>
               <a:rPr lang="en-US" altLang="zh-CN" baseline="30000" dirty="0"/>
@@ -9465,7 +9465,7 @@
             </a:r>
             <a:r>
               <a:rPr lang="en-US" altLang="zh-CN" dirty="0"/>
-              <a:t> IETF @ Vancouver</a:t>
+              <a:t> IETF @ Madrid</a:t>
             </a:r>
           </a:p>
         </p:txBody>
@@ -9984,7 +9984,7 @@
             </a:pPr>
             <a:r>
               <a:rPr lang="en-US" altLang="zh-CN" dirty="0"/>
-              <a:t>107</a:t>
+              <a:t>108</a:t>
             </a:r>
             <a:r>
               <a:rPr lang="en-US" altLang="zh-CN" baseline="30000" dirty="0"/>
@@ -9992,7 +9992,7 @@
             </a:r>
             <a:r>
               <a:rPr lang="en-US" altLang="zh-CN" dirty="0"/>
-              <a:t> IETF @ Vancouver</a:t>
+              <a:t> IETF @ Madrid</a:t>
             </a:r>
           </a:p>
         </p:txBody>
@@ -10956,7 +10956,7 @@
             </a:pPr>
             <a:r>
               <a:rPr lang="en-US" altLang="zh-CN" dirty="0"/>
-              <a:t>107</a:t>
+              <a:t>108</a:t>
             </a:r>
             <a:r>
               <a:rPr lang="en-US" altLang="zh-CN" baseline="30000" dirty="0"/>
@@ -10964,7 +10964,7 @@
             </a:r>
             <a:r>
               <a:rPr lang="en-US" altLang="zh-CN" dirty="0"/>
-              <a:t> IETF @ Vancouver</a:t>
+              <a:t> IETF @ Madrid</a:t>
             </a:r>
           </a:p>
         </p:txBody>
@@ -11400,7 +11400,7 @@
             </a:pPr>
             <a:r>
               <a:rPr lang="en-US" altLang="zh-CN" dirty="0"/>
-              <a:t>107</a:t>
+              <a:t>108</a:t>
             </a:r>
             <a:r>
               <a:rPr lang="en-US" altLang="zh-CN" baseline="30000" dirty="0"/>
@@ -11408,7 +11408,7 @@
             </a:r>
             <a:r>
               <a:rPr lang="en-US" altLang="zh-CN" dirty="0"/>
-              <a:t> IETF @ Vancouver</a:t>
+              <a:t> IETF @ Madrid</a:t>
             </a:r>
           </a:p>
         </p:txBody>
@@ -11497,7 +11497,7 @@
             </a:pPr>
             <a:r>
               <a:rPr lang="en-US" altLang="zh-CN" dirty="0"/>
-              <a:t>107</a:t>
+              <a:t>108</a:t>
             </a:r>
             <a:r>
               <a:rPr lang="en-US" altLang="zh-CN" baseline="30000" dirty="0"/>
@@ -11505,7 +11505,7 @@
             </a:r>
             <a:r>
               <a:rPr lang="en-US" altLang="zh-CN" dirty="0"/>
-              <a:t> IETF @ Vancouver</a:t>
+              <a:t> IETF @ Madrid</a:t>
             </a:r>
           </a:p>
         </p:txBody>
@@ -11706,7 +11706,7 @@
             </a:pPr>
             <a:r>
               <a:rPr lang="en-US" altLang="zh-CN" dirty="0"/>
-              <a:t>107</a:t>
+              <a:t>108</a:t>
             </a:r>
             <a:r>
               <a:rPr lang="en-US" altLang="zh-CN" baseline="30000" dirty="0"/>
@@ -11714,7 +11714,7 @@
             </a:r>
             <a:r>
               <a:rPr lang="en-US" altLang="zh-CN" dirty="0"/>
-              <a:t> IETF @ Vancouver</a:t>
+              <a:t> IETF @ Madrid</a:t>
             </a:r>
           </a:p>
         </p:txBody>
@@ -13262,7 +13262,7 @@
             </a:pPr>
             <a:r>
               <a:rPr lang="en-US" altLang="zh-CN" sz="1200" dirty="0"/>
-              <a:t>107</a:t>
+              <a:t>108</a:t>
             </a:r>
             <a:r>
               <a:rPr lang="en-US" altLang="zh-CN" sz="1200" baseline="30000" dirty="0"/>
@@ -13270,7 +13270,7 @@
             </a:r>
             <a:r>
               <a:rPr lang="en-US" altLang="zh-CN" sz="1200" dirty="0"/>
-              <a:t> IETF @ Vancouver</a:t>
+              <a:t> IETF @ Madrid</a:t>
             </a:r>
           </a:p>
         </p:txBody>
@@ -13547,7 +13547,7 @@
             </a:pPr>
             <a:r>
               <a:rPr lang="en-US" altLang="zh-CN" dirty="0"/>
-              <a:t>107</a:t>
+              <a:t>108</a:t>
             </a:r>
             <a:r>
               <a:rPr lang="en-US" altLang="zh-CN" baseline="30000" dirty="0"/>
@@ -13555,7 +13555,7 @@
             </a:r>
             <a:r>
               <a:rPr lang="en-US" altLang="zh-CN" dirty="0"/>
-              <a:t> IETF @ Vancouver</a:t>
+              <a:t> IETF @ Madrid</a:t>
             </a:r>
           </a:p>
         </p:txBody>
@@ -14012,7 +14012,7 @@
             </a:pPr>
             <a:r>
               <a:rPr lang="en-US" altLang="zh-CN" dirty="0"/>
-              <a:t>107</a:t>
+              <a:t>108</a:t>
             </a:r>
             <a:r>
               <a:rPr lang="en-US" altLang="zh-CN" baseline="30000" dirty="0"/>
@@ -14020,7 +14020,7 @@
             </a:r>
             <a:r>
               <a:rPr lang="en-US" altLang="zh-CN" dirty="0"/>
-              <a:t> IETF @ Vancouver</a:t>
+              <a:t> IETF @ Madrid</a:t>
             </a:r>
           </a:p>
         </p:txBody>
@@ -14349,7 +14349,7 @@
             </a:pPr>
             <a:r>
               <a:rPr lang="en-US" altLang="zh-CN" dirty="0"/>
-              <a:t>107</a:t>
+              <a:t>108</a:t>
             </a:r>
             <a:r>
               <a:rPr lang="en-US" altLang="zh-CN" baseline="30000" dirty="0"/>
@@ -14357,7 +14357,7 @@
             </a:r>
             <a:r>
               <a:rPr lang="en-US" altLang="zh-CN" dirty="0"/>
-              <a:t> IETF @ Vancouver</a:t>
+              <a:t> IETF @ Madrid</a:t>
             </a:r>
           </a:p>
         </p:txBody>
@@ -14589,7 +14589,7 @@
             </a:pPr>
             <a:r>
               <a:rPr lang="en-US" altLang="zh-CN" dirty="0"/>
-              <a:t>107</a:t>
+              <a:t>108</a:t>
             </a:r>
             <a:r>
               <a:rPr lang="en-US" altLang="zh-CN" baseline="30000" dirty="0"/>
@@ -14597,7 +14597,7 @@
             </a:r>
             <a:r>
               <a:rPr lang="en-US" altLang="zh-CN" dirty="0"/>
-              <a:t> IETF @ Vancouver</a:t>
+              <a:t> IETF @ Madrid</a:t>
             </a:r>
           </a:p>
         </p:txBody>
@@ -14731,7 +14731,7 @@
             </a:pPr>
             <a:r>
               <a:rPr lang="en-US" altLang="zh-CN" dirty="0"/>
-              <a:t>107</a:t>
+              <a:t>108</a:t>
             </a:r>
             <a:r>
               <a:rPr lang="en-US" altLang="zh-CN" baseline="30000" dirty="0"/>
@@ -14739,7 +14739,7 @@
             </a:r>
             <a:r>
               <a:rPr lang="en-US" altLang="zh-CN" dirty="0"/>
-              <a:t> IETF @ Vancouver</a:t>
+              <a:t> IETF @ Madrid</a:t>
             </a:r>
           </a:p>
         </p:txBody>
@@ -15339,7 +15339,7 @@
             </a:pPr>
             <a:r>
               <a:rPr lang="en-US" altLang="zh-CN" dirty="0"/>
-              <a:t>107</a:t>
+              <a:t>108</a:t>
             </a:r>
             <a:r>
               <a:rPr lang="en-US" altLang="zh-CN" baseline="30000" dirty="0"/>
@@ -15347,7 +15347,7 @@
             </a:r>
             <a:r>
               <a:rPr lang="en-US" altLang="zh-CN" dirty="0"/>
-              <a:t> IETF @ Vancouver</a:t>
+              <a:t> IETF @ Madrid</a:t>
             </a:r>
           </a:p>
         </p:txBody>
@@ -15608,7 +15608,7 @@
             </a:pPr>
             <a:r>
               <a:rPr lang="en-US" altLang="zh-CN" dirty="0"/>
-              <a:t>107</a:t>
+              <a:t>108</a:t>
             </a:r>
             <a:r>
               <a:rPr lang="en-US" altLang="zh-CN" baseline="30000" dirty="0"/>
@@ -15616,7 +15616,7 @@
             </a:r>
             <a:r>
               <a:rPr lang="en-US" altLang="zh-CN" dirty="0"/>
-              <a:t> IETF @ Vancouver</a:t>
+              <a:t> IETF @ Madrid</a:t>
             </a:r>
           </a:p>
         </p:txBody>
@@ -16032,7 +16032,7 @@
             </a:pPr>
             <a:r>
               <a:rPr lang="en-US" altLang="zh-CN" dirty="0"/>
-              <a:t>107</a:t>
+              <a:t>108</a:t>
             </a:r>
             <a:r>
               <a:rPr lang="en-US" altLang="zh-CN" baseline="30000" dirty="0"/>
@@ -16040,7 +16040,7 @@
             </a:r>
             <a:r>
               <a:rPr lang="en-US" altLang="zh-CN" dirty="0"/>
-              <a:t> IETF @ Vancouver</a:t>
+              <a:t> IETF @ Madrid</a:t>
             </a:r>
           </a:p>
         </p:txBody>

--- a/draft-gandhi-spring-stamp-srpm-01.pptx
+++ b/draft-gandhi-spring-stamp-srpm-01.pptx
@@ -264,7 +264,7 @@
           <a:p>
             <a:fld id="{E8FA3DB5-7722-3F4F-947D-12B203669AD7}" type="datetimeFigureOut">
               <a:rPr lang="en-US" smtClean="0"/>
-              <a:t>5/8/20</a:t>
+              <a:t>5/10/20</a:t>
             </a:fld>
             <a:endParaRPr lang="en-US"/>
           </a:p>
@@ -2747,7 +2747,7 @@
               </a14:hiddenLine>
             </a:ext>
             <a:ext uri="{FAA26D3D-D897-4be2-8F04-BA451C77F1D7}">
-              <ma14:placeholderFlag xmlns:ma14="http://schemas.microsoft.com/office/mac/drawingml/2011/main" xmlns="" val="1"/>
+              <ma14:placeholderFlag xmlns="" xmlns:ma14="http://schemas.microsoft.com/office/mac/drawingml/2011/main" val="1"/>
             </a:ext>
           </a:extLst>
         </p:spPr>
@@ -10380,7 +10380,7 @@
             </a:pPr>
             <a:r>
               <a:rPr lang="en-US" sz="1600" dirty="0"/>
-              <a:t>MPLS label stack for SR-MPLS Policies</a:t>
+              <a:t>MPLS label stack for SR-MPLS Policy</a:t>
             </a:r>
           </a:p>
           <a:p>
@@ -10398,7 +10398,7 @@
             </a:r>
             <a:r>
               <a:rPr lang="en-US" sz="1600" dirty="0"/>
-              <a:t>] with SID list for SRv6 Policies</a:t>
+              <a:t>] with SID list for SRv6 Policy</a:t>
             </a:r>
           </a:p>
         </p:txBody>
@@ -10446,8 +10446,8 @@
         </p:nvSpPr>
         <p:spPr>
           <a:xfrm>
-            <a:off x="4267200" y="1973509"/>
-            <a:ext cx="3962400" cy="3208571"/>
+            <a:off x="4267200" y="1986807"/>
+            <a:ext cx="3962400" cy="3093154"/>
           </a:xfrm>
           <a:prstGeom prst="rect">
             <a:avLst/>
@@ -14864,7 +14864,7 @@
               <a:rPr lang="en-CA" sz="800" dirty="0">
                 <a:latin typeface="Courier" pitchFamily="2" charset="0"/>
               </a:rPr>
-              <a:t>    |         Error Estimate        | Session ID                    |</a:t>
+              <a:t>    |         Error Estimate        |      SSID                     |</a:t>
             </a:r>
           </a:p>
           <a:p>
@@ -14880,7 +14880,22 @@
               <a:rPr lang="en-CA" sz="800" dirty="0">
                 <a:latin typeface="Courier" pitchFamily="2" charset="0"/>
               </a:rPr>
-              <a:t>    |         MBZ                                   |Se Control Code|</a:t>
+              <a:t>    |         MBZ                                   |</a:t>
+            </a:r>
+            <a:r>
+              <a:rPr lang="en-CA" sz="800" dirty="0">
+                <a:solidFill>
+                  <a:srgbClr val="0070C0"/>
+                </a:solidFill>
+                <a:latin typeface="Courier" pitchFamily="2" charset="0"/>
+              </a:rPr>
+              <a:t>Se Control Code</a:t>
+            </a:r>
+            <a:r>
+              <a:rPr lang="en-CA" sz="800" dirty="0">
+                <a:latin typeface="Courier" pitchFamily="2" charset="0"/>
+              </a:rPr>
+              <a:t>|</a:t>
             </a:r>
           </a:p>
           <a:p>
@@ -14940,7 +14955,7 @@
         <p:spPr>
           <a:xfrm>
             <a:off x="195677" y="676752"/>
-            <a:ext cx="3945317" cy="3970318"/>
+            <a:ext cx="3945317" cy="4185761"/>
           </a:xfrm>
           <a:prstGeom prst="rect">
             <a:avLst/>
@@ -14960,7 +14975,17 @@
                 <a:latin typeface="Calibri" panose="020F0502020204030204" pitchFamily="34" charset="0"/>
                 <a:cs typeface="Calibri" panose="020F0502020204030204" pitchFamily="34" charset="0"/>
               </a:rPr>
-              <a:t>For a Query: Sender Control Code</a:t>
+              <a:t>For a Query: </a:t>
+            </a:r>
+            <a:r>
+              <a:rPr lang="en-US" sz="1400" b="1" dirty="0">
+                <a:solidFill>
+                  <a:srgbClr val="0070C0"/>
+                </a:solidFill>
+                <a:latin typeface="Calibri" panose="020F0502020204030204" pitchFamily="34" charset="0"/>
+                <a:cs typeface="Calibri" panose="020F0502020204030204" pitchFamily="34" charset="0"/>
+              </a:rPr>
+              <a:t>Sender Control Code</a:t>
             </a:r>
           </a:p>
           <a:p>
@@ -15030,18 +15055,6 @@
             </a:r>
           </a:p>
           <a:p>
-            <a:r>
-              <a:rPr lang="en-US" sz="1400" dirty="0">
-                <a:solidFill>
-                  <a:schemeClr val="tx2"/>
-                </a:solidFill>
-                <a:latin typeface="Calibri" panose="020F0502020204030204" pitchFamily="34" charset="0"/>
-                <a:cs typeface="Calibri" panose="020F0502020204030204" pitchFamily="34" charset="0"/>
-              </a:rPr>
-              <a:t>The bidirectional path does not have to be an SR path.</a:t>
-            </a:r>
-          </a:p>
-          <a:p>
             <a:endParaRPr lang="en-US" sz="1400" dirty="0">
               <a:solidFill>
                 <a:schemeClr val="tx2"/>
@@ -15059,7 +15072,38 @@
                 <a:latin typeface="Calibri" panose="020F0502020204030204" pitchFamily="34" charset="0"/>
                 <a:cs typeface="Calibri" panose="020F0502020204030204" pitchFamily="34" charset="0"/>
               </a:rPr>
-              <a:t>For a Response: Reflector Control Code</a:t>
+              <a:t>The bidirectional path does not have to be an SR path.</a:t>
+            </a:r>
+          </a:p>
+          <a:p>
+            <a:endParaRPr lang="en-US" sz="1400" dirty="0">
+              <a:solidFill>
+                <a:schemeClr val="tx2"/>
+              </a:solidFill>
+              <a:latin typeface="Calibri" panose="020F0502020204030204" pitchFamily="34" charset="0"/>
+              <a:cs typeface="Calibri" panose="020F0502020204030204" pitchFamily="34" charset="0"/>
+            </a:endParaRPr>
+          </a:p>
+          <a:p>
+            <a:r>
+              <a:rPr lang="en-US" sz="1400" b="1" dirty="0">
+                <a:solidFill>
+                  <a:schemeClr val="tx2"/>
+                </a:solidFill>
+                <a:latin typeface="Calibri" panose="020F0502020204030204" pitchFamily="34" charset="0"/>
+                <a:cs typeface="Calibri" panose="020F0502020204030204" pitchFamily="34" charset="0"/>
+              </a:rPr>
+              <a:t>For a Response: </a:t>
+            </a:r>
+            <a:r>
+              <a:rPr lang="en-US" sz="1400" b="1" dirty="0">
+                <a:solidFill>
+                  <a:srgbClr val="0070C0"/>
+                </a:solidFill>
+                <a:latin typeface="Calibri" panose="020F0502020204030204" pitchFamily="34" charset="0"/>
+                <a:cs typeface="Calibri" panose="020F0502020204030204" pitchFamily="34" charset="0"/>
+              </a:rPr>
+              <a:t>Reflector Control Code</a:t>
             </a:r>
           </a:p>
           <a:p>
@@ -15170,7 +15214,22 @@
               <a:rPr lang="en-CA" sz="800" dirty="0">
                 <a:latin typeface="Courier" pitchFamily="2" charset="0"/>
               </a:rPr>
-              <a:t>    | Session-Sender Error Estimate | MBZ           |Re Control Code|</a:t>
+              <a:t>    | Session-Sender Error Estimate | MBZ           |</a:t>
+            </a:r>
+            <a:r>
+              <a:rPr lang="en-CA" sz="800" dirty="0">
+                <a:solidFill>
+                  <a:srgbClr val="0070C0"/>
+                </a:solidFill>
+                <a:latin typeface="Courier" pitchFamily="2" charset="0"/>
+              </a:rPr>
+              <a:t>Re Control Code</a:t>
+            </a:r>
+            <a:r>
+              <a:rPr lang="en-CA" sz="800" dirty="0">
+                <a:latin typeface="Courier" pitchFamily="2" charset="0"/>
+              </a:rPr>
+              <a:t>|</a:t>
             </a:r>
           </a:p>
           <a:p>

--- a/draft-gandhi-spring-stamp-srpm-01.pptx
+++ b/draft-gandhi-spring-stamp-srpm-01.pptx
@@ -2747,7 +2747,7 @@
               </a14:hiddenLine>
             </a:ext>
             <a:ext uri="{FAA26D3D-D897-4be2-8F04-BA451C77F1D7}">
-              <ma14:placeholderFlag xmlns="" xmlns:ma14="http://schemas.microsoft.com/office/mac/drawingml/2011/main" val="1"/>
+              <ma14:placeholderFlag xmlns:ma14="http://schemas.microsoft.com/office/mac/drawingml/2011/main" xmlns="" val="1"/>
             </a:ext>
           </a:extLst>
         </p:spPr>
@@ -6156,8 +6156,8 @@
         </p:nvSpPr>
         <p:spPr bwMode="auto">
           <a:xfrm>
-            <a:off x="4699552" y="262148"/>
-            <a:ext cx="4152900" cy="4355038"/>
+            <a:off x="4699552" y="385258"/>
+            <a:ext cx="4152900" cy="4108817"/>
           </a:xfrm>
           <a:prstGeom prst="rect">
             <a:avLst/>
@@ -6907,66 +6907,6 @@
                 <a:ea typeface="Times New Roman" panose="02020603050405020304" pitchFamily="18" charset="0"/>
                 <a:cs typeface="Courier New" panose="02070309020205020404" pitchFamily="49" charset="0"/>
               </a:rPr>
-              <a:t>.  Router Alert Option Not Set                                  .</a:t>
-            </a:r>
-            <a:endParaRPr kumimoji="0" lang="en-US" altLang="en-US" sz="600" u="none" strike="noStrike" cap="none" normalizeH="0" baseline="0" dirty="0">
-              <a:ln>
-                <a:noFill/>
-              </a:ln>
-              <a:solidFill>
-                <a:schemeClr val="tx1"/>
-              </a:solidFill>
-              <a:effectLst/>
-              <a:latin typeface="Courier" pitchFamily="2" charset="0"/>
-            </a:endParaRPr>
-          </a:p>
-          <a:p>
-            <a:pPr marL="0" marR="0" lvl="0" indent="0" algn="l" defTabSz="914400" rtl="0" eaLnBrk="0" fontAlgn="base" latinLnBrk="0" hangingPunct="0">
-              <a:lnSpc>
-                <a:spcPct val="100000"/>
-              </a:lnSpc>
-              <a:spcBef>
-                <a:spcPct val="0"/>
-              </a:spcBef>
-              <a:spcAft>
-                <a:spcPct val="0"/>
-              </a:spcAft>
-              <a:buClrTx/>
-              <a:buSzTx/>
-              <a:buFontTx/>
-              <a:buNone/>
-              <a:tabLst>
-                <a:tab pos="581025" algn="l"/>
-                <a:tab pos="1163638" algn="l"/>
-                <a:tab pos="1744663" algn="l"/>
-                <a:tab pos="2327275" algn="l"/>
-                <a:tab pos="2908300" algn="l"/>
-                <a:tab pos="3489325" algn="l"/>
-                <a:tab pos="4071938" algn="l"/>
-                <a:tab pos="4652963" algn="l"/>
-                <a:tab pos="5235575" algn="l"/>
-                <a:tab pos="5816600" algn="l"/>
-                <a:tab pos="6397625" algn="l"/>
-                <a:tab pos="6980238" algn="l"/>
-                <a:tab pos="7561263" algn="l"/>
-                <a:tab pos="8143875" algn="l"/>
-                <a:tab pos="8724900" algn="l"/>
-                <a:tab pos="9305925" algn="l"/>
-              </a:tabLst>
-            </a:pPr>
-            <a:r>
-              <a:rPr kumimoji="0" lang="en-US" altLang="en-US" sz="800" u="none" strike="noStrike" cap="none" normalizeH="0" baseline="0" dirty="0">
-                <a:ln>
-                  <a:noFill/>
-                </a:ln>
-                <a:solidFill>
-                  <a:schemeClr val="tx1"/>
-                </a:solidFill>
-                <a:effectLst/>
-                <a:latin typeface="Courier" pitchFamily="2" charset="0"/>
-                <a:ea typeface="Times New Roman" panose="02020603050405020304" pitchFamily="18" charset="0"/>
-                <a:cs typeface="Courier New" panose="02070309020205020404" pitchFamily="49" charset="0"/>
-              </a:rPr>
               <a:t>.                                                               .</a:t>
             </a:r>
             <a:endParaRPr kumimoji="0" lang="en-US" altLang="en-US" sz="600" u="none" strike="noStrike" cap="none" normalizeH="0" baseline="0" dirty="0">
@@ -10446,8 +10386,8 @@
         </p:nvSpPr>
         <p:spPr>
           <a:xfrm>
-            <a:off x="4267200" y="1986807"/>
-            <a:ext cx="3962400" cy="3093154"/>
+            <a:off x="4267200" y="1986808"/>
+            <a:ext cx="3962400" cy="3069458"/>
           </a:xfrm>
           <a:prstGeom prst="rect">
             <a:avLst/>
@@ -10581,7 +10521,7 @@
                 <a:ea typeface="Courier" charset="0"/>
                 <a:cs typeface="Courier" charset="0"/>
               </a:rPr>
-              <a:t>.  &lt;SID List&gt;                                                   .</a:t>
+              <a:t>.  &lt;Segment List&gt;                                               .</a:t>
             </a:r>
           </a:p>
           <a:p>

--- a/draft-gandhi-spring-stamp-srpm-01.pptx
+++ b/draft-gandhi-spring-stamp-srpm-01.pptx
@@ -264,7 +264,7 @@
           <a:p>
             <a:fld id="{E8FA3DB5-7722-3F4F-947D-12B203669AD7}" type="datetimeFigureOut">
               <a:rPr lang="en-US" smtClean="0"/>
-              <a:t>5/10/20</a:t>
+              <a:t>5/10/2020</a:t>
             </a:fld>
             <a:endParaRPr lang="en-US"/>
           </a:p>
@@ -2747,7 +2747,7 @@
               </a14:hiddenLine>
             </a:ext>
             <a:ext uri="{FAA26D3D-D897-4be2-8F04-BA451C77F1D7}">
-              <ma14:placeholderFlag xmlns:ma14="http://schemas.microsoft.com/office/mac/drawingml/2011/main" xmlns="" val="1"/>
+              <ma14:placeholderFlag xmlns="" xmlns:ma14="http://schemas.microsoft.com/office/mac/drawingml/2011/main" val="1"/>
             </a:ext>
           </a:extLst>
         </p:spPr>
@@ -6093,7 +6093,7 @@
               <a:t>Does not modify existing STAMP (which is for DM) procedure as different UDP destination </a:t>
             </a:r>
             <a:r>
-              <a:rPr lang="en-US" sz="1400" kern="0" dirty="0">
+              <a:rPr lang="en-US" sz="1400" b="1" kern="0" dirty="0">
                 <a:solidFill>
                   <a:srgbClr val="0070C0"/>
                 </a:solidFill>
@@ -10338,7 +10338,7 @@
             </a:r>
             <a:r>
               <a:rPr lang="en-US" sz="1600" dirty="0"/>
-              <a:t>] with SID list for SRv6 Policy</a:t>
+              <a:t>] with Segment List for SRv6 Policy</a:t>
             </a:r>
           </a:p>
         </p:txBody>
@@ -14895,7 +14895,7 @@
         <p:spPr>
           <a:xfrm>
             <a:off x="195677" y="676752"/>
-            <a:ext cx="3945317" cy="4185761"/>
+            <a:ext cx="3945317" cy="3754874"/>
           </a:xfrm>
           <a:prstGeom prst="rect">
             <a:avLst/>
@@ -14995,15 +14995,6 @@
             </a:r>
           </a:p>
           <a:p>
-            <a:endParaRPr lang="en-US" sz="1400" dirty="0">
-              <a:solidFill>
-                <a:schemeClr val="tx2"/>
-              </a:solidFill>
-              <a:latin typeface="Calibri" panose="020F0502020204030204" pitchFamily="34" charset="0"/>
-              <a:cs typeface="Calibri" panose="020F0502020204030204" pitchFamily="34" charset="0"/>
-            </a:endParaRPr>
-          </a:p>
-          <a:p>
             <a:r>
               <a:rPr lang="en-US" sz="1400" b="1" dirty="0">
                 <a:solidFill>
@@ -15012,7 +15003,7 @@
                 <a:latin typeface="Calibri" panose="020F0502020204030204" pitchFamily="34" charset="0"/>
                 <a:cs typeface="Calibri" panose="020F0502020204030204" pitchFamily="34" charset="0"/>
               </a:rPr>
-              <a:t>The bidirectional path does not have to be an SR path.</a:t>
+              <a:t>Also applicable to non-SR paths.</a:t>
             </a:r>
           </a:p>
           <a:p>

--- a/draft-gandhi-spring-stamp-srpm-01.pptx
+++ b/draft-gandhi-spring-stamp-srpm-01.pptx
@@ -264,7 +264,7 @@
           <a:p>
             <a:fld id="{E8FA3DB5-7722-3F4F-947D-12B203669AD7}" type="datetimeFigureOut">
               <a:rPr lang="en-US" smtClean="0"/>
-              <a:t>5/10/2020</a:t>
+              <a:t>6/2/20</a:t>
             </a:fld>
             <a:endParaRPr lang="en-US"/>
           </a:p>
@@ -10125,7 +10125,7 @@
         </p:nvSpPr>
         <p:spPr bwMode="auto">
           <a:xfrm>
-            <a:off x="228600" y="1250787"/>
+            <a:off x="228600" y="1428750"/>
             <a:ext cx="3962400" cy="2641926"/>
           </a:xfrm>
           <a:prstGeom prst="rect">
@@ -14078,189 +14078,172 @@
           <a:lstStyle/>
           <a:p>
             <a:r>
-              <a:rPr lang="en-US" sz="1100" dirty="0"/>
+              <a:rPr lang="en-US" sz="1200" dirty="0"/>
               <a:t>Feb 2019</a:t>
             </a:r>
           </a:p>
           <a:p>
             <a:pPr lvl="1"/>
             <a:r>
-              <a:rPr lang="en-US" sz="1100" dirty="0"/>
+              <a:rPr lang="en-US" sz="1200" dirty="0"/>
               <a:t>Draft was published - </a:t>
             </a:r>
             <a:r>
-              <a:rPr lang="en-US" sz="1100" i="1" dirty="0"/>
+              <a:rPr lang="en-US" sz="1200" i="1" dirty="0"/>
               <a:t>draft-gandhi-spring-twamp-srpm-00</a:t>
             </a:r>
-            <a:endParaRPr lang="en-US" sz="1100" dirty="0"/>
-          </a:p>
-          <a:p>
-            <a:r>
-              <a:rPr lang="en-US" sz="1100" dirty="0"/>
+            <a:endParaRPr lang="en-US" sz="1200" dirty="0"/>
+          </a:p>
+          <a:p>
+            <a:r>
+              <a:rPr lang="en-US" sz="1200" dirty="0"/>
               <a:t>Mar 2019</a:t>
             </a:r>
           </a:p>
           <a:p>
             <a:pPr lvl="1"/>
             <a:r>
-              <a:rPr lang="en-US" sz="1100" dirty="0"/>
+              <a:rPr lang="en-US" sz="1200" dirty="0"/>
               <a:t>Presented </a:t>
             </a:r>
             <a:r>
-              <a:rPr lang="en-US" sz="1100" i="1" dirty="0"/>
+              <a:rPr lang="en-US" sz="1200" i="1" dirty="0"/>
               <a:t>draft-gandhi-spring-twamp-srpm-00</a:t>
             </a:r>
             <a:r>
-              <a:rPr lang="en-US" sz="1100" dirty="0"/>
+              <a:rPr lang="en-US" sz="1200" dirty="0"/>
               <a:t> at IETF 104 Prague in SPRING WG</a:t>
             </a:r>
           </a:p>
           <a:p>
             <a:r>
-              <a:rPr lang="en-US" sz="1100" dirty="0"/>
+              <a:rPr lang="en-US" sz="1200" dirty="0"/>
               <a:t>May 2019</a:t>
             </a:r>
           </a:p>
           <a:p>
             <a:pPr lvl="1"/>
             <a:r>
-              <a:rPr lang="en-US" sz="1100" dirty="0"/>
+              <a:rPr lang="en-US" sz="1200" dirty="0"/>
               <a:t>Added STAMP TLV for Return Path </a:t>
             </a:r>
           </a:p>
           <a:p>
             <a:r>
-              <a:rPr lang="en-US" sz="1100" dirty="0"/>
+              <a:rPr lang="en-US" sz="1200" dirty="0"/>
               <a:t>July 2019</a:t>
             </a:r>
           </a:p>
           <a:p>
             <a:pPr lvl="1"/>
             <a:r>
-              <a:rPr lang="en-US" sz="1100" dirty="0"/>
+              <a:rPr lang="en-US" sz="1200" dirty="0"/>
               <a:t>Presented </a:t>
             </a:r>
             <a:r>
-              <a:rPr lang="en-US" sz="1100" i="1" dirty="0"/>
+              <a:rPr lang="en-US" sz="1200" i="1" dirty="0"/>
               <a:t>draft-gandhi-spring-twamp-srpm-01</a:t>
             </a:r>
             <a:r>
-              <a:rPr lang="en-US" sz="1100" dirty="0"/>
+              <a:rPr lang="en-US" sz="1200" dirty="0"/>
               <a:t> at IETF 105 Montreal in IPPM WG</a:t>
             </a:r>
           </a:p>
           <a:p>
             <a:pPr lvl="2"/>
             <a:r>
-              <a:rPr lang="en-US" sz="1100" dirty="0"/>
+              <a:rPr lang="en-US" sz="1200" dirty="0"/>
               <a:t>Slide 9 Titled - </a:t>
             </a:r>
             <a:r>
-              <a:rPr lang="en-CA" sz="1100" dirty="0"/>
-              <a:t>Applicability of STAMP – STAMP is supported</a:t>
-            </a:r>
-            <a:endParaRPr lang="en-US" sz="1100" dirty="0"/>
-          </a:p>
-          <a:p>
-            <a:r>
-              <a:rPr lang="en-US" sz="1100" dirty="0"/>
-              <a:t>Aug 2019</a:t>
+              <a:rPr lang="en-CA" sz="1200" dirty="0"/>
+              <a:t>Applicability of STAMP</a:t>
+            </a:r>
+            <a:endParaRPr lang="en-US" sz="1200" dirty="0"/>
+          </a:p>
+          <a:p>
+            <a:r>
+              <a:rPr lang="en-US" sz="1200" dirty="0"/>
+              <a:t>Nov 2019</a:t>
             </a:r>
           </a:p>
           <a:p>
             <a:pPr lvl="1"/>
             <a:r>
-              <a:rPr lang="en-US" sz="1100" i="1" dirty="0"/>
-              <a:t>draft-gandhi-spring-twamp-srpm-02</a:t>
-            </a:r>
-            <a:r>
-              <a:rPr lang="en-US" sz="1100" dirty="0"/>
-              <a:t> included stand-alone LM messages</a:t>
-            </a:r>
-          </a:p>
-          <a:p>
-            <a:r>
-              <a:rPr lang="en-US" sz="1100" dirty="0"/>
-              <a:t>Nov 2019</a:t>
+              <a:rPr lang="en-US" sz="1200" b="1" dirty="0"/>
+              <a:t>SPRING Chairs announced in the meeting the agreement with IPPM chairs to progress the draft in SPRING WG</a:t>
             </a:r>
           </a:p>
           <a:p>
             <a:pPr lvl="1"/>
             <a:r>
-              <a:rPr lang="en-US" sz="1100" b="1" dirty="0"/>
-              <a:t>SPRING Chairs announced in the meeting the agreement with IPPM chairs to progress the draft in SPRING WG</a:t>
+              <a:rPr lang="en-US" sz="1200" dirty="0"/>
+              <a:t>Presented </a:t>
+            </a:r>
+            <a:r>
+              <a:rPr lang="en-US" sz="1200" i="1" dirty="0"/>
+              <a:t>draft-gandhi-spring-twamp-srpm-04</a:t>
+            </a:r>
+            <a:r>
+              <a:rPr lang="en-US" sz="1200" dirty="0"/>
+              <a:t> at IETF 106 Singapore in SPRING WG</a:t>
+            </a:r>
+          </a:p>
+          <a:p>
+            <a:r>
+              <a:rPr lang="en-US" sz="1200" dirty="0"/>
+              <a:t>Mar 2020</a:t>
             </a:r>
           </a:p>
           <a:p>
             <a:pPr lvl="1"/>
             <a:r>
-              <a:rPr lang="en-US" sz="1100" dirty="0"/>
-              <a:t>Presented </a:t>
-            </a:r>
-            <a:r>
-              <a:rPr lang="en-US" sz="1100" i="1" dirty="0"/>
-              <a:t>draft-gandhi-spring-twamp-srpm-04</a:t>
-            </a:r>
-            <a:r>
-              <a:rPr lang="en-US" sz="1100" dirty="0"/>
-              <a:t> at IETF 106 Singapore in SPRING WG</a:t>
-            </a:r>
-          </a:p>
-          <a:p>
-            <a:r>
-              <a:rPr lang="en-US" sz="1100" dirty="0"/>
-              <a:t>Mar 2020</a:t>
+              <a:rPr lang="en-US" sz="1200" dirty="0"/>
+              <a:t>Moved STAMP support to </a:t>
+            </a:r>
+            <a:r>
+              <a:rPr lang="en-US" sz="1200" i="1" dirty="0"/>
+              <a:t>draft-</a:t>
+            </a:r>
+            <a:r>
+              <a:rPr lang="en-US" sz="1200" i="1" dirty="0" err="1"/>
+              <a:t>gandhi</a:t>
+            </a:r>
+            <a:r>
+              <a:rPr lang="en-US" sz="1200" i="1" dirty="0"/>
+              <a:t>--spring-</a:t>
+            </a:r>
+            <a:r>
+              <a:rPr lang="en-US" sz="1200" b="1" i="1" dirty="0"/>
+              <a:t>stamp</a:t>
+            </a:r>
+            <a:r>
+              <a:rPr lang="en-US" sz="1200" i="1" dirty="0"/>
+              <a:t>-srpm-00</a:t>
             </a:r>
           </a:p>
           <a:p>
             <a:pPr lvl="1"/>
             <a:r>
-              <a:rPr lang="en-US" sz="1100" dirty="0"/>
-              <a:t>Moved STAMP support to </a:t>
-            </a:r>
-            <a:r>
-              <a:rPr lang="en-US" sz="1100" i="1" dirty="0"/>
-              <a:t>draft-</a:t>
-            </a:r>
-            <a:r>
-              <a:rPr lang="en-US" sz="1100" i="1" dirty="0" err="1"/>
-              <a:t>gandhi</a:t>
-            </a:r>
-            <a:r>
-              <a:rPr lang="en-US" sz="1100" i="1" dirty="0"/>
-              <a:t>--spring-</a:t>
-            </a:r>
-            <a:r>
-              <a:rPr lang="en-US" sz="1100" b="1" i="1" dirty="0"/>
-              <a:t>stamp</a:t>
-            </a:r>
-            <a:r>
-              <a:rPr lang="en-US" sz="1100" i="1" dirty="0"/>
-              <a:t>-srpm-00</a:t>
+              <a:rPr lang="en-US" sz="1200" dirty="0"/>
+              <a:t>Keep TWAMP Light support as informational in </a:t>
+            </a:r>
+            <a:r>
+              <a:rPr lang="en-US" sz="1200" i="1" dirty="0"/>
+              <a:t>draft-gandhi-spring-</a:t>
+            </a:r>
+            <a:r>
+              <a:rPr lang="en-US" sz="1200" b="1" i="1" dirty="0"/>
+              <a:t>twamp</a:t>
+            </a:r>
+            <a:r>
+              <a:rPr lang="en-US" sz="1200" i="1" dirty="0"/>
+              <a:t>-srpm-08</a:t>
             </a:r>
           </a:p>
           <a:p>
             <a:pPr lvl="1"/>
-            <a:r>
-              <a:rPr lang="en-US" sz="1100" dirty="0"/>
-              <a:t>Keep TWAMP Light support as informational in </a:t>
-            </a:r>
-            <a:r>
-              <a:rPr lang="en-US" sz="1100" i="1" dirty="0"/>
-              <a:t>draft-gandhi-spring-</a:t>
-            </a:r>
-            <a:r>
-              <a:rPr lang="en-US" sz="1100" b="1" i="1" dirty="0"/>
-              <a:t>twamp</a:t>
-            </a:r>
-            <a:r>
-              <a:rPr lang="en-US" sz="1100" i="1" dirty="0"/>
-              <a:t>-srpm-08</a:t>
-            </a:r>
-          </a:p>
-          <a:p>
-            <a:pPr lvl="1"/>
-            <a:endParaRPr lang="en-US" sz="1100" i="1" dirty="0"/>
+            <a:endParaRPr lang="en-US" sz="1200" i="1" dirty="0"/>
           </a:p>
         </p:txBody>
       </p:sp>
@@ -14721,10 +14704,10 @@
       </p:sp>
       <p:sp>
         <p:nvSpPr>
-          <p:cNvPr id="7" name="Rectangle 6">
+          <p:cNvPr id="3" name="Rectangle 2">
             <a:extLst>
               <a:ext uri="{FF2B5EF4-FFF2-40B4-BE49-F238E27FC236}">
-                <a16:creationId xmlns:a16="http://schemas.microsoft.com/office/drawing/2014/main" id="{AA6E66CA-28BC-2C4A-BC04-4600D8FEBF3B}"/>
+                <a16:creationId xmlns:a16="http://schemas.microsoft.com/office/drawing/2014/main" id="{6F8B51A9-F47A-FA46-BE0D-7921BDF2E8D6}"/>
               </a:ext>
             </a:extLst>
           </p:cNvPr>
@@ -14733,8 +14716,177 @@
         </p:nvSpPr>
         <p:spPr>
           <a:xfrm>
-            <a:off x="4300123" y="850105"/>
-            <a:ext cx="4648200" cy="1815882"/>
+            <a:off x="261523" y="970771"/>
+            <a:ext cx="3396077" cy="3323987"/>
+          </a:xfrm>
+          <a:prstGeom prst="rect">
+            <a:avLst/>
+          </a:prstGeom>
+        </p:spPr>
+        <p:txBody>
+          <a:bodyPr wrap="square">
+            <a:spAutoFit/>
+          </a:bodyPr>
+          <a:lstStyle/>
+          <a:p>
+            <a:r>
+              <a:rPr lang="en-US" sz="1400" b="1" dirty="0">
+                <a:solidFill>
+                  <a:schemeClr val="tx2"/>
+                </a:solidFill>
+                <a:latin typeface="Calibri" panose="020F0502020204030204" pitchFamily="34" charset="0"/>
+                <a:cs typeface="Calibri" panose="020F0502020204030204" pitchFamily="34" charset="0"/>
+              </a:rPr>
+              <a:t>In a Query: </a:t>
+            </a:r>
+            <a:r>
+              <a:rPr lang="en-US" sz="1400" b="1" dirty="0">
+                <a:solidFill>
+                  <a:srgbClr val="0070C0"/>
+                </a:solidFill>
+                <a:latin typeface="Calibri" panose="020F0502020204030204" pitchFamily="34" charset="0"/>
+                <a:cs typeface="Calibri" panose="020F0502020204030204" pitchFamily="34" charset="0"/>
+              </a:rPr>
+              <a:t>Sender Control Code</a:t>
+            </a:r>
+          </a:p>
+          <a:p>
+            <a:endParaRPr lang="en-US" sz="1400" dirty="0">
+              <a:solidFill>
+                <a:schemeClr val="tx2"/>
+              </a:solidFill>
+              <a:latin typeface="Calibri" panose="020F0502020204030204" pitchFamily="34" charset="0"/>
+              <a:cs typeface="Calibri" panose="020F0502020204030204" pitchFamily="34" charset="0"/>
+            </a:endParaRPr>
+          </a:p>
+          <a:p>
+            <a:r>
+              <a:rPr lang="en-US" sz="1400" dirty="0">
+                <a:solidFill>
+                  <a:schemeClr val="tx2"/>
+                </a:solidFill>
+                <a:latin typeface="Calibri" panose="020F0502020204030204" pitchFamily="34" charset="0"/>
+                <a:cs typeface="Calibri" panose="020F0502020204030204" pitchFamily="34" charset="0"/>
+              </a:rPr>
+              <a:t>0x0: Out-of-band Response Requested.  </a:t>
+            </a:r>
+          </a:p>
+          <a:p>
+            <a:r>
+              <a:rPr lang="en-US" sz="1400" dirty="0">
+                <a:solidFill>
+                  <a:schemeClr val="tx2"/>
+                </a:solidFill>
+                <a:latin typeface="Calibri" panose="020F0502020204030204" pitchFamily="34" charset="0"/>
+                <a:cs typeface="Calibri" panose="020F0502020204030204" pitchFamily="34" charset="0"/>
+              </a:rPr>
+              <a:t>This is also the default behavior.</a:t>
+            </a:r>
+          </a:p>
+          <a:p>
+            <a:endParaRPr lang="en-US" sz="1400" dirty="0">
+              <a:solidFill>
+                <a:schemeClr val="tx2"/>
+              </a:solidFill>
+              <a:latin typeface="Calibri" panose="020F0502020204030204" pitchFamily="34" charset="0"/>
+              <a:cs typeface="Calibri" panose="020F0502020204030204" pitchFamily="34" charset="0"/>
+            </a:endParaRPr>
+          </a:p>
+          <a:p>
+            <a:r>
+              <a:rPr lang="en-US" sz="1400" dirty="0">
+                <a:solidFill>
+                  <a:schemeClr val="tx2"/>
+                </a:solidFill>
+                <a:latin typeface="Calibri" panose="020F0502020204030204" pitchFamily="34" charset="0"/>
+                <a:cs typeface="Calibri" panose="020F0502020204030204" pitchFamily="34" charset="0"/>
+              </a:rPr>
+              <a:t>0x1: In-band Response Requested.  </a:t>
+            </a:r>
+          </a:p>
+          <a:p>
+            <a:r>
+              <a:rPr lang="en-US" sz="1400" dirty="0">
+                <a:solidFill>
+                  <a:schemeClr val="tx2"/>
+                </a:solidFill>
+                <a:latin typeface="Calibri" panose="020F0502020204030204" pitchFamily="34" charset="0"/>
+                <a:cs typeface="Calibri" panose="020F0502020204030204" pitchFamily="34" charset="0"/>
+              </a:rPr>
+              <a:t>Indicates that this query has been sent over a bidirectional path and the probe response is required over the same path in reverse direction.</a:t>
+            </a:r>
+          </a:p>
+          <a:p>
+            <a:endParaRPr lang="en-US" sz="1400" dirty="0">
+              <a:solidFill>
+                <a:schemeClr val="tx2"/>
+              </a:solidFill>
+              <a:latin typeface="Calibri" panose="020F0502020204030204" pitchFamily="34" charset="0"/>
+              <a:cs typeface="Calibri" panose="020F0502020204030204" pitchFamily="34" charset="0"/>
+            </a:endParaRPr>
+          </a:p>
+          <a:p>
+            <a:r>
+              <a:rPr lang="en-US" sz="1400" dirty="0">
+                <a:solidFill>
+                  <a:schemeClr val="tx2"/>
+                </a:solidFill>
+                <a:latin typeface="Calibri" panose="020F0502020204030204" pitchFamily="34" charset="0"/>
+                <a:cs typeface="Calibri" panose="020F0502020204030204" pitchFamily="34" charset="0"/>
+              </a:rPr>
+              <a:t>0x2: No Response Requested.</a:t>
+            </a:r>
+          </a:p>
+          <a:p>
+            <a:endParaRPr lang="en-US" sz="1400" dirty="0">
+              <a:solidFill>
+                <a:schemeClr val="tx2"/>
+              </a:solidFill>
+              <a:latin typeface="Calibri" panose="020F0502020204030204" pitchFamily="34" charset="0"/>
+              <a:cs typeface="Calibri" panose="020F0502020204030204" pitchFamily="34" charset="0"/>
+            </a:endParaRPr>
+          </a:p>
+          <a:p>
+            <a:r>
+              <a:rPr lang="en-US" sz="1400" b="1" dirty="0">
+                <a:solidFill>
+                  <a:schemeClr val="tx2"/>
+                </a:solidFill>
+                <a:latin typeface="Calibri" panose="020F0502020204030204" pitchFamily="34" charset="0"/>
+                <a:cs typeface="Calibri" panose="020F0502020204030204" pitchFamily="34" charset="0"/>
+              </a:rPr>
+              <a:t>Also applicable to non-SR paths.</a:t>
+            </a:r>
+          </a:p>
+          <a:p>
+            <a:endParaRPr lang="en-US" sz="1400" dirty="0">
+              <a:solidFill>
+                <a:schemeClr val="tx2"/>
+              </a:solidFill>
+              <a:latin typeface="Calibri" panose="020F0502020204030204" pitchFamily="34" charset="0"/>
+              <a:cs typeface="Calibri" panose="020F0502020204030204" pitchFamily="34" charset="0"/>
+            </a:endParaRPr>
+          </a:p>
+        </p:txBody>
+      </p:sp>
+      <p:sp>
+        <p:nvSpPr>
+          <p:cNvPr id="10" name="Rectangle 3">
+            <a:extLst>
+              <a:ext uri="{FF2B5EF4-FFF2-40B4-BE49-F238E27FC236}">
+                <a16:creationId xmlns:a16="http://schemas.microsoft.com/office/drawing/2014/main" id="{842037ED-18C8-3A4C-9963-FA517B7E84E3}"/>
+              </a:ext>
+            </a:extLst>
+          </p:cNvPr>
+          <p:cNvSpPr>
+            <a:spLocks noChangeArrowheads="1"/>
+          </p:cNvSpPr>
+          <p:nvPr/>
+        </p:nvSpPr>
+        <p:spPr bwMode="auto">
+          <a:xfrm>
+            <a:off x="3734637" y="1123206"/>
+            <a:ext cx="5214523" cy="2662267"/>
           </a:xfrm>
           <a:prstGeom prst="rect">
             <a:avLst/>
@@ -14745,498 +14897,873 @@
               <a:lumOff val="80000"/>
             </a:schemeClr>
           </a:solidFill>
+          <a:ln>
+            <a:noFill/>
+          </a:ln>
+          <a:effectLst/>
         </p:spPr>
         <p:txBody>
-          <a:bodyPr wrap="square">
+          <a:bodyPr vert="horz" wrap="square" lIns="91440" tIns="45720" rIns="91440" bIns="0" numCol="1" anchor="ctr" anchorCtr="0" compatLnSpc="1">
+            <a:prstTxWarp prst="textNoShape">
+              <a:avLst/>
+            </a:prstTxWarp>
             <a:spAutoFit/>
           </a:bodyPr>
-          <a:lstStyle/>
-          <a:p>
-            <a:r>
-              <a:rPr lang="en-CA" sz="800" dirty="0">
-                <a:latin typeface="Courier" pitchFamily="2" charset="0"/>
-              </a:rPr>
-              <a:t>    .                                                               .</a:t>
-            </a:r>
-          </a:p>
-          <a:p>
-            <a:r>
-              <a:rPr lang="en-CA" sz="800" dirty="0">
-                <a:latin typeface="Courier" pitchFamily="2" charset="0"/>
-              </a:rPr>
-              <a:t>    .                                                               .</a:t>
-            </a:r>
-          </a:p>
-          <a:p>
-            <a:r>
-              <a:rPr lang="en-CA" sz="800" dirty="0">
-                <a:latin typeface="Courier" pitchFamily="2" charset="0"/>
-              </a:rPr>
-              <a:t>    +-+-+-+-+-+-+-+-+-+-+-+-+-+-+-+-+-+-+-+-+-+-+-+-+-+-+-+-+-+-+-+-+</a:t>
-            </a:r>
-          </a:p>
-          <a:p>
-            <a:r>
-              <a:rPr lang="en-CA" sz="800" dirty="0">
-                <a:latin typeface="Courier" pitchFamily="2" charset="0"/>
-              </a:rPr>
-              <a:t>    |                          Timestamp                            |</a:t>
-            </a:r>
-          </a:p>
-          <a:p>
-            <a:r>
-              <a:rPr lang="en-CA" sz="800" dirty="0">
-                <a:latin typeface="Courier" pitchFamily="2" charset="0"/>
-              </a:rPr>
-              <a:t>    |                                                               |</a:t>
-            </a:r>
-          </a:p>
-          <a:p>
-            <a:r>
-              <a:rPr lang="en-CA" sz="800" dirty="0">
-                <a:latin typeface="Courier" pitchFamily="2" charset="0"/>
-              </a:rPr>
-              <a:t>    +-+-+-+-+-+-+-+-+-+-+-+-+-+-+-+-+-+-+-+-+-+-+-+-+-+-+-+-+-+-+-+-+</a:t>
-            </a:r>
-          </a:p>
-          <a:p>
-            <a:r>
-              <a:rPr lang="en-CA" sz="800" dirty="0">
-                <a:latin typeface="Courier" pitchFamily="2" charset="0"/>
-              </a:rPr>
-              <a:t>    |         Error Estimate        |      SSID                     |</a:t>
-            </a:r>
-          </a:p>
-          <a:p>
-            <a:r>
-              <a:rPr lang="en-CA" sz="800" dirty="0">
-                <a:latin typeface="Courier" pitchFamily="2" charset="0"/>
-              </a:rPr>
-              <a:t>    +-+-+-+-+-+-+-+-+-+-+-+-+-+-+-+-+-+-+-+-+-+-+-+-+-+-+-+-+-+-+-+-+</a:t>
-            </a:r>
-          </a:p>
-          <a:p>
-            <a:r>
-              <a:rPr lang="en-CA" sz="800" dirty="0">
-                <a:latin typeface="Courier" pitchFamily="2" charset="0"/>
-              </a:rPr>
-              <a:t>    |         MBZ                                   |</a:t>
-            </a:r>
-            <a:r>
-              <a:rPr lang="en-CA" sz="800" dirty="0">
+          <a:lstStyle>
+            <a:lvl1pPr eaLnBrk="0" hangingPunct="0">
+              <a:tabLst>
+                <a:tab pos="581025" algn="l"/>
+                <a:tab pos="1163638" algn="l"/>
+                <a:tab pos="1744663" algn="l"/>
+                <a:tab pos="2327275" algn="l"/>
+                <a:tab pos="2908300" algn="l"/>
+                <a:tab pos="3489325" algn="l"/>
+                <a:tab pos="4071938" algn="l"/>
+                <a:tab pos="4652963" algn="l"/>
+                <a:tab pos="5235575" algn="l"/>
+                <a:tab pos="5816600" algn="l"/>
+                <a:tab pos="6397625" algn="l"/>
+                <a:tab pos="6980238" algn="l"/>
+                <a:tab pos="7561263" algn="l"/>
+                <a:tab pos="8143875" algn="l"/>
+                <a:tab pos="8724900" algn="l"/>
+                <a:tab pos="9305925" algn="l"/>
+              </a:tabLst>
+              <a:defRPr>
+                <a:solidFill>
+                  <a:schemeClr val="tx1"/>
+                </a:solidFill>
+                <a:latin typeface="Arial" panose="020B0604020202020204" pitchFamily="34" charset="0"/>
+              </a:defRPr>
+            </a:lvl1pPr>
+            <a:lvl2pPr eaLnBrk="0" hangingPunct="0">
+              <a:tabLst>
+                <a:tab pos="581025" algn="l"/>
+                <a:tab pos="1163638" algn="l"/>
+                <a:tab pos="1744663" algn="l"/>
+                <a:tab pos="2327275" algn="l"/>
+                <a:tab pos="2908300" algn="l"/>
+                <a:tab pos="3489325" algn="l"/>
+                <a:tab pos="4071938" algn="l"/>
+                <a:tab pos="4652963" algn="l"/>
+                <a:tab pos="5235575" algn="l"/>
+                <a:tab pos="5816600" algn="l"/>
+                <a:tab pos="6397625" algn="l"/>
+                <a:tab pos="6980238" algn="l"/>
+                <a:tab pos="7561263" algn="l"/>
+                <a:tab pos="8143875" algn="l"/>
+                <a:tab pos="8724900" algn="l"/>
+                <a:tab pos="9305925" algn="l"/>
+              </a:tabLst>
+              <a:defRPr>
+                <a:solidFill>
+                  <a:schemeClr val="tx1"/>
+                </a:solidFill>
+                <a:latin typeface="Arial" panose="020B0604020202020204" pitchFamily="34" charset="0"/>
+              </a:defRPr>
+            </a:lvl2pPr>
+            <a:lvl3pPr eaLnBrk="0" hangingPunct="0">
+              <a:tabLst>
+                <a:tab pos="581025" algn="l"/>
+                <a:tab pos="1163638" algn="l"/>
+                <a:tab pos="1744663" algn="l"/>
+                <a:tab pos="2327275" algn="l"/>
+                <a:tab pos="2908300" algn="l"/>
+                <a:tab pos="3489325" algn="l"/>
+                <a:tab pos="4071938" algn="l"/>
+                <a:tab pos="4652963" algn="l"/>
+                <a:tab pos="5235575" algn="l"/>
+                <a:tab pos="5816600" algn="l"/>
+                <a:tab pos="6397625" algn="l"/>
+                <a:tab pos="6980238" algn="l"/>
+                <a:tab pos="7561263" algn="l"/>
+                <a:tab pos="8143875" algn="l"/>
+                <a:tab pos="8724900" algn="l"/>
+                <a:tab pos="9305925" algn="l"/>
+              </a:tabLst>
+              <a:defRPr>
+                <a:solidFill>
+                  <a:schemeClr val="tx1"/>
+                </a:solidFill>
+                <a:latin typeface="Arial" panose="020B0604020202020204" pitchFamily="34" charset="0"/>
+              </a:defRPr>
+            </a:lvl3pPr>
+            <a:lvl4pPr eaLnBrk="0" hangingPunct="0">
+              <a:tabLst>
+                <a:tab pos="581025" algn="l"/>
+                <a:tab pos="1163638" algn="l"/>
+                <a:tab pos="1744663" algn="l"/>
+                <a:tab pos="2327275" algn="l"/>
+                <a:tab pos="2908300" algn="l"/>
+                <a:tab pos="3489325" algn="l"/>
+                <a:tab pos="4071938" algn="l"/>
+                <a:tab pos="4652963" algn="l"/>
+                <a:tab pos="5235575" algn="l"/>
+                <a:tab pos="5816600" algn="l"/>
+                <a:tab pos="6397625" algn="l"/>
+                <a:tab pos="6980238" algn="l"/>
+                <a:tab pos="7561263" algn="l"/>
+                <a:tab pos="8143875" algn="l"/>
+                <a:tab pos="8724900" algn="l"/>
+                <a:tab pos="9305925" algn="l"/>
+              </a:tabLst>
+              <a:defRPr>
+                <a:solidFill>
+                  <a:schemeClr val="tx1"/>
+                </a:solidFill>
+                <a:latin typeface="Arial" panose="020B0604020202020204" pitchFamily="34" charset="0"/>
+              </a:defRPr>
+            </a:lvl4pPr>
+            <a:lvl5pPr eaLnBrk="0" hangingPunct="0">
+              <a:tabLst>
+                <a:tab pos="581025" algn="l"/>
+                <a:tab pos="1163638" algn="l"/>
+                <a:tab pos="1744663" algn="l"/>
+                <a:tab pos="2327275" algn="l"/>
+                <a:tab pos="2908300" algn="l"/>
+                <a:tab pos="3489325" algn="l"/>
+                <a:tab pos="4071938" algn="l"/>
+                <a:tab pos="4652963" algn="l"/>
+                <a:tab pos="5235575" algn="l"/>
+                <a:tab pos="5816600" algn="l"/>
+                <a:tab pos="6397625" algn="l"/>
+                <a:tab pos="6980238" algn="l"/>
+                <a:tab pos="7561263" algn="l"/>
+                <a:tab pos="8143875" algn="l"/>
+                <a:tab pos="8724900" algn="l"/>
+                <a:tab pos="9305925" algn="l"/>
+              </a:tabLst>
+              <a:defRPr>
+                <a:solidFill>
+                  <a:schemeClr val="tx1"/>
+                </a:solidFill>
+                <a:latin typeface="Arial" panose="020B0604020202020204" pitchFamily="34" charset="0"/>
+              </a:defRPr>
+            </a:lvl5pPr>
+            <a:lvl6pPr eaLnBrk="0" fontAlgn="base" hangingPunct="0">
+              <a:spcBef>
+                <a:spcPct val="0"/>
+              </a:spcBef>
+              <a:spcAft>
+                <a:spcPct val="0"/>
+              </a:spcAft>
+              <a:tabLst>
+                <a:tab pos="581025" algn="l"/>
+                <a:tab pos="1163638" algn="l"/>
+                <a:tab pos="1744663" algn="l"/>
+                <a:tab pos="2327275" algn="l"/>
+                <a:tab pos="2908300" algn="l"/>
+                <a:tab pos="3489325" algn="l"/>
+                <a:tab pos="4071938" algn="l"/>
+                <a:tab pos="4652963" algn="l"/>
+                <a:tab pos="5235575" algn="l"/>
+                <a:tab pos="5816600" algn="l"/>
+                <a:tab pos="6397625" algn="l"/>
+                <a:tab pos="6980238" algn="l"/>
+                <a:tab pos="7561263" algn="l"/>
+                <a:tab pos="8143875" algn="l"/>
+                <a:tab pos="8724900" algn="l"/>
+                <a:tab pos="9305925" algn="l"/>
+              </a:tabLst>
+              <a:defRPr>
+                <a:solidFill>
+                  <a:schemeClr val="tx1"/>
+                </a:solidFill>
+                <a:latin typeface="Arial" panose="020B0604020202020204" pitchFamily="34" charset="0"/>
+              </a:defRPr>
+            </a:lvl6pPr>
+            <a:lvl7pPr eaLnBrk="0" fontAlgn="base" hangingPunct="0">
+              <a:spcBef>
+                <a:spcPct val="0"/>
+              </a:spcBef>
+              <a:spcAft>
+                <a:spcPct val="0"/>
+              </a:spcAft>
+              <a:tabLst>
+                <a:tab pos="581025" algn="l"/>
+                <a:tab pos="1163638" algn="l"/>
+                <a:tab pos="1744663" algn="l"/>
+                <a:tab pos="2327275" algn="l"/>
+                <a:tab pos="2908300" algn="l"/>
+                <a:tab pos="3489325" algn="l"/>
+                <a:tab pos="4071938" algn="l"/>
+                <a:tab pos="4652963" algn="l"/>
+                <a:tab pos="5235575" algn="l"/>
+                <a:tab pos="5816600" algn="l"/>
+                <a:tab pos="6397625" algn="l"/>
+                <a:tab pos="6980238" algn="l"/>
+                <a:tab pos="7561263" algn="l"/>
+                <a:tab pos="8143875" algn="l"/>
+                <a:tab pos="8724900" algn="l"/>
+                <a:tab pos="9305925" algn="l"/>
+              </a:tabLst>
+              <a:defRPr>
+                <a:solidFill>
+                  <a:schemeClr val="tx1"/>
+                </a:solidFill>
+                <a:latin typeface="Arial" panose="020B0604020202020204" pitchFamily="34" charset="0"/>
+              </a:defRPr>
+            </a:lvl7pPr>
+            <a:lvl8pPr eaLnBrk="0" fontAlgn="base" hangingPunct="0">
+              <a:spcBef>
+                <a:spcPct val="0"/>
+              </a:spcBef>
+              <a:spcAft>
+                <a:spcPct val="0"/>
+              </a:spcAft>
+              <a:tabLst>
+                <a:tab pos="581025" algn="l"/>
+                <a:tab pos="1163638" algn="l"/>
+                <a:tab pos="1744663" algn="l"/>
+                <a:tab pos="2327275" algn="l"/>
+                <a:tab pos="2908300" algn="l"/>
+                <a:tab pos="3489325" algn="l"/>
+                <a:tab pos="4071938" algn="l"/>
+                <a:tab pos="4652963" algn="l"/>
+                <a:tab pos="5235575" algn="l"/>
+                <a:tab pos="5816600" algn="l"/>
+                <a:tab pos="6397625" algn="l"/>
+                <a:tab pos="6980238" algn="l"/>
+                <a:tab pos="7561263" algn="l"/>
+                <a:tab pos="8143875" algn="l"/>
+                <a:tab pos="8724900" algn="l"/>
+                <a:tab pos="9305925" algn="l"/>
+              </a:tabLst>
+              <a:defRPr>
+                <a:solidFill>
+                  <a:schemeClr val="tx1"/>
+                </a:solidFill>
+                <a:latin typeface="Arial" panose="020B0604020202020204" pitchFamily="34" charset="0"/>
+              </a:defRPr>
+            </a:lvl8pPr>
+            <a:lvl9pPr eaLnBrk="0" fontAlgn="base" hangingPunct="0">
+              <a:spcBef>
+                <a:spcPct val="0"/>
+              </a:spcBef>
+              <a:spcAft>
+                <a:spcPct val="0"/>
+              </a:spcAft>
+              <a:tabLst>
+                <a:tab pos="581025" algn="l"/>
+                <a:tab pos="1163638" algn="l"/>
+                <a:tab pos="1744663" algn="l"/>
+                <a:tab pos="2327275" algn="l"/>
+                <a:tab pos="2908300" algn="l"/>
+                <a:tab pos="3489325" algn="l"/>
+                <a:tab pos="4071938" algn="l"/>
+                <a:tab pos="4652963" algn="l"/>
+                <a:tab pos="5235575" algn="l"/>
+                <a:tab pos="5816600" algn="l"/>
+                <a:tab pos="6397625" algn="l"/>
+                <a:tab pos="6980238" algn="l"/>
+                <a:tab pos="7561263" algn="l"/>
+                <a:tab pos="8143875" algn="l"/>
+                <a:tab pos="8724900" algn="l"/>
+                <a:tab pos="9305925" algn="l"/>
+              </a:tabLst>
+              <a:defRPr>
+                <a:solidFill>
+                  <a:schemeClr val="tx1"/>
+                </a:solidFill>
+                <a:latin typeface="Arial" panose="020B0604020202020204" pitchFamily="34" charset="0"/>
+              </a:defRPr>
+            </a:lvl9pPr>
+          </a:lstStyle>
+          <a:p>
+            <a:pPr marL="0" marR="0" lvl="0" indent="0" algn="l" defTabSz="914400" rtl="0" eaLnBrk="0" fontAlgn="base" latinLnBrk="0" hangingPunct="0">
+              <a:lnSpc>
+                <a:spcPct val="100000"/>
+              </a:lnSpc>
+              <a:spcBef>
+                <a:spcPct val="0"/>
+              </a:spcBef>
+              <a:spcAft>
+                <a:spcPct val="0"/>
+              </a:spcAft>
+              <a:buClrTx/>
+              <a:buSzTx/>
+              <a:buFontTx/>
+              <a:buNone/>
+              <a:tabLst>
+                <a:tab pos="581025" algn="l"/>
+                <a:tab pos="1163638" algn="l"/>
+                <a:tab pos="1744663" algn="l"/>
+                <a:tab pos="2327275" algn="l"/>
+                <a:tab pos="2908300" algn="l"/>
+                <a:tab pos="3489325" algn="l"/>
+                <a:tab pos="4071938" algn="l"/>
+                <a:tab pos="4652963" algn="l"/>
+                <a:tab pos="5235575" algn="l"/>
+                <a:tab pos="5816600" algn="l"/>
+                <a:tab pos="6397625" algn="l"/>
+                <a:tab pos="6980238" algn="l"/>
+                <a:tab pos="7561263" algn="l"/>
+                <a:tab pos="8143875" algn="l"/>
+                <a:tab pos="8724900" algn="l"/>
+                <a:tab pos="9305925" algn="l"/>
+              </a:tabLst>
+            </a:pPr>
+            <a:r>
+              <a:rPr lang="en-US" altLang="en-US" sz="1000" dirty="0">
+                <a:latin typeface="Courier" pitchFamily="2" charset="0"/>
+                <a:ea typeface="Times New Roman" panose="02020603050405020304" pitchFamily="18" charset="0"/>
+              </a:rPr>
+              <a:t>0 </a:t>
+            </a:r>
+            <a:r>
+              <a:rPr kumimoji="0" lang="en-US" altLang="en-US" sz="1000" u="none" strike="noStrike" cap="none" normalizeH="0" baseline="0" dirty="0">
+                <a:ln>
+                  <a:noFill/>
+                </a:ln>
+                <a:solidFill>
+                  <a:schemeClr val="tx1"/>
+                </a:solidFill>
+                <a:effectLst/>
+                <a:latin typeface="Courier" pitchFamily="2" charset="0"/>
+                <a:ea typeface="Times New Roman" panose="02020603050405020304" pitchFamily="18" charset="0"/>
+              </a:rPr>
+              <a:t>1 2 3 4 5 6 7 8 9 0 1 2 3 4 5 6 7 8 9 0 1 2 3 4 5 6 7 8 9 0 1  </a:t>
+            </a:r>
+          </a:p>
+          <a:p>
+            <a:pPr marL="0" marR="0" lvl="0" indent="0" algn="l" defTabSz="914400" rtl="0" eaLnBrk="0" fontAlgn="base" latinLnBrk="0" hangingPunct="0">
+              <a:lnSpc>
+                <a:spcPct val="100000"/>
+              </a:lnSpc>
+              <a:spcBef>
+                <a:spcPct val="0"/>
+              </a:spcBef>
+              <a:spcAft>
+                <a:spcPct val="0"/>
+              </a:spcAft>
+              <a:buClrTx/>
+              <a:buSzTx/>
+              <a:buFontTx/>
+              <a:buNone/>
+              <a:tabLst>
+                <a:tab pos="581025" algn="l"/>
+                <a:tab pos="1163638" algn="l"/>
+                <a:tab pos="1744663" algn="l"/>
+                <a:tab pos="2327275" algn="l"/>
+                <a:tab pos="2908300" algn="l"/>
+                <a:tab pos="3489325" algn="l"/>
+                <a:tab pos="4071938" algn="l"/>
+                <a:tab pos="4652963" algn="l"/>
+                <a:tab pos="5235575" algn="l"/>
+                <a:tab pos="5816600" algn="l"/>
+                <a:tab pos="6397625" algn="l"/>
+                <a:tab pos="6980238" algn="l"/>
+                <a:tab pos="7561263" algn="l"/>
+                <a:tab pos="8143875" algn="l"/>
+                <a:tab pos="8724900" algn="l"/>
+                <a:tab pos="9305925" algn="l"/>
+              </a:tabLst>
+            </a:pPr>
+            <a:r>
+              <a:rPr kumimoji="0" lang="en-US" altLang="en-US" sz="1000" u="none" strike="noStrike" cap="none" normalizeH="0" baseline="0" dirty="0">
+                <a:ln>
+                  <a:noFill/>
+                </a:ln>
+                <a:solidFill>
+                  <a:schemeClr val="tx1"/>
+                </a:solidFill>
+                <a:effectLst/>
+                <a:latin typeface="Courier" pitchFamily="2" charset="0"/>
+                <a:ea typeface="Times New Roman" panose="02020603050405020304" pitchFamily="18" charset="0"/>
+              </a:rPr>
+              <a:t>+-+-+-+-+-+-+-+-+-+-+-+-+-+-+-+-+-+-+-+-+-+-+-+-+-+-+-+-+-+-+-+-+ |                        Sequence Number                        | +-+-+-+-+-+-+-+-+-+-+-+-+-+-+-+-+-+-+-+-+-+-+-+-+-+-+-+-+-+-+-+-+ |                          Timestamp                            | |                                                               | +-+-+-+-+-+-+-+-+-+-+-+-+-+-+-+-+-+-+-+-+-+-+-+-+-+-+-+-+-+-+-+-+</a:t>
+            </a:r>
+            <a:endParaRPr kumimoji="0" lang="en-US" altLang="en-US" sz="1000" u="none" strike="noStrike" cap="none" normalizeH="0" baseline="0" dirty="0">
+              <a:ln>
+                <a:noFill/>
+              </a:ln>
+              <a:solidFill>
+                <a:schemeClr val="tx1"/>
+              </a:solidFill>
+              <a:effectLst/>
+              <a:latin typeface="Courier" pitchFamily="2" charset="0"/>
+            </a:endParaRPr>
+          </a:p>
+          <a:p>
+            <a:pPr marL="0" marR="0" lvl="0" indent="0" algn="l" defTabSz="914400" rtl="0" eaLnBrk="0" fontAlgn="base" latinLnBrk="0" hangingPunct="0">
+              <a:lnSpc>
+                <a:spcPct val="100000"/>
+              </a:lnSpc>
+              <a:spcBef>
+                <a:spcPct val="0"/>
+              </a:spcBef>
+              <a:spcAft>
+                <a:spcPct val="0"/>
+              </a:spcAft>
+              <a:buClrTx/>
+              <a:buSzTx/>
+              <a:buFontTx/>
+              <a:buNone/>
+              <a:tabLst>
+                <a:tab pos="581025" algn="l"/>
+                <a:tab pos="1163638" algn="l"/>
+                <a:tab pos="1744663" algn="l"/>
+                <a:tab pos="2327275" algn="l"/>
+                <a:tab pos="2908300" algn="l"/>
+                <a:tab pos="3489325" algn="l"/>
+                <a:tab pos="4071938" algn="l"/>
+                <a:tab pos="4652963" algn="l"/>
+                <a:tab pos="5235575" algn="l"/>
+                <a:tab pos="5816600" algn="l"/>
+                <a:tab pos="6397625" algn="l"/>
+                <a:tab pos="6980238" algn="l"/>
+                <a:tab pos="7561263" algn="l"/>
+                <a:tab pos="8143875" algn="l"/>
+                <a:tab pos="8724900" algn="l"/>
+                <a:tab pos="9305925" algn="l"/>
+              </a:tabLst>
+            </a:pPr>
+            <a:r>
+              <a:rPr kumimoji="0" lang="en-US" altLang="en-US" sz="1000" u="none" strike="noStrike" cap="none" normalizeH="0" baseline="0" dirty="0">
+                <a:ln>
+                  <a:noFill/>
+                </a:ln>
+                <a:solidFill>
+                  <a:schemeClr val="tx1"/>
+                </a:solidFill>
+                <a:effectLst/>
+                <a:latin typeface="Courier" pitchFamily="2" charset="0"/>
+                <a:ea typeface="Times New Roman" panose="02020603050405020304" pitchFamily="18" charset="0"/>
+                <a:cs typeface="Times New Roman" panose="02020603050405020304" pitchFamily="18" charset="0"/>
+              </a:rPr>
+              <a:t>|         Error Estimate        |            SSID               |</a:t>
+            </a:r>
+            <a:endParaRPr kumimoji="0" lang="en-US" altLang="en-US" sz="1000" u="none" strike="noStrike" cap="none" normalizeH="0" baseline="0" dirty="0">
+              <a:ln>
+                <a:noFill/>
+              </a:ln>
+              <a:solidFill>
+                <a:schemeClr val="tx1"/>
+              </a:solidFill>
+              <a:effectLst/>
+              <a:latin typeface="Courier" pitchFamily="2" charset="0"/>
+            </a:endParaRPr>
+          </a:p>
+          <a:p>
+            <a:pPr marL="0" marR="0" lvl="0" indent="0" algn="l" defTabSz="914400" rtl="0" eaLnBrk="0" fontAlgn="base" latinLnBrk="0" hangingPunct="0">
+              <a:lnSpc>
+                <a:spcPct val="100000"/>
+              </a:lnSpc>
+              <a:spcBef>
+                <a:spcPct val="0"/>
+              </a:spcBef>
+              <a:spcAft>
+                <a:spcPct val="0"/>
+              </a:spcAft>
+              <a:buClrTx/>
+              <a:buSzTx/>
+              <a:buFontTx/>
+              <a:buNone/>
+              <a:tabLst>
+                <a:tab pos="581025" algn="l"/>
+                <a:tab pos="1163638" algn="l"/>
+                <a:tab pos="1744663" algn="l"/>
+                <a:tab pos="2327275" algn="l"/>
+                <a:tab pos="2908300" algn="l"/>
+                <a:tab pos="3489325" algn="l"/>
+                <a:tab pos="4071938" algn="l"/>
+                <a:tab pos="4652963" algn="l"/>
+                <a:tab pos="5235575" algn="l"/>
+                <a:tab pos="5816600" algn="l"/>
+                <a:tab pos="6397625" algn="l"/>
+                <a:tab pos="6980238" algn="l"/>
+                <a:tab pos="7561263" algn="l"/>
+                <a:tab pos="8143875" algn="l"/>
+                <a:tab pos="8724900" algn="l"/>
+                <a:tab pos="9305925" algn="l"/>
+              </a:tabLst>
+            </a:pPr>
+            <a:r>
+              <a:rPr kumimoji="0" lang="en-US" altLang="en-US" sz="1000" u="none" strike="noStrike" cap="none" normalizeH="0" baseline="0" dirty="0">
+                <a:ln>
+                  <a:noFill/>
+                </a:ln>
+                <a:solidFill>
+                  <a:schemeClr val="tx1"/>
+                </a:solidFill>
+                <a:effectLst/>
+                <a:latin typeface="Courier" pitchFamily="2" charset="0"/>
+                <a:ea typeface="Times New Roman" panose="02020603050405020304" pitchFamily="18" charset="0"/>
+                <a:cs typeface="Times New Roman" panose="02020603050405020304" pitchFamily="18" charset="0"/>
+              </a:rPr>
+              <a:t>+-+-+-+-+-+-+-+-+-+-+-+-+-+-+-+-+-+-+-+-+-+-+-+-+-+-+-+-+-+-+-+-+</a:t>
+            </a:r>
+            <a:endParaRPr kumimoji="0" lang="en-US" altLang="en-US" sz="1000" u="none" strike="noStrike" cap="none" normalizeH="0" baseline="0" dirty="0">
+              <a:ln>
+                <a:noFill/>
+              </a:ln>
+              <a:solidFill>
+                <a:schemeClr val="tx1"/>
+              </a:solidFill>
+              <a:effectLst/>
+              <a:latin typeface="Courier" pitchFamily="2" charset="0"/>
+            </a:endParaRPr>
+          </a:p>
+          <a:p>
+            <a:pPr marL="0" marR="0" lvl="0" indent="0" algn="l" defTabSz="914400" rtl="0" eaLnBrk="0" fontAlgn="base" latinLnBrk="0" hangingPunct="0">
+              <a:lnSpc>
+                <a:spcPct val="100000"/>
+              </a:lnSpc>
+              <a:spcBef>
+                <a:spcPct val="0"/>
+              </a:spcBef>
+              <a:spcAft>
+                <a:spcPct val="0"/>
+              </a:spcAft>
+              <a:buClrTx/>
+              <a:buSzTx/>
+              <a:buFontTx/>
+              <a:buNone/>
+              <a:tabLst>
+                <a:tab pos="581025" algn="l"/>
+                <a:tab pos="1163638" algn="l"/>
+                <a:tab pos="1744663" algn="l"/>
+                <a:tab pos="2327275" algn="l"/>
+                <a:tab pos="2908300" algn="l"/>
+                <a:tab pos="3489325" algn="l"/>
+                <a:tab pos="4071938" algn="l"/>
+                <a:tab pos="4652963" algn="l"/>
+                <a:tab pos="5235575" algn="l"/>
+                <a:tab pos="5816600" algn="l"/>
+                <a:tab pos="6397625" algn="l"/>
+                <a:tab pos="6980238" algn="l"/>
+                <a:tab pos="7561263" algn="l"/>
+                <a:tab pos="8143875" algn="l"/>
+                <a:tab pos="8724900" algn="l"/>
+                <a:tab pos="9305925" algn="l"/>
+              </a:tabLst>
+            </a:pPr>
+            <a:r>
+              <a:rPr kumimoji="0" lang="en-US" altLang="en-US" sz="1000" u="none" strike="noStrike" cap="none" normalizeH="0" baseline="0" dirty="0">
+                <a:ln>
+                  <a:noFill/>
+                </a:ln>
+                <a:solidFill>
+                  <a:schemeClr val="tx1"/>
+                </a:solidFill>
+                <a:effectLst/>
+                <a:latin typeface="Courier" pitchFamily="2" charset="0"/>
+                <a:ea typeface="Times New Roman" panose="02020603050405020304" pitchFamily="18" charset="0"/>
+                <a:cs typeface="Times New Roman" panose="02020603050405020304" pitchFamily="18" charset="0"/>
+              </a:rPr>
+              <a:t>|         MBZ                                   |</a:t>
+            </a:r>
+            <a:r>
+              <a:rPr kumimoji="0" lang="en-US" altLang="en-US" sz="1000" b="1" u="none" strike="noStrike" cap="none" normalizeH="0" baseline="0" dirty="0">
+                <a:ln>
+                  <a:noFill/>
+                </a:ln>
                 <a:solidFill>
                   <a:srgbClr val="0070C0"/>
                 </a:solidFill>
-                <a:latin typeface="Courier" pitchFamily="2" charset="0"/>
+                <a:effectLst/>
+                <a:latin typeface="Courier" pitchFamily="2" charset="0"/>
+                <a:ea typeface="Times New Roman" panose="02020603050405020304" pitchFamily="18" charset="0"/>
+                <a:cs typeface="Times New Roman" panose="02020603050405020304" pitchFamily="18" charset="0"/>
               </a:rPr>
               <a:t>Se Control Code</a:t>
             </a:r>
             <a:r>
-              <a:rPr lang="en-CA" sz="800" dirty="0">
-                <a:latin typeface="Courier" pitchFamily="2" charset="0"/>
+              <a:rPr kumimoji="0" lang="en-US" altLang="en-US" sz="1000" u="none" strike="noStrike" cap="none" normalizeH="0" baseline="0" dirty="0">
+                <a:ln>
+                  <a:noFill/>
+                </a:ln>
+                <a:solidFill>
+                  <a:schemeClr val="tx1"/>
+                </a:solidFill>
+                <a:effectLst/>
+                <a:latin typeface="Courier" pitchFamily="2" charset="0"/>
+                <a:ea typeface="Times New Roman" panose="02020603050405020304" pitchFamily="18" charset="0"/>
+                <a:cs typeface="Times New Roman" panose="02020603050405020304" pitchFamily="18" charset="0"/>
               </a:rPr>
               <a:t>|</a:t>
             </a:r>
-          </a:p>
-          <a:p>
-            <a:r>
-              <a:rPr lang="en-CA" sz="800" dirty="0">
-                <a:latin typeface="Courier" pitchFamily="2" charset="0"/>
-              </a:rPr>
-              <a:t>    +-+-+-+-+-+-+-+-+-+-+-+-+-+-+-+-+-+-+-+-+-+-+-+-+-+-+-+-+-+-+-+-+</a:t>
-            </a:r>
-          </a:p>
-          <a:p>
-            <a:r>
-              <a:rPr lang="en-CA" sz="800" dirty="0">
-                <a:latin typeface="Courier" pitchFamily="2" charset="0"/>
-              </a:rPr>
-              <a:t>    .                                                               .</a:t>
-            </a:r>
-          </a:p>
-          <a:p>
-            <a:r>
-              <a:rPr lang="en-CA" sz="800" dirty="0">
-                <a:latin typeface="Courier" pitchFamily="2" charset="0"/>
-              </a:rPr>
-              <a:t>    .                                                               .</a:t>
-            </a:r>
-          </a:p>
-          <a:p>
-            <a:r>
-              <a:rPr lang="en-CA" sz="800" dirty="0">
-                <a:latin typeface="Courier" pitchFamily="2" charset="0"/>
-              </a:rPr>
-              <a:t> </a:t>
-            </a:r>
-          </a:p>
-          <a:p>
-            <a:r>
-              <a:rPr lang="en-CA" sz="800" dirty="0">
-                <a:latin typeface="Courier" pitchFamily="2" charset="0"/>
-              </a:rPr>
-              <a:t>            Figure: Sender Control Code in STAMP DM Message</a:t>
-            </a:r>
-          </a:p>
-        </p:txBody>
-      </p:sp>
-      <p:sp>
-        <p:nvSpPr>
-          <p:cNvPr id="3" name="Rectangle 2">
-            <a:extLst>
-              <a:ext uri="{FF2B5EF4-FFF2-40B4-BE49-F238E27FC236}">
-                <a16:creationId xmlns:a16="http://schemas.microsoft.com/office/drawing/2014/main" id="{6F8B51A9-F47A-FA46-BE0D-7921BDF2E8D6}"/>
-              </a:ext>
-            </a:extLst>
-          </p:cNvPr>
-          <p:cNvSpPr/>
-          <p:nvPr/>
-        </p:nvSpPr>
-        <p:spPr>
-          <a:xfrm>
-            <a:off x="195677" y="676752"/>
-            <a:ext cx="3945317" cy="3754874"/>
-          </a:xfrm>
-          <a:prstGeom prst="rect">
-            <a:avLst/>
-          </a:prstGeom>
-        </p:spPr>
-        <p:txBody>
-          <a:bodyPr wrap="square">
-            <a:spAutoFit/>
-          </a:bodyPr>
-          <a:lstStyle/>
-          <a:p>
-            <a:r>
-              <a:rPr lang="en-US" sz="1400" b="1" dirty="0">
-                <a:solidFill>
-                  <a:schemeClr val="tx2"/>
-                </a:solidFill>
-                <a:latin typeface="Calibri" panose="020F0502020204030204" pitchFamily="34" charset="0"/>
-                <a:cs typeface="Calibri" panose="020F0502020204030204" pitchFamily="34" charset="0"/>
-              </a:rPr>
-              <a:t>For a Query: </a:t>
-            </a:r>
-            <a:r>
-              <a:rPr lang="en-US" sz="1400" b="1" dirty="0">
-                <a:solidFill>
-                  <a:srgbClr val="0070C0"/>
-                </a:solidFill>
-                <a:latin typeface="Calibri" panose="020F0502020204030204" pitchFamily="34" charset="0"/>
-                <a:cs typeface="Calibri" panose="020F0502020204030204" pitchFamily="34" charset="0"/>
-              </a:rPr>
-              <a:t>Sender Control Code</a:t>
-            </a:r>
-          </a:p>
-          <a:p>
-            <a:endParaRPr lang="en-US" sz="1400" dirty="0">
+            <a:endParaRPr kumimoji="0" lang="en-US" altLang="en-US" sz="1000" u="none" strike="noStrike" cap="none" normalizeH="0" baseline="0" dirty="0">
+              <a:ln>
+                <a:noFill/>
+              </a:ln>
               <a:solidFill>
-                <a:schemeClr val="tx2"/>
+                <a:schemeClr val="tx1"/>
               </a:solidFill>
-              <a:latin typeface="Calibri" panose="020F0502020204030204" pitchFamily="34" charset="0"/>
-              <a:cs typeface="Calibri" panose="020F0502020204030204" pitchFamily="34" charset="0"/>
+              <a:effectLst/>
+              <a:latin typeface="Courier" pitchFamily="2" charset="0"/>
             </a:endParaRPr>
           </a:p>
           <a:p>
-            <a:r>
-              <a:rPr lang="en-US" sz="1400" dirty="0">
-                <a:solidFill>
-                  <a:schemeClr val="tx2"/>
-                </a:solidFill>
-                <a:latin typeface="Calibri" panose="020F0502020204030204" pitchFamily="34" charset="0"/>
-                <a:cs typeface="Calibri" panose="020F0502020204030204" pitchFamily="34" charset="0"/>
-              </a:rPr>
-              <a:t>0x0: Out-of-band Response Requested.  </a:t>
-            </a:r>
-          </a:p>
-          <a:p>
-            <a:r>
-              <a:rPr lang="en-US" sz="1400" dirty="0">
-                <a:solidFill>
-                  <a:schemeClr val="tx2"/>
-                </a:solidFill>
-                <a:latin typeface="Calibri" panose="020F0502020204030204" pitchFamily="34" charset="0"/>
-                <a:cs typeface="Calibri" panose="020F0502020204030204" pitchFamily="34" charset="0"/>
-              </a:rPr>
-              <a:t>This is also the default behavior.</a:t>
-            </a:r>
-          </a:p>
-          <a:p>
-            <a:endParaRPr lang="en-US" sz="1400" dirty="0">
+            <a:pPr marL="0" marR="0" lvl="0" indent="0" algn="l" defTabSz="914400" rtl="0" eaLnBrk="0" fontAlgn="base" latinLnBrk="0" hangingPunct="0">
+              <a:lnSpc>
+                <a:spcPct val="100000"/>
+              </a:lnSpc>
+              <a:spcBef>
+                <a:spcPct val="0"/>
+              </a:spcBef>
+              <a:spcAft>
+                <a:spcPct val="0"/>
+              </a:spcAft>
+              <a:buClrTx/>
+              <a:buSzTx/>
+              <a:buFontTx/>
+              <a:buNone/>
+              <a:tabLst>
+                <a:tab pos="581025" algn="l"/>
+                <a:tab pos="1163638" algn="l"/>
+                <a:tab pos="1744663" algn="l"/>
+                <a:tab pos="2327275" algn="l"/>
+                <a:tab pos="2908300" algn="l"/>
+                <a:tab pos="3489325" algn="l"/>
+                <a:tab pos="4071938" algn="l"/>
+                <a:tab pos="4652963" algn="l"/>
+                <a:tab pos="5235575" algn="l"/>
+                <a:tab pos="5816600" algn="l"/>
+                <a:tab pos="6397625" algn="l"/>
+                <a:tab pos="6980238" algn="l"/>
+                <a:tab pos="7561263" algn="l"/>
+                <a:tab pos="8143875" algn="l"/>
+                <a:tab pos="8724900" algn="l"/>
+                <a:tab pos="9305925" algn="l"/>
+              </a:tabLst>
+            </a:pPr>
+            <a:r>
+              <a:rPr kumimoji="0" lang="en-US" altLang="en-US" sz="1000" u="none" strike="noStrike" cap="none" normalizeH="0" baseline="0" dirty="0">
+                <a:ln>
+                  <a:noFill/>
+                </a:ln>
+                <a:solidFill>
+                  <a:schemeClr val="tx1"/>
+                </a:solidFill>
+                <a:effectLst/>
+                <a:latin typeface="Courier" pitchFamily="2" charset="0"/>
+                <a:ea typeface="Times New Roman" panose="02020603050405020304" pitchFamily="18" charset="0"/>
+                <a:cs typeface="Times New Roman" panose="02020603050405020304" pitchFamily="18" charset="0"/>
+              </a:rPr>
+              <a:t>+-+-+-+-+-+-+-+-+-+-+-+-+-+-+-+-+-+-+-+-+-+-+-+-+-+-+-+-+-+-+-+-+</a:t>
+            </a:r>
+            <a:endParaRPr kumimoji="0" lang="en-US" altLang="en-US" sz="1000" u="none" strike="noStrike" cap="none" normalizeH="0" baseline="0" dirty="0">
+              <a:ln>
+                <a:noFill/>
+              </a:ln>
               <a:solidFill>
-                <a:schemeClr val="tx2"/>
+                <a:schemeClr val="tx1"/>
               </a:solidFill>
-              <a:latin typeface="Calibri" panose="020F0502020204030204" pitchFamily="34" charset="0"/>
-              <a:cs typeface="Calibri" panose="020F0502020204030204" pitchFamily="34" charset="0"/>
+              <a:effectLst/>
+              <a:latin typeface="Courier" pitchFamily="2" charset="0"/>
+              <a:ea typeface="Times New Roman" panose="02020603050405020304" pitchFamily="18" charset="0"/>
             </a:endParaRPr>
           </a:p>
           <a:p>
-            <a:r>
-              <a:rPr lang="en-US" sz="1400" dirty="0">
-                <a:solidFill>
-                  <a:schemeClr val="tx2"/>
-                </a:solidFill>
-                <a:latin typeface="Calibri" panose="020F0502020204030204" pitchFamily="34" charset="0"/>
-                <a:cs typeface="Calibri" panose="020F0502020204030204" pitchFamily="34" charset="0"/>
-              </a:rPr>
-              <a:t>0x1: In-band Response Requested.  </a:t>
-            </a:r>
-          </a:p>
-          <a:p>
-            <a:r>
-              <a:rPr lang="en-US" sz="1400" dirty="0">
-                <a:solidFill>
-                  <a:schemeClr val="tx2"/>
-                </a:solidFill>
-                <a:latin typeface="Calibri" panose="020F0502020204030204" pitchFamily="34" charset="0"/>
-                <a:cs typeface="Calibri" panose="020F0502020204030204" pitchFamily="34" charset="0"/>
-              </a:rPr>
-              <a:t>Indicates that this query has been sent over a bidirectional path and the probe response is required over the same path in reverse direction. </a:t>
-            </a:r>
-          </a:p>
-          <a:p>
-            <a:r>
-              <a:rPr lang="en-US" sz="1400" b="1" dirty="0">
-                <a:solidFill>
-                  <a:schemeClr val="tx2"/>
-                </a:solidFill>
-                <a:latin typeface="Calibri" panose="020F0502020204030204" pitchFamily="34" charset="0"/>
-                <a:cs typeface="Calibri" panose="020F0502020204030204" pitchFamily="34" charset="0"/>
-              </a:rPr>
-              <a:t>Also applicable to non-SR paths.</a:t>
-            </a:r>
-          </a:p>
-          <a:p>
-            <a:endParaRPr lang="en-US" sz="1400" dirty="0">
+            <a:pPr marL="0" marR="0" lvl="0" indent="0" algn="l" defTabSz="914400" rtl="0" eaLnBrk="0" fontAlgn="base" latinLnBrk="0" hangingPunct="0">
+              <a:lnSpc>
+                <a:spcPct val="100000"/>
+              </a:lnSpc>
+              <a:spcBef>
+                <a:spcPct val="0"/>
+              </a:spcBef>
+              <a:spcAft>
+                <a:spcPct val="0"/>
+              </a:spcAft>
+              <a:buClrTx/>
+              <a:buSzTx/>
+              <a:buFontTx/>
+              <a:buNone/>
+              <a:tabLst>
+                <a:tab pos="581025" algn="l"/>
+                <a:tab pos="1163638" algn="l"/>
+                <a:tab pos="1744663" algn="l"/>
+                <a:tab pos="2327275" algn="l"/>
+                <a:tab pos="2908300" algn="l"/>
+                <a:tab pos="3489325" algn="l"/>
+                <a:tab pos="4071938" algn="l"/>
+                <a:tab pos="4652963" algn="l"/>
+                <a:tab pos="5235575" algn="l"/>
+                <a:tab pos="5816600" algn="l"/>
+                <a:tab pos="6397625" algn="l"/>
+                <a:tab pos="6980238" algn="l"/>
+                <a:tab pos="7561263" algn="l"/>
+                <a:tab pos="8143875" algn="l"/>
+                <a:tab pos="8724900" algn="l"/>
+                <a:tab pos="9305925" algn="l"/>
+              </a:tabLst>
+            </a:pPr>
+            <a:r>
+              <a:rPr kumimoji="0" lang="en-US" altLang="en-US" sz="1000" u="none" strike="noStrike" cap="none" normalizeH="0" baseline="0" dirty="0">
+                <a:ln>
+                  <a:noFill/>
+                </a:ln>
+                <a:solidFill>
+                  <a:schemeClr val="tx1"/>
+                </a:solidFill>
+                <a:effectLst/>
+                <a:latin typeface="Courier" pitchFamily="2" charset="0"/>
+                <a:ea typeface="Times New Roman" panose="02020603050405020304" pitchFamily="18" charset="0"/>
+              </a:rPr>
+              <a:t>|                        MBZ  (24 octets)                       |</a:t>
+            </a:r>
+          </a:p>
+          <a:p>
+            <a:pPr marL="0" marR="0" lvl="0" indent="0" algn="l" defTabSz="914400" rtl="0" eaLnBrk="0" fontAlgn="base" latinLnBrk="0" hangingPunct="0">
+              <a:lnSpc>
+                <a:spcPct val="100000"/>
+              </a:lnSpc>
+              <a:spcBef>
+                <a:spcPct val="0"/>
+              </a:spcBef>
+              <a:spcAft>
+                <a:spcPct val="0"/>
+              </a:spcAft>
+              <a:buClrTx/>
+              <a:buSzTx/>
+              <a:buFontTx/>
+              <a:buNone/>
+              <a:tabLst>
+                <a:tab pos="581025" algn="l"/>
+                <a:tab pos="1163638" algn="l"/>
+                <a:tab pos="1744663" algn="l"/>
+                <a:tab pos="2327275" algn="l"/>
+                <a:tab pos="2908300" algn="l"/>
+                <a:tab pos="3489325" algn="l"/>
+                <a:tab pos="4071938" algn="l"/>
+                <a:tab pos="4652963" algn="l"/>
+                <a:tab pos="5235575" algn="l"/>
+                <a:tab pos="5816600" algn="l"/>
+                <a:tab pos="6397625" algn="l"/>
+                <a:tab pos="6980238" algn="l"/>
+                <a:tab pos="7561263" algn="l"/>
+                <a:tab pos="8143875" algn="l"/>
+                <a:tab pos="8724900" algn="l"/>
+                <a:tab pos="9305925" algn="l"/>
+              </a:tabLst>
+            </a:pPr>
+            <a:r>
+              <a:rPr lang="en-US" altLang="en-US" sz="1000" dirty="0">
+                <a:latin typeface="Courier" pitchFamily="2" charset="0"/>
+                <a:ea typeface="Times New Roman" panose="02020603050405020304" pitchFamily="18" charset="0"/>
+              </a:rPr>
+              <a:t>|                                                               |</a:t>
+            </a:r>
+            <a:endParaRPr kumimoji="0" lang="en-US" altLang="en-US" sz="1000" u="none" strike="noStrike" cap="none" normalizeH="0" baseline="0" dirty="0">
+              <a:ln>
+                <a:noFill/>
+              </a:ln>
               <a:solidFill>
-                <a:schemeClr val="tx2"/>
+                <a:schemeClr val="tx1"/>
               </a:solidFill>
-              <a:latin typeface="Calibri" panose="020F0502020204030204" pitchFamily="34" charset="0"/>
-              <a:cs typeface="Calibri" panose="020F0502020204030204" pitchFamily="34" charset="0"/>
+              <a:effectLst/>
+              <a:latin typeface="Courier" pitchFamily="2" charset="0"/>
+              <a:ea typeface="Times New Roman" panose="02020603050405020304" pitchFamily="18" charset="0"/>
             </a:endParaRPr>
           </a:p>
           <a:p>
-            <a:r>
-              <a:rPr lang="en-US" sz="1400" b="1" dirty="0">
-                <a:solidFill>
-                  <a:schemeClr val="tx2"/>
-                </a:solidFill>
-                <a:latin typeface="Calibri" panose="020F0502020204030204" pitchFamily="34" charset="0"/>
-                <a:cs typeface="Calibri" panose="020F0502020204030204" pitchFamily="34" charset="0"/>
-              </a:rPr>
-              <a:t>For a Response: </a:t>
-            </a:r>
-            <a:r>
-              <a:rPr lang="en-US" sz="1400" b="1" dirty="0">
-                <a:solidFill>
-                  <a:srgbClr val="0070C0"/>
-                </a:solidFill>
-                <a:latin typeface="Calibri" panose="020F0502020204030204" pitchFamily="34" charset="0"/>
-                <a:cs typeface="Calibri" panose="020F0502020204030204" pitchFamily="34" charset="0"/>
-              </a:rPr>
-              <a:t>Reflector Control Code</a:t>
-            </a:r>
-          </a:p>
-          <a:p>
-            <a:endParaRPr lang="en-US" sz="1400" dirty="0">
-              <a:solidFill>
-                <a:schemeClr val="tx2"/>
-              </a:solidFill>
-              <a:latin typeface="Calibri" panose="020F0502020204030204" pitchFamily="34" charset="0"/>
-              <a:cs typeface="Calibri" panose="020F0502020204030204" pitchFamily="34" charset="0"/>
+            <a:pPr marL="0" marR="0" lvl="0" indent="0" algn="l" defTabSz="914400" rtl="0" eaLnBrk="0" fontAlgn="base" latinLnBrk="0" hangingPunct="0">
+              <a:lnSpc>
+                <a:spcPct val="100000"/>
+              </a:lnSpc>
+              <a:spcBef>
+                <a:spcPct val="0"/>
+              </a:spcBef>
+              <a:spcAft>
+                <a:spcPct val="0"/>
+              </a:spcAft>
+              <a:buClrTx/>
+              <a:buSzTx/>
+              <a:buFontTx/>
+              <a:buNone/>
+              <a:tabLst>
+                <a:tab pos="581025" algn="l"/>
+                <a:tab pos="1163638" algn="l"/>
+                <a:tab pos="1744663" algn="l"/>
+                <a:tab pos="2327275" algn="l"/>
+                <a:tab pos="2908300" algn="l"/>
+                <a:tab pos="3489325" algn="l"/>
+                <a:tab pos="4071938" algn="l"/>
+                <a:tab pos="4652963" algn="l"/>
+                <a:tab pos="5235575" algn="l"/>
+                <a:tab pos="5816600" algn="l"/>
+                <a:tab pos="6397625" algn="l"/>
+                <a:tab pos="6980238" algn="l"/>
+                <a:tab pos="7561263" algn="l"/>
+                <a:tab pos="8143875" algn="l"/>
+                <a:tab pos="8724900" algn="l"/>
+                <a:tab pos="9305925" algn="l"/>
+              </a:tabLst>
+            </a:pPr>
+            <a:r>
+              <a:rPr kumimoji="0" lang="en-US" altLang="en-US" sz="1000" u="none" strike="noStrike" cap="none" normalizeH="0" baseline="0" dirty="0">
+                <a:ln>
+                  <a:noFill/>
+                </a:ln>
+                <a:solidFill>
+                  <a:schemeClr val="tx1"/>
+                </a:solidFill>
+                <a:effectLst/>
+                <a:latin typeface="Courier" pitchFamily="2" charset="0"/>
+                <a:ea typeface="Times New Roman" panose="02020603050405020304" pitchFamily="18" charset="0"/>
+              </a:rPr>
+              <a:t>.                                                               . +-+-+-+-+-+-+-+-+-+-+-+-+-+-+-+-+-+-+-+-+-+-+-+-+-+-+-+-+-+-+-+-+</a:t>
+            </a:r>
+          </a:p>
+          <a:p>
+            <a:pPr marL="0" marR="0" lvl="0" indent="0" algn="l" defTabSz="914400" rtl="0" eaLnBrk="0" fontAlgn="base" latinLnBrk="0" hangingPunct="0">
+              <a:lnSpc>
+                <a:spcPct val="100000"/>
+              </a:lnSpc>
+              <a:spcBef>
+                <a:spcPct val="0"/>
+              </a:spcBef>
+              <a:spcAft>
+                <a:spcPct val="0"/>
+              </a:spcAft>
+              <a:buClrTx/>
+              <a:buSzTx/>
+              <a:buFontTx/>
+              <a:buNone/>
+              <a:tabLst>
+                <a:tab pos="581025" algn="l"/>
+                <a:tab pos="1163638" algn="l"/>
+                <a:tab pos="1744663" algn="l"/>
+                <a:tab pos="2327275" algn="l"/>
+                <a:tab pos="2908300" algn="l"/>
+                <a:tab pos="3489325" algn="l"/>
+                <a:tab pos="4071938" algn="l"/>
+                <a:tab pos="4652963" algn="l"/>
+                <a:tab pos="5235575" algn="l"/>
+                <a:tab pos="5816600" algn="l"/>
+                <a:tab pos="6397625" algn="l"/>
+                <a:tab pos="6980238" algn="l"/>
+                <a:tab pos="7561263" algn="l"/>
+                <a:tab pos="8143875" algn="l"/>
+                <a:tab pos="8724900" algn="l"/>
+                <a:tab pos="9305925" algn="l"/>
+              </a:tabLst>
+            </a:pPr>
+            <a:endParaRPr lang="en-US" altLang="en-US" sz="1000" dirty="0">
+              <a:latin typeface="Courier" pitchFamily="2" charset="0"/>
             </a:endParaRPr>
           </a:p>
           <a:p>
-            <a:r>
-              <a:rPr lang="en-US" sz="1400" dirty="0">
-                <a:solidFill>
-                  <a:schemeClr val="tx2"/>
-                </a:solidFill>
-                <a:latin typeface="Calibri" panose="020F0502020204030204" pitchFamily="34" charset="0"/>
-                <a:cs typeface="Calibri" panose="020F0502020204030204" pitchFamily="34" charset="0"/>
-              </a:rPr>
-              <a:t>0x1: Error - Invalid Message.  </a:t>
-            </a:r>
-          </a:p>
-          <a:p>
-            <a:r>
-              <a:rPr lang="en-US" sz="1400" dirty="0">
-                <a:solidFill>
-                  <a:schemeClr val="tx2"/>
-                </a:solidFill>
-                <a:latin typeface="Calibri" panose="020F0502020204030204" pitchFamily="34" charset="0"/>
-                <a:cs typeface="Calibri" panose="020F0502020204030204" pitchFamily="34" charset="0"/>
-              </a:rPr>
-              <a:t>Indicates that the operation failed because the received query message could not be processed.</a:t>
-            </a:r>
-          </a:p>
-          <a:p>
-            <a:r>
-              <a:rPr lang="en-US" sz="1400" b="1" dirty="0">
-                <a:solidFill>
-                  <a:schemeClr val="tx2"/>
-                </a:solidFill>
-                <a:latin typeface="Calibri" panose="020F0502020204030204" pitchFamily="34" charset="0"/>
-                <a:cs typeface="Calibri" panose="020F0502020204030204" pitchFamily="34" charset="0"/>
-              </a:rPr>
-              <a:t>0xN: Additional Error will be defined in future.</a:t>
-            </a:r>
-          </a:p>
-        </p:txBody>
-      </p:sp>
-      <p:sp>
-        <p:nvSpPr>
-          <p:cNvPr id="9" name="Rectangle 8">
-            <a:extLst>
-              <a:ext uri="{FF2B5EF4-FFF2-40B4-BE49-F238E27FC236}">
-                <a16:creationId xmlns:a16="http://schemas.microsoft.com/office/drawing/2014/main" id="{9C7371AF-F957-2941-AF40-6119D5511EDD}"/>
-              </a:ext>
-            </a:extLst>
-          </p:cNvPr>
-          <p:cNvSpPr/>
-          <p:nvPr/>
-        </p:nvSpPr>
-        <p:spPr>
-          <a:xfrm>
-            <a:off x="4300123" y="2875123"/>
-            <a:ext cx="4648200" cy="1569660"/>
-          </a:xfrm>
-          <a:prstGeom prst="rect">
-            <a:avLst/>
-          </a:prstGeom>
-          <a:solidFill>
-            <a:schemeClr val="accent6">
-              <a:lumMod val="20000"/>
-              <a:lumOff val="80000"/>
-            </a:schemeClr>
-          </a:solidFill>
-        </p:spPr>
-        <p:txBody>
-          <a:bodyPr wrap="square">
-            <a:spAutoFit/>
-          </a:bodyPr>
-          <a:lstStyle/>
-          <a:p>
-            <a:r>
-              <a:rPr lang="en-CA" sz="800" dirty="0">
-                <a:latin typeface="Courier" pitchFamily="2" charset="0"/>
-              </a:rPr>
-              <a:t>    .                                                               .</a:t>
-            </a:r>
-          </a:p>
-          <a:p>
-            <a:r>
-              <a:rPr lang="en-CA" sz="800" dirty="0">
-                <a:latin typeface="Courier" pitchFamily="2" charset="0"/>
-              </a:rPr>
-              <a:t>    .                                                               .</a:t>
-            </a:r>
-          </a:p>
-          <a:p>
-            <a:r>
-              <a:rPr lang="en-CA" sz="800" dirty="0">
-                <a:latin typeface="Courier" pitchFamily="2" charset="0"/>
-              </a:rPr>
-              <a:t>    +-+-+-+-+-+-+-+-+-+-+-+-+-+-+-+-+-+-+-+-+-+-+-+-+-+-+-+-+-+-+-+-+</a:t>
-            </a:r>
-          </a:p>
-          <a:p>
-            <a:r>
-              <a:rPr lang="en-CA" sz="800" dirty="0">
-                <a:latin typeface="Courier" pitchFamily="2" charset="0"/>
-              </a:rPr>
-              <a:t>    | Session-Sender Error Estimate | MBZ           |</a:t>
-            </a:r>
-            <a:r>
-              <a:rPr lang="en-CA" sz="800" dirty="0">
-                <a:solidFill>
-                  <a:srgbClr val="0070C0"/>
-                </a:solidFill>
-                <a:latin typeface="Courier" pitchFamily="2" charset="0"/>
-              </a:rPr>
-              <a:t>Re Control Code</a:t>
-            </a:r>
-            <a:r>
-              <a:rPr lang="en-CA" sz="800" dirty="0">
-                <a:latin typeface="Courier" pitchFamily="2" charset="0"/>
-              </a:rPr>
-              <a:t>|</a:t>
-            </a:r>
-          </a:p>
-          <a:p>
-            <a:r>
-              <a:rPr lang="en-CA" sz="800" dirty="0">
-                <a:latin typeface="Courier" pitchFamily="2" charset="0"/>
-              </a:rPr>
-              <a:t>    +-+-+-+-+-+-+-+-+-+-+-+-+-+-+-+-+-+-+-+-+-+-+-+-+-+-+-+-+-+-+-+-+</a:t>
-            </a:r>
-          </a:p>
-          <a:p>
-            <a:r>
-              <a:rPr lang="en-CA" sz="800" dirty="0">
-                <a:latin typeface="Courier" pitchFamily="2" charset="0"/>
-              </a:rPr>
-              <a:t>    |</a:t>
-            </a:r>
-            <a:r>
-              <a:rPr lang="en-CA" sz="800" dirty="0" err="1">
-                <a:latin typeface="Courier" pitchFamily="2" charset="0"/>
-              </a:rPr>
-              <a:t>Ses</a:t>
-            </a:r>
-            <a:r>
-              <a:rPr lang="en-CA" sz="800" dirty="0">
-                <a:latin typeface="Courier" pitchFamily="2" charset="0"/>
-              </a:rPr>
-              <a:t>-Sender TTL |                 MBZ                           |</a:t>
-            </a:r>
-          </a:p>
-          <a:p>
-            <a:r>
-              <a:rPr lang="en-CA" sz="800" dirty="0">
-                <a:latin typeface="Courier" pitchFamily="2" charset="0"/>
-              </a:rPr>
-              <a:t>    +-+-+-+-+-+-+-+-+-+-+-+-+-+-+-+-+-+-+-+-+-+-+-+-+-+-+-+-+-+-+-+-+</a:t>
-            </a:r>
-          </a:p>
-          <a:p>
-            <a:r>
-              <a:rPr lang="en-CA" sz="800" dirty="0">
-                <a:latin typeface="Courier" pitchFamily="2" charset="0"/>
-              </a:rPr>
-              <a:t>    .                                                               .</a:t>
-            </a:r>
-          </a:p>
-          <a:p>
-            <a:r>
-              <a:rPr lang="en-CA" sz="800" dirty="0">
-                <a:latin typeface="Courier" pitchFamily="2" charset="0"/>
-              </a:rPr>
-              <a:t>    .                                                               .</a:t>
-            </a:r>
-          </a:p>
-          <a:p>
-            <a:r>
-              <a:rPr lang="en-CA" sz="800" dirty="0">
-                <a:latin typeface="Courier" pitchFamily="2" charset="0"/>
-              </a:rPr>
-              <a:t> </a:t>
-            </a:r>
-          </a:p>
-          <a:p>
-            <a:r>
-              <a:rPr lang="en-CA" sz="800" dirty="0">
-                <a:latin typeface="Courier" pitchFamily="2" charset="0"/>
-              </a:rPr>
-              <a:t> </a:t>
-            </a:r>
-          </a:p>
-          <a:p>
-            <a:r>
-              <a:rPr lang="en-CA" sz="800" dirty="0">
-                <a:latin typeface="Courier" pitchFamily="2" charset="0"/>
-              </a:rPr>
-              <a:t>            Figure: Reflector Control Code in STAMP DM Message</a:t>
+            <a:pPr lvl="0"/>
+            <a:r>
+              <a:rPr lang="en-CA" sz="1000" dirty="0">
+                <a:latin typeface="Courier" pitchFamily="2" charset="0"/>
+              </a:rPr>
+              <a:t>         Figure: Sender Control Code in STAMP DM Message</a:t>
+            </a:r>
+            <a:r>
+              <a:rPr kumimoji="0" lang="en-US" altLang="en-US" sz="1000" u="none" strike="noStrike" cap="none" normalizeH="0" baseline="0" dirty="0">
+                <a:ln>
+                  <a:noFill/>
+                </a:ln>
+                <a:solidFill>
+                  <a:schemeClr val="tx1"/>
+                </a:solidFill>
+                <a:effectLst/>
+                <a:latin typeface="Courier" pitchFamily="2" charset="0"/>
+              </a:rPr>
+              <a:t> </a:t>
             </a:r>
           </a:p>
         </p:txBody>
@@ -16250,7 +16777,7 @@
                   <a:srgbClr val="0070C0"/>
                 </a:solidFill>
               </a:rPr>
-              <a:t>Type (value 0): Return Address. Target node address of the response different than the Source Address in the query</a:t>
+              <a:t>Type (value 0): Return Address. Target node address of the response; different than the Source Address in the query</a:t>
             </a:r>
           </a:p>
           <a:p>

--- a/draft-gandhi-spring-stamp-srpm-01.pptx
+++ b/draft-gandhi-spring-stamp-srpm-01.pptx
@@ -6090,23 +6090,7 @@
                   <a:schemeClr val="tx2"/>
                 </a:solidFill>
               </a:rPr>
-              <a:t>Does not modify existing STAMP (which is for DM) procedure as different UDP destination </a:t>
-            </a:r>
-            <a:r>
-              <a:rPr lang="en-US" sz="1400" b="1" kern="0" dirty="0">
-                <a:solidFill>
-                  <a:srgbClr val="0070C0"/>
-                </a:solidFill>
-              </a:rPr>
-              <a:t>Port2</a:t>
-            </a:r>
-            <a:r>
-              <a:rPr lang="en-US" sz="1400" kern="0" dirty="0">
-                <a:solidFill>
-                  <a:schemeClr val="tx2"/>
-                </a:solidFill>
-              </a:rPr>
-              <a:t> is used for LM</a:t>
+              <a:t>Does not modify existing STAMP (which is for DM) procedure as different destination UDP is used for LM</a:t>
             </a:r>
           </a:p>
         </p:txBody>

--- a/draft-gandhi-spring-stamp-srpm-01.pptx
+++ b/draft-gandhi-spring-stamp-srpm-01.pptx
@@ -264,7 +264,7 @@
           <a:p>
             <a:fld id="{E8FA3DB5-7722-3F4F-947D-12B203669AD7}" type="datetimeFigureOut">
               <a:rPr lang="en-US" smtClean="0"/>
-              <a:t>6/2/20</a:t>
+              <a:t>6/3/20</a:t>
             </a:fld>
             <a:endParaRPr lang="en-US"/>
           </a:p>
@@ -9415,31 +9415,31 @@
           <a:lstStyle/>
           <a:p>
             <a:r>
-              <a:rPr lang="en-US" sz="1600" dirty="0"/>
+              <a:rPr lang="en-US" sz="1800" dirty="0"/>
               <a:t>User-configured destination UDP </a:t>
             </a:r>
             <a:r>
-              <a:rPr lang="en-US" sz="1600" b="1" dirty="0"/>
+              <a:rPr lang="en-US" sz="1800" b="1" dirty="0"/>
               <a:t>port1</a:t>
             </a:r>
             <a:r>
-              <a:rPr lang="en-US" sz="1600" dirty="0"/>
+              <a:rPr lang="en-US" sz="1800" dirty="0"/>
               <a:t> is used for DM probe messages and </a:t>
             </a:r>
             <a:r>
-              <a:rPr lang="en-US" sz="1600" b="1" dirty="0"/>
+              <a:rPr lang="en-US" sz="1800" b="1" dirty="0"/>
               <a:t>port2</a:t>
             </a:r>
             <a:r>
-              <a:rPr lang="en-US" sz="1600" dirty="0"/>
-              <a:t> is used for LM probe messages, both in unauthenticated mode.</a:t>
+              <a:rPr lang="en-US" sz="1800" dirty="0"/>
+              <a:t> is used for LM probe messages (unauthenticated mode).</a:t>
             </a:r>
           </a:p>
           <a:p>
             <a:pPr marL="0" indent="0">
               <a:buNone/>
             </a:pPr>
-            <a:endParaRPr lang="en-US" sz="1600" dirty="0"/>
+            <a:endParaRPr lang="en-US" sz="1800" dirty="0"/>
           </a:p>
         </p:txBody>
       </p:sp>

--- a/draft-gandhi-spring-stamp-srpm-01.pptx
+++ b/draft-gandhi-spring-stamp-srpm-01.pptx
@@ -10304,7 +10304,7 @@
             </a:pPr>
             <a:r>
               <a:rPr lang="en-US" sz="1600" dirty="0"/>
-              <a:t>MPLS label stack for SR-MPLS Policy</a:t>
+              <a:t>MPLS label stack of SR-MPLS Policy</a:t>
             </a:r>
           </a:p>
           <a:p>
@@ -10322,7 +10322,7 @@
             </a:r>
             <a:r>
               <a:rPr lang="en-US" sz="1600" dirty="0"/>
-              <a:t>] with Segment List for SRv6 Policy</a:t>
+              <a:t>] with Segment List of SRv6 Policy</a:t>
             </a:r>
           </a:p>
         </p:txBody>
@@ -10371,7 +10371,7 @@
         <p:spPr>
           <a:xfrm>
             <a:off x="4267200" y="1986808"/>
-            <a:ext cx="3962400" cy="3069458"/>
+            <a:ext cx="3962400" cy="3208571"/>
           </a:xfrm>
           <a:prstGeom prst="rect">
             <a:avLst/>
@@ -10455,7 +10455,7 @@
                 <a:ea typeface="Courier" charset="0"/>
                 <a:cs typeface="Courier" charset="0"/>
               </a:rPr>
-              <a:t>.  Destination IP Address = Next Hop IPv6 Address               .</a:t>
+              <a:t>.  Destination IP Address = Destination IPv6 Address            .</a:t>
             </a:r>
           </a:p>
           <a:p>
@@ -14187,15 +14187,7 @@
             </a:r>
             <a:r>
               <a:rPr lang="en-US" sz="1200" i="1" dirty="0"/>
-              <a:t>draft-</a:t>
-            </a:r>
-            <a:r>
-              <a:rPr lang="en-US" sz="1200" i="1" dirty="0" err="1"/>
-              <a:t>gandhi</a:t>
-            </a:r>
-            <a:r>
-              <a:rPr lang="en-US" sz="1200" i="1" dirty="0"/>
-              <a:t>--spring-</a:t>
+              <a:t>draft-gandhi-spring-</a:t>
             </a:r>
             <a:r>
               <a:rPr lang="en-US" sz="1200" b="1" i="1" dirty="0"/>

--- a/draft-gandhi-spring-stamp-srpm-01.pptx
+++ b/draft-gandhi-spring-stamp-srpm-01.pptx
@@ -264,7 +264,7 @@
           <a:p>
             <a:fld id="{E8FA3DB5-7722-3F4F-947D-12B203669AD7}" type="datetimeFigureOut">
               <a:rPr lang="en-US" smtClean="0"/>
-              <a:t>6/3/20</a:t>
+              <a:t>6/4/20</a:t>
             </a:fld>
             <a:endParaRPr lang="en-US"/>
           </a:p>
@@ -6085,11 +6085,7 @@
           </a:p>
           <a:p>
             <a:r>
-              <a:rPr lang="en-US" sz="1400" kern="0" dirty="0">
-                <a:solidFill>
-                  <a:schemeClr val="tx2"/>
-                </a:solidFill>
-              </a:rPr>
+              <a:rPr lang="en-US" sz="1400" kern="0" dirty="0"/>
               <a:t>Does not modify existing STAMP (which is for DM) procedure as different destination UDP is used for LM</a:t>
             </a:r>
           </a:p>
@@ -6140,8 +6136,8 @@
         </p:nvSpPr>
         <p:spPr bwMode="auto">
           <a:xfrm>
-            <a:off x="4699552" y="385258"/>
-            <a:ext cx="4152900" cy="4108817"/>
+            <a:off x="4699552" y="323703"/>
+            <a:ext cx="4152900" cy="4231928"/>
           </a:xfrm>
           <a:prstGeom prst="rect">
             <a:avLst/>
@@ -8171,7 +8167,7 @@
                 <a:latin typeface="Courier" pitchFamily="2" charset="0"/>
                 <a:ea typeface="Times New Roman" panose="02020603050405020304" pitchFamily="18" charset="0"/>
               </a:rPr>
-              <a:t>|X|B| Reserved  |Sender Block Nu| MBZ           |Re Control Code|</a:t>
+              <a:t>|X|B| Reserved  |Sender Block Nu|  MBZ                          |</a:t>
             </a:r>
           </a:p>
           <a:p>
@@ -9272,7 +9268,7 @@
               <a:rPr lang="en-CA" sz="1200" dirty="0">
                 <a:latin typeface="Courier" pitchFamily="2" charset="0"/>
               </a:rPr>
-              <a:t>                     |       |            |       |</a:t>
+              <a:t>                     |       |  SR Path   |       |</a:t>
             </a:r>
           </a:p>
           <a:p>
@@ -9280,7 +9276,7 @@
               <a:rPr lang="en-CA" sz="1200" dirty="0">
                 <a:latin typeface="Courier" pitchFamily="2" charset="0"/>
               </a:rPr>
-              <a:t>                     +-------+            +-------+</a:t>
+              <a:t>                     +-------+  Or Link   +-------+</a:t>
             </a:r>
           </a:p>
           <a:p>
@@ -10706,11 +10702,11 @@
           <a:p>
             <a:r>
               <a:rPr lang="en-US" sz="750" dirty="0">
-                <a:latin typeface="Courier" charset="0"/>
+                <a:latin typeface="Courier" pitchFamily="2" charset="0"/>
                 <a:ea typeface="Courier" charset="0"/>
                 <a:cs typeface="Courier" charset="0"/>
               </a:rPr>
-              <a:t>+-+-+-+-+-+-+-+-+-+-+-+-+-+-+-+-+-+-+-+-+-+-+-+-+-+-+-+-+-+-+-+-+</a:t>
+              <a:t>+---------------------------------------------------------------+</a:t>
             </a:r>
           </a:p>
           <a:p>
@@ -14578,7 +14574,7 @@
         </p:nvSpPr>
         <p:spPr>
           <a:xfrm>
-            <a:off x="261523" y="-83105"/>
+            <a:off x="261523" y="0"/>
             <a:ext cx="8686800" cy="857250"/>
           </a:xfrm>
         </p:spPr>
@@ -14861,8 +14857,8 @@
         </p:nvSpPr>
         <p:spPr bwMode="auto">
           <a:xfrm>
-            <a:off x="3734637" y="1123206"/>
-            <a:ext cx="5214523" cy="2662267"/>
+            <a:off x="3681950" y="989043"/>
+            <a:ext cx="5214523" cy="3123932"/>
           </a:xfrm>
           <a:prstGeom prst="rect">
             <a:avLst/>
@@ -15566,18 +15562,67 @@
               </a:tabLst>
             </a:pPr>
             <a:r>
-              <a:rPr kumimoji="0" lang="en-US" altLang="en-US" sz="1000" u="none" strike="noStrike" cap="none" normalizeH="0" baseline="0" dirty="0">
-                <a:ln>
-                  <a:noFill/>
-                </a:ln>
-                <a:solidFill>
-                  <a:schemeClr val="tx1"/>
-                </a:solidFill>
-                <a:effectLst/>
+              <a:rPr lang="en-US" altLang="en-US" sz="1000" dirty="0">
                 <a:latin typeface="Courier" pitchFamily="2" charset="0"/>
                 <a:ea typeface="Times New Roman" panose="02020603050405020304" pitchFamily="18" charset="0"/>
               </a:rPr>
+              <a:t>|                                                               |</a:t>
+            </a:r>
+            <a:endParaRPr kumimoji="0" lang="en-US" altLang="en-US" sz="1000" u="none" strike="noStrike" cap="none" normalizeH="0" baseline="0" dirty="0">
+              <a:ln>
+                <a:noFill/>
+              </a:ln>
+              <a:solidFill>
+                <a:schemeClr val="tx1"/>
+              </a:solidFill>
+              <a:effectLst/>
+              <a:latin typeface="Courier" pitchFamily="2" charset="0"/>
+              <a:ea typeface="Times New Roman" panose="02020603050405020304" pitchFamily="18" charset="0"/>
+            </a:endParaRPr>
+          </a:p>
+          <a:p>
+            <a:r>
+              <a:rPr lang="en-US" altLang="en-US" sz="1000" dirty="0">
+                <a:latin typeface="Courier" pitchFamily="2" charset="0"/>
+                <a:ea typeface="Times New Roman" panose="02020603050405020304" pitchFamily="18" charset="0"/>
+              </a:rPr>
               <a:t>|                        MBZ  (24 octets)                       |</a:t>
+            </a:r>
+          </a:p>
+          <a:p>
+            <a:r>
+              <a:rPr lang="en-US" altLang="en-US" sz="1000" dirty="0">
+                <a:latin typeface="Courier" pitchFamily="2" charset="0"/>
+                <a:ea typeface="Times New Roman" panose="02020603050405020304" pitchFamily="18" charset="0"/>
+              </a:rPr>
+              <a:t>|                                                               |</a:t>
+            </a:r>
+          </a:p>
+          <a:p>
+            <a:r>
+              <a:rPr lang="en-US" altLang="en-US" sz="1000" dirty="0">
+                <a:latin typeface="Courier" pitchFamily="2" charset="0"/>
+                <a:ea typeface="Times New Roman" panose="02020603050405020304" pitchFamily="18" charset="0"/>
+              </a:rPr>
+              <a:t>|                                                               |</a:t>
+            </a:r>
+          </a:p>
+          <a:p>
+            <a:r>
+              <a:rPr lang="en-US" altLang="en-US" sz="1000" dirty="0">
+                <a:latin typeface="Courier" pitchFamily="2" charset="0"/>
+                <a:ea typeface="Times New Roman" panose="02020603050405020304" pitchFamily="18" charset="0"/>
+              </a:rPr>
+              <a:t>|                                                               |</a:t>
+            </a:r>
+          </a:p>
+          <a:p>
+            <a:r>
+              <a:rPr lang="en-US" altLang="en-US" sz="1000" dirty="0">
+                <a:latin typeface="Courier" pitchFamily="2" charset="0"/>
+                <a:ea typeface="Times New Roman" panose="02020603050405020304" pitchFamily="18" charset="0"/>
+              </a:rPr>
+              <a:t>|                                                               |</a:t>
             </a:r>
           </a:p>
           <a:p>
@@ -15615,59 +15660,6 @@
               </a:tabLst>
             </a:pPr>
             <a:r>
-              <a:rPr lang="en-US" altLang="en-US" sz="1000" dirty="0">
-                <a:latin typeface="Courier" pitchFamily="2" charset="0"/>
-                <a:ea typeface="Times New Roman" panose="02020603050405020304" pitchFamily="18" charset="0"/>
-              </a:rPr>
-              <a:t>|                                                               |</a:t>
-            </a:r>
-            <a:endParaRPr kumimoji="0" lang="en-US" altLang="en-US" sz="1000" u="none" strike="noStrike" cap="none" normalizeH="0" baseline="0" dirty="0">
-              <a:ln>
-                <a:noFill/>
-              </a:ln>
-              <a:solidFill>
-                <a:schemeClr val="tx1"/>
-              </a:solidFill>
-              <a:effectLst/>
-              <a:latin typeface="Courier" pitchFamily="2" charset="0"/>
-              <a:ea typeface="Times New Roman" panose="02020603050405020304" pitchFamily="18" charset="0"/>
-            </a:endParaRPr>
-          </a:p>
-          <a:p>
-            <a:pPr marL="0" marR="0" lvl="0" indent="0" algn="l" defTabSz="914400" rtl="0" eaLnBrk="0" fontAlgn="base" latinLnBrk="0" hangingPunct="0">
-              <a:lnSpc>
-                <a:spcPct val="100000"/>
-              </a:lnSpc>
-              <a:spcBef>
-                <a:spcPct val="0"/>
-              </a:spcBef>
-              <a:spcAft>
-                <a:spcPct val="0"/>
-              </a:spcAft>
-              <a:buClrTx/>
-              <a:buSzTx/>
-              <a:buFontTx/>
-              <a:buNone/>
-              <a:tabLst>
-                <a:tab pos="581025" algn="l"/>
-                <a:tab pos="1163638" algn="l"/>
-                <a:tab pos="1744663" algn="l"/>
-                <a:tab pos="2327275" algn="l"/>
-                <a:tab pos="2908300" algn="l"/>
-                <a:tab pos="3489325" algn="l"/>
-                <a:tab pos="4071938" algn="l"/>
-                <a:tab pos="4652963" algn="l"/>
-                <a:tab pos="5235575" algn="l"/>
-                <a:tab pos="5816600" algn="l"/>
-                <a:tab pos="6397625" algn="l"/>
-                <a:tab pos="6980238" algn="l"/>
-                <a:tab pos="7561263" algn="l"/>
-                <a:tab pos="8143875" algn="l"/>
-                <a:tab pos="8724900" algn="l"/>
-                <a:tab pos="9305925" algn="l"/>
-              </a:tabLst>
-            </a:pPr>
-            <a:r>
               <a:rPr kumimoji="0" lang="en-US" altLang="en-US" sz="1000" u="none" strike="noStrike" cap="none" normalizeH="0" baseline="0" dirty="0">
                 <a:ln>
                   <a:noFill/>
@@ -15679,7 +15671,7 @@
                 <a:latin typeface="Courier" pitchFamily="2" charset="0"/>
                 <a:ea typeface="Times New Roman" panose="02020603050405020304" pitchFamily="18" charset="0"/>
               </a:rPr>
-              <a:t>.                                                               . +-+-+-+-+-+-+-+-+-+-+-+-+-+-+-+-+-+-+-+-+-+-+-+-+-+-+-+-+-+-+-+-+</a:t>
+              <a:t>+-+-+-+-+-+-+-+-+-+-+-+-+-+-+-+-+-+-+-+-+-+-+-+-+-+-+-+-+-+-+-+-+</a:t>
             </a:r>
           </a:p>
           <a:p>

--- a/draft-gandhi-spring-stamp-srpm-01.pptx
+++ b/draft-gandhi-spring-stamp-srpm-01.pptx
@@ -264,7 +264,7 @@
           <a:p>
             <a:fld id="{E8FA3DB5-7722-3F4F-947D-12B203669AD7}" type="datetimeFigureOut">
               <a:rPr lang="en-US" smtClean="0"/>
-              <a:t>6/4/20</a:t>
+              <a:t>6/10/20</a:t>
             </a:fld>
             <a:endParaRPr lang="en-US"/>
           </a:p>
@@ -10541,7 +10541,7 @@
                 <a:ea typeface="Courier" charset="0"/>
                 <a:cs typeface="Courier" charset="0"/>
               </a:rPr>
-              <a:t>| IP Header (Optional)                                          |</a:t>
+              <a:t>| IP Header                                                     |</a:t>
             </a:r>
           </a:p>
           <a:p>
@@ -10836,8 +10836,8 @@
         </p:nvSpPr>
         <p:spPr>
           <a:xfrm>
-            <a:off x="647700" y="742950"/>
-            <a:ext cx="7848600" cy="775363"/>
+            <a:off x="381000" y="742950"/>
+            <a:ext cx="8534400" cy="1143000"/>
           </a:xfrm>
         </p:spPr>
         <p:txBody>
@@ -10845,8 +10845,20 @@
           <a:lstStyle/>
           <a:p>
             <a:r>
-              <a:rPr lang="en-US" sz="2000" dirty="0"/>
+              <a:rPr lang="en-US" sz="1600" dirty="0"/>
               <a:t>The probe response message is sent using the IP/UDP information from the probe query message. </a:t>
+            </a:r>
+          </a:p>
+          <a:p>
+            <a:r>
+              <a:rPr lang="en-US" sz="1600" dirty="0"/>
+              <a:t>Based on Control Code from the probe query message</a:t>
+            </a:r>
+          </a:p>
+          <a:p>
+            <a:r>
+              <a:rPr lang="en-US" sz="1600" b="1" dirty="0"/>
+              <a:t>Use Segment List from Return Path TLV if present in probe query message.</a:t>
             </a:r>
           </a:p>
         </p:txBody>
@@ -10897,7 +10909,7 @@
         </p:nvSpPr>
         <p:spPr>
           <a:xfrm>
-            <a:off x="1676400" y="1618759"/>
+            <a:off x="1676400" y="1923990"/>
             <a:ext cx="5562600" cy="2862322"/>
           </a:xfrm>
           <a:prstGeom prst="rect">
@@ -15936,7 +15948,7 @@
               </a:spcBef>
             </a:pPr>
             <a:r>
-              <a:rPr lang="en-US" sz="1800" dirty="0"/>
+              <a:rPr lang="en-US" sz="1800" b="1" dirty="0"/>
               <a:t>Use Return Path TLV for STAMP from the probe query message</a:t>
             </a:r>
           </a:p>
@@ -16389,7 +16401,29 @@
                 <a:ea typeface="Calibri" panose="020F0502020204030204" pitchFamily="34" charset="0"/>
                 <a:cs typeface="Consolas" panose="020B0609020204030204" pitchFamily="49" charset="0"/>
               </a:rPr>
-              <a:t>The reflector node MUST NOT send response if it is not the intended destination node of the query.</a:t>
+              <a:t>The reflector node </a:t>
+            </a:r>
+            <a:r>
+              <a:rPr lang="en-CA" sz="1600" b="1" dirty="0">
+                <a:solidFill>
+                  <a:schemeClr val="tx2"/>
+                </a:solidFill>
+                <a:latin typeface="Calibri" panose="020F0502020204030204" pitchFamily="34" charset="0"/>
+                <a:ea typeface="Calibri" panose="020F0502020204030204" pitchFamily="34" charset="0"/>
+                <a:cs typeface="Consolas" panose="020B0609020204030204" pitchFamily="49" charset="0"/>
+              </a:rPr>
+              <a:t>MUST NOT </a:t>
+            </a:r>
+            <a:r>
+              <a:rPr lang="en-CA" sz="1600" dirty="0">
+                <a:solidFill>
+                  <a:schemeClr val="tx2"/>
+                </a:solidFill>
+                <a:latin typeface="Calibri" panose="020F0502020204030204" pitchFamily="34" charset="0"/>
+                <a:ea typeface="Calibri" panose="020F0502020204030204" pitchFamily="34" charset="0"/>
+                <a:cs typeface="Consolas" panose="020B0609020204030204" pitchFamily="49" charset="0"/>
+              </a:rPr>
+              <a:t>send response if it is not the intended destination node of the query.</a:t>
             </a:r>
           </a:p>
           <a:p>

--- a/draft-gandhi-spring-stamp-srpm-01.pptx
+++ b/draft-gandhi-spring-stamp-srpm-01.pptx
@@ -264,7 +264,7 @@
           <a:p>
             <a:fld id="{E8FA3DB5-7722-3F4F-947D-12B203669AD7}" type="datetimeFigureOut">
               <a:rPr lang="en-US" smtClean="0"/>
-              <a:t>6/10/20</a:t>
+              <a:t>7/6/20</a:t>
             </a:fld>
             <a:endParaRPr lang="en-US"/>
           </a:p>
@@ -2747,7 +2747,7 @@
               </a14:hiddenLine>
             </a:ext>
             <a:ext uri="{FAA26D3D-D897-4be2-8F04-BA451C77F1D7}">
-              <ma14:placeholderFlag xmlns="" xmlns:ma14="http://schemas.microsoft.com/office/mac/drawingml/2011/main" val="1"/>
+              <ma14:placeholderFlag xmlns:ma14="http://schemas.microsoft.com/office/mac/drawingml/2011/main" xmlns="" val="1"/>
             </a:ext>
           </a:extLst>
         </p:spPr>
@@ -5702,20 +5702,17 @@
           <a:bodyPr/>
           <a:lstStyle/>
           <a:p>
-            <a:pPr>
-              <a:defRPr/>
-            </a:pPr>
-            <a:r>
-              <a:rPr lang="en-US" altLang="zh-CN" dirty="0"/>
+            <a:r>
+              <a:rPr lang="en-CA" dirty="0"/>
               <a:t>108</a:t>
             </a:r>
             <a:r>
-              <a:rPr lang="en-US" altLang="zh-CN" baseline="30000" dirty="0"/>
+              <a:rPr lang="en-CA" baseline="30000" dirty="0"/>
               <a:t>th</a:t>
             </a:r>
             <a:r>
-              <a:rPr lang="en-US" altLang="zh-CN" dirty="0"/>
-              <a:t> IETF @ Madrid</a:t>
+              <a:rPr lang="en-CA" dirty="0"/>
+              <a:t> IETF Online</a:t>
             </a:r>
           </a:p>
         </p:txBody>
@@ -5833,20 +5830,17 @@
           <a:bodyPr/>
           <a:lstStyle/>
           <a:p>
-            <a:pPr>
-              <a:defRPr/>
-            </a:pPr>
-            <a:r>
-              <a:rPr lang="en-US" altLang="zh-CN" sz="1200" dirty="0"/>
+            <a:r>
+              <a:rPr lang="en-CA" sz="1200" dirty="0"/>
               <a:t>108</a:t>
             </a:r>
             <a:r>
-              <a:rPr lang="en-US" altLang="zh-CN" sz="1200" baseline="30000" dirty="0"/>
+              <a:rPr lang="en-CA" sz="1200" baseline="30000" dirty="0"/>
               <a:t>th</a:t>
             </a:r>
             <a:r>
-              <a:rPr lang="en-US" altLang="zh-CN" sz="1200" dirty="0"/>
-              <a:t> IETF @ Madrid</a:t>
+              <a:rPr lang="en-CA" sz="1200" dirty="0"/>
+              <a:t> IETF Online</a:t>
             </a:r>
           </a:p>
         </p:txBody>
@@ -8505,20 +8499,17 @@
           <a:bodyPr/>
           <a:lstStyle/>
           <a:p>
-            <a:pPr>
-              <a:defRPr/>
-            </a:pPr>
-            <a:r>
-              <a:rPr lang="en-US" altLang="zh-CN" dirty="0"/>
+            <a:r>
+              <a:rPr lang="en-CA" dirty="0"/>
               <a:t>108</a:t>
             </a:r>
             <a:r>
-              <a:rPr lang="en-US" altLang="zh-CN" baseline="30000" dirty="0"/>
+              <a:rPr lang="en-CA" baseline="30000" dirty="0"/>
               <a:t>th</a:t>
             </a:r>
             <a:r>
-              <a:rPr lang="en-US" altLang="zh-CN" dirty="0"/>
-              <a:t> IETF @ Madrid</a:t>
+              <a:rPr lang="en-CA" dirty="0"/>
+              <a:t> IETF Online</a:t>
             </a:r>
           </a:p>
         </p:txBody>
@@ -8602,20 +8593,17 @@
           <a:bodyPr/>
           <a:lstStyle/>
           <a:p>
-            <a:pPr>
-              <a:defRPr/>
-            </a:pPr>
-            <a:r>
-              <a:rPr lang="en-US" altLang="zh-CN" dirty="0"/>
+            <a:r>
+              <a:rPr lang="en-CA" dirty="0"/>
               <a:t>108</a:t>
             </a:r>
             <a:r>
-              <a:rPr lang="en-US" altLang="zh-CN" baseline="30000" dirty="0"/>
+              <a:rPr lang="en-CA" baseline="30000" dirty="0"/>
               <a:t>th</a:t>
             </a:r>
             <a:r>
-              <a:rPr lang="en-US" altLang="zh-CN" dirty="0"/>
-              <a:t> IETF @ Madrid</a:t>
+              <a:rPr lang="en-CA" dirty="0"/>
+              <a:t> IETF Online</a:t>
             </a:r>
           </a:p>
         </p:txBody>
@@ -8888,20 +8876,17 @@
           <a:bodyPr/>
           <a:lstStyle/>
           <a:p>
-            <a:pPr>
-              <a:defRPr/>
-            </a:pPr>
-            <a:r>
-              <a:rPr lang="en-US" altLang="zh-CN" dirty="0"/>
+            <a:r>
+              <a:rPr lang="en-CA" dirty="0"/>
               <a:t>108</a:t>
             </a:r>
             <a:r>
-              <a:rPr lang="en-US" altLang="zh-CN" baseline="30000" dirty="0"/>
+              <a:rPr lang="en-CA" baseline="30000" dirty="0"/>
               <a:t>th</a:t>
             </a:r>
             <a:r>
-              <a:rPr lang="en-US" altLang="zh-CN" dirty="0"/>
-              <a:t> IETF @ Madrid</a:t>
+              <a:rPr lang="en-CA" dirty="0"/>
+              <a:t> IETF Online</a:t>
             </a:r>
           </a:p>
         </p:txBody>
@@ -9058,20 +9043,17 @@
           <a:bodyPr/>
           <a:lstStyle/>
           <a:p>
-            <a:pPr>
-              <a:defRPr/>
-            </a:pPr>
-            <a:r>
-              <a:rPr lang="en-US" altLang="zh-CN" dirty="0"/>
+            <a:r>
+              <a:rPr lang="en-CA" dirty="0"/>
               <a:t>108</a:t>
             </a:r>
             <a:r>
-              <a:rPr lang="en-US" altLang="zh-CN" baseline="30000" dirty="0"/>
+              <a:rPr lang="en-CA" baseline="30000" dirty="0"/>
               <a:t>th</a:t>
             </a:r>
             <a:r>
-              <a:rPr lang="en-US" altLang="zh-CN" dirty="0"/>
-              <a:t> IETF @ Madrid</a:t>
+              <a:rPr lang="en-CA" dirty="0"/>
+              <a:t> IETF Online</a:t>
             </a:r>
           </a:p>
         </p:txBody>
@@ -9372,20 +9354,17 @@
           <a:bodyPr/>
           <a:lstStyle/>
           <a:p>
-            <a:pPr>
-              <a:defRPr/>
-            </a:pPr>
-            <a:r>
-              <a:rPr lang="en-US" altLang="zh-CN" dirty="0"/>
+            <a:r>
+              <a:rPr lang="en-CA" dirty="0"/>
               <a:t>108</a:t>
             </a:r>
             <a:r>
-              <a:rPr lang="en-US" altLang="zh-CN" baseline="30000" dirty="0"/>
+              <a:rPr lang="en-CA" baseline="30000" dirty="0"/>
               <a:t>th</a:t>
             </a:r>
             <a:r>
-              <a:rPr lang="en-US" altLang="zh-CN" dirty="0"/>
-              <a:t> IETF @ Madrid</a:t>
+              <a:rPr lang="en-CA" dirty="0"/>
+              <a:t> IETF Online</a:t>
             </a:r>
           </a:p>
         </p:txBody>
@@ -9899,20 +9878,17 @@
           <a:bodyPr/>
           <a:lstStyle/>
           <a:p>
-            <a:pPr>
-              <a:defRPr/>
-            </a:pPr>
-            <a:r>
-              <a:rPr lang="en-US" altLang="zh-CN" dirty="0"/>
+            <a:r>
+              <a:rPr lang="en-CA" dirty="0"/>
               <a:t>108</a:t>
             </a:r>
             <a:r>
-              <a:rPr lang="en-US" altLang="zh-CN" baseline="30000" dirty="0"/>
+              <a:rPr lang="en-CA" baseline="30000" dirty="0"/>
               <a:t>th</a:t>
             </a:r>
             <a:r>
-              <a:rPr lang="en-US" altLang="zh-CN" dirty="0"/>
-              <a:t> IETF @ Madrid</a:t>
+              <a:rPr lang="en-CA" dirty="0"/>
+              <a:t> IETF Online</a:t>
             </a:r>
           </a:p>
         </p:txBody>
@@ -10883,20 +10859,17 @@
           <a:bodyPr/>
           <a:lstStyle/>
           <a:p>
-            <a:pPr>
-              <a:defRPr/>
-            </a:pPr>
-            <a:r>
-              <a:rPr lang="en-US" altLang="zh-CN" dirty="0"/>
+            <a:r>
+              <a:rPr lang="en-CA" dirty="0"/>
               <a:t>108</a:t>
             </a:r>
             <a:r>
-              <a:rPr lang="en-US" altLang="zh-CN" baseline="30000" dirty="0"/>
+              <a:rPr lang="en-CA" baseline="30000" dirty="0"/>
               <a:t>th</a:t>
             </a:r>
             <a:r>
-              <a:rPr lang="en-US" altLang="zh-CN" dirty="0"/>
-              <a:t> IETF @ Madrid</a:t>
+              <a:rPr lang="en-CA" dirty="0"/>
+              <a:t> IETF Online</a:t>
             </a:r>
           </a:p>
         </p:txBody>
@@ -11327,20 +11300,17 @@
           <a:bodyPr/>
           <a:lstStyle/>
           <a:p>
-            <a:pPr>
-              <a:defRPr/>
-            </a:pPr>
-            <a:r>
-              <a:rPr lang="en-US" altLang="zh-CN" dirty="0"/>
+            <a:r>
+              <a:rPr lang="en-CA" dirty="0"/>
               <a:t>108</a:t>
             </a:r>
             <a:r>
-              <a:rPr lang="en-US" altLang="zh-CN" baseline="30000" dirty="0"/>
+              <a:rPr lang="en-CA" baseline="30000" dirty="0"/>
               <a:t>th</a:t>
             </a:r>
             <a:r>
-              <a:rPr lang="en-US" altLang="zh-CN" dirty="0"/>
-              <a:t> IETF @ Madrid</a:t>
+              <a:rPr lang="en-CA" dirty="0"/>
+              <a:t> IETF Online</a:t>
             </a:r>
           </a:p>
         </p:txBody>
@@ -11424,20 +11394,17 @@
           <a:bodyPr/>
           <a:lstStyle/>
           <a:p>
-            <a:pPr>
-              <a:defRPr/>
-            </a:pPr>
-            <a:r>
-              <a:rPr lang="en-US" altLang="zh-CN" dirty="0"/>
+            <a:r>
+              <a:rPr lang="en-CA" dirty="0"/>
               <a:t>108</a:t>
             </a:r>
             <a:r>
-              <a:rPr lang="en-US" altLang="zh-CN" baseline="30000" dirty="0"/>
+              <a:rPr lang="en-CA" baseline="30000" dirty="0"/>
               <a:t>th</a:t>
             </a:r>
             <a:r>
-              <a:rPr lang="en-US" altLang="zh-CN" dirty="0"/>
-              <a:t> IETF @ Madrid</a:t>
+              <a:rPr lang="en-CA" dirty="0"/>
+              <a:t> IETF Online</a:t>
             </a:r>
           </a:p>
         </p:txBody>
@@ -11633,20 +11600,17 @@
           <a:bodyPr/>
           <a:lstStyle/>
           <a:p>
-            <a:pPr>
-              <a:defRPr/>
-            </a:pPr>
-            <a:r>
-              <a:rPr lang="en-US" altLang="zh-CN" dirty="0"/>
+            <a:r>
+              <a:rPr lang="en-CA" dirty="0"/>
               <a:t>108</a:t>
             </a:r>
             <a:r>
-              <a:rPr lang="en-US" altLang="zh-CN" baseline="30000" dirty="0"/>
+              <a:rPr lang="en-CA" baseline="30000" dirty="0"/>
               <a:t>th</a:t>
             </a:r>
             <a:r>
-              <a:rPr lang="en-US" altLang="zh-CN" dirty="0"/>
-              <a:t> IETF @ Madrid</a:t>
+              <a:rPr lang="en-CA" dirty="0"/>
+              <a:t> IETF Online</a:t>
             </a:r>
           </a:p>
         </p:txBody>
@@ -13054,8 +13018,8 @@
         </p:nvSpPr>
         <p:spPr>
           <a:xfrm>
-            <a:off x="3467099" y="4844952"/>
-            <a:ext cx="2324095" cy="298548"/>
+            <a:off x="3841105" y="4844952"/>
+            <a:ext cx="1638300" cy="298548"/>
           </a:xfrm>
           <a:prstGeom prst="rect">
             <a:avLst/>
@@ -13189,20 +13153,17 @@
             </a:lvl9pPr>
           </a:lstStyle>
           <a:p>
-            <a:pPr>
-              <a:defRPr/>
-            </a:pPr>
-            <a:r>
-              <a:rPr lang="en-US" altLang="zh-CN" sz="1200" dirty="0"/>
+            <a:r>
+              <a:rPr lang="en-CA" sz="1200" dirty="0"/>
               <a:t>108</a:t>
             </a:r>
             <a:r>
-              <a:rPr lang="en-US" altLang="zh-CN" sz="1200" baseline="30000" dirty="0"/>
+              <a:rPr lang="en-CA" sz="1200" baseline="30000" dirty="0"/>
               <a:t>th</a:t>
             </a:r>
             <a:r>
-              <a:rPr lang="en-US" altLang="zh-CN" sz="1200" dirty="0"/>
-              <a:t> IETF @ Madrid</a:t>
+              <a:rPr lang="en-CA" sz="1200" dirty="0"/>
+              <a:t> IETF Online</a:t>
             </a:r>
           </a:p>
         </p:txBody>
@@ -13474,20 +13435,17 @@
           <a:bodyPr/>
           <a:lstStyle/>
           <a:p>
-            <a:pPr>
-              <a:defRPr/>
-            </a:pPr>
-            <a:r>
-              <a:rPr lang="en-US" altLang="zh-CN" dirty="0"/>
+            <a:r>
+              <a:rPr lang="en-CA" dirty="0"/>
               <a:t>108</a:t>
             </a:r>
             <a:r>
-              <a:rPr lang="en-US" altLang="zh-CN" baseline="30000" dirty="0"/>
+              <a:rPr lang="en-CA" baseline="30000" dirty="0"/>
               <a:t>th</a:t>
             </a:r>
             <a:r>
-              <a:rPr lang="en-US" altLang="zh-CN" dirty="0"/>
-              <a:t> IETF @ Madrid</a:t>
+              <a:rPr lang="en-CA" dirty="0"/>
+              <a:t> IETF Online</a:t>
             </a:r>
           </a:p>
         </p:txBody>
@@ -13939,20 +13897,17 @@
           <a:bodyPr/>
           <a:lstStyle/>
           <a:p>
-            <a:pPr>
-              <a:defRPr/>
-            </a:pPr>
-            <a:r>
-              <a:rPr lang="en-US" altLang="zh-CN" dirty="0"/>
+            <a:r>
+              <a:rPr lang="en-CA" dirty="0"/>
               <a:t>108</a:t>
             </a:r>
             <a:r>
-              <a:rPr lang="en-US" altLang="zh-CN" baseline="30000" dirty="0"/>
+              <a:rPr lang="en-CA" baseline="30000" dirty="0"/>
               <a:t>th</a:t>
             </a:r>
             <a:r>
-              <a:rPr lang="en-US" altLang="zh-CN" dirty="0"/>
-              <a:t> IETF @ Madrid</a:t>
+              <a:rPr lang="en-CA" dirty="0"/>
+              <a:t> IETF Online</a:t>
             </a:r>
           </a:p>
         </p:txBody>
@@ -14251,20 +14206,17 @@
           <a:bodyPr/>
           <a:lstStyle/>
           <a:p>
-            <a:pPr>
-              <a:defRPr/>
-            </a:pPr>
-            <a:r>
-              <a:rPr lang="en-US" altLang="zh-CN" dirty="0"/>
+            <a:r>
+              <a:rPr lang="en-CA" dirty="0"/>
               <a:t>108</a:t>
             </a:r>
             <a:r>
-              <a:rPr lang="en-US" altLang="zh-CN" baseline="30000" dirty="0"/>
+              <a:rPr lang="en-CA" baseline="30000" dirty="0"/>
               <a:t>th</a:t>
             </a:r>
             <a:r>
-              <a:rPr lang="en-US" altLang="zh-CN" dirty="0"/>
-              <a:t> IETF @ Madrid</a:t>
+              <a:rPr lang="en-CA" dirty="0"/>
+              <a:t> IETF Online</a:t>
             </a:r>
           </a:p>
         </p:txBody>
@@ -14491,20 +14443,17 @@
           <a:bodyPr/>
           <a:lstStyle/>
           <a:p>
-            <a:pPr>
-              <a:defRPr/>
-            </a:pPr>
-            <a:r>
-              <a:rPr lang="en-US" altLang="zh-CN" dirty="0"/>
+            <a:r>
+              <a:rPr lang="en-CA" dirty="0"/>
               <a:t>108</a:t>
             </a:r>
             <a:r>
-              <a:rPr lang="en-US" altLang="zh-CN" baseline="30000" dirty="0"/>
+              <a:rPr lang="en-CA" baseline="30000" dirty="0"/>
               <a:t>th</a:t>
             </a:r>
             <a:r>
-              <a:rPr lang="en-US" altLang="zh-CN" dirty="0"/>
-              <a:t> IETF @ Madrid</a:t>
+              <a:rPr lang="en-CA" dirty="0"/>
+              <a:t> IETF Online</a:t>
             </a:r>
           </a:p>
         </p:txBody>
@@ -14633,20 +14582,17 @@
           <a:bodyPr/>
           <a:lstStyle/>
           <a:p>
-            <a:pPr>
-              <a:defRPr/>
-            </a:pPr>
-            <a:r>
-              <a:rPr lang="en-US" altLang="zh-CN" dirty="0"/>
+            <a:r>
+              <a:rPr lang="en-CA" dirty="0"/>
               <a:t>108</a:t>
             </a:r>
             <a:r>
-              <a:rPr lang="en-US" altLang="zh-CN" baseline="30000" dirty="0"/>
+              <a:rPr lang="en-CA" baseline="30000" dirty="0"/>
               <a:t>th</a:t>
             </a:r>
             <a:r>
-              <a:rPr lang="en-US" altLang="zh-CN" dirty="0"/>
-              <a:t> IETF @ Madrid</a:t>
+              <a:rPr lang="en-CA" dirty="0"/>
+              <a:t> IETF Online</a:t>
             </a:r>
           </a:p>
         </p:txBody>
@@ -15831,20 +15777,17 @@
           <a:bodyPr/>
           <a:lstStyle/>
           <a:p>
-            <a:pPr>
-              <a:defRPr/>
-            </a:pPr>
-            <a:r>
-              <a:rPr lang="en-US" altLang="zh-CN" dirty="0"/>
+            <a:r>
+              <a:rPr lang="en-CA" dirty="0"/>
               <a:t>108</a:t>
             </a:r>
             <a:r>
-              <a:rPr lang="en-US" altLang="zh-CN" baseline="30000" dirty="0"/>
+              <a:rPr lang="en-CA" baseline="30000" dirty="0"/>
               <a:t>th</a:t>
             </a:r>
             <a:r>
-              <a:rPr lang="en-US" altLang="zh-CN" dirty="0"/>
-              <a:t> IETF @ Madrid</a:t>
+              <a:rPr lang="en-CA" dirty="0"/>
+              <a:t> IETF Online</a:t>
             </a:r>
           </a:p>
         </p:txBody>
@@ -16100,20 +16043,17 @@
           <a:bodyPr/>
           <a:lstStyle/>
           <a:p>
-            <a:pPr>
-              <a:defRPr/>
-            </a:pPr>
-            <a:r>
-              <a:rPr lang="en-US" altLang="zh-CN" dirty="0"/>
+            <a:r>
+              <a:rPr lang="en-CA" dirty="0"/>
               <a:t>108</a:t>
             </a:r>
             <a:r>
-              <a:rPr lang="en-US" altLang="zh-CN" baseline="30000" dirty="0"/>
+              <a:rPr lang="en-CA" baseline="30000" dirty="0"/>
               <a:t>th</a:t>
             </a:r>
             <a:r>
-              <a:rPr lang="en-US" altLang="zh-CN" dirty="0"/>
-              <a:t> IETF @ Madrid</a:t>
+              <a:rPr lang="en-CA" dirty="0"/>
+              <a:t> IETF Online</a:t>
             </a:r>
           </a:p>
         </p:txBody>
@@ -16546,20 +16486,17 @@
           <a:bodyPr/>
           <a:lstStyle/>
           <a:p>
-            <a:pPr>
-              <a:defRPr/>
-            </a:pPr>
-            <a:r>
-              <a:rPr lang="en-US" altLang="zh-CN" dirty="0"/>
+            <a:r>
+              <a:rPr lang="en-CA" dirty="0"/>
               <a:t>108</a:t>
             </a:r>
             <a:r>
-              <a:rPr lang="en-US" altLang="zh-CN" baseline="30000" dirty="0"/>
+              <a:rPr lang="en-CA" baseline="30000" dirty="0"/>
               <a:t>th</a:t>
             </a:r>
             <a:r>
-              <a:rPr lang="en-US" altLang="zh-CN" dirty="0"/>
-              <a:t> IETF @ Madrid</a:t>
+              <a:rPr lang="en-CA" dirty="0"/>
+              <a:t> IETF Online</a:t>
             </a:r>
           </a:p>
         </p:txBody>

--- a/draft-gandhi-spring-stamp-srpm-01.pptx
+++ b/draft-gandhi-spring-stamp-srpm-01.pptx
@@ -264,7 +264,7 @@
           <a:p>
             <a:fld id="{E8FA3DB5-7722-3F4F-947D-12B203669AD7}" type="datetimeFigureOut">
               <a:rPr lang="en-US" smtClean="0"/>
-              <a:t>7/6/20</a:t>
+              <a:t>7/16/20</a:t>
             </a:fld>
             <a:endParaRPr lang="en-US"/>
           </a:p>
@@ -2747,7 +2747,7 @@
               </a14:hiddenLine>
             </a:ext>
             <a:ext uri="{FAA26D3D-D897-4be2-8F04-BA451C77F1D7}">
-              <ma14:placeholderFlag xmlns:ma14="http://schemas.microsoft.com/office/mac/drawingml/2011/main" xmlns="" val="1"/>
+              <ma14:placeholderFlag xmlns="" xmlns:ma14="http://schemas.microsoft.com/office/mac/drawingml/2011/main" val="1"/>
             </a:ext>
           </a:extLst>
         </p:spPr>
@@ -9381,8 +9381,8 @@
         </p:nvSpPr>
         <p:spPr>
           <a:xfrm>
-            <a:off x="685800" y="766665"/>
-            <a:ext cx="8001000" cy="659568"/>
+            <a:off x="533400" y="766664"/>
+            <a:ext cx="8153400" cy="923769"/>
           </a:xfrm>
         </p:spPr>
         <p:txBody>
@@ -9390,31 +9390,37 @@
           <a:lstStyle/>
           <a:p>
             <a:r>
-              <a:rPr lang="en-US" sz="1800" dirty="0"/>
+              <a:rPr lang="en-US" sz="1600" dirty="0"/>
               <a:t>User-configured destination UDP </a:t>
             </a:r>
             <a:r>
-              <a:rPr lang="en-US" sz="1800" b="1" dirty="0"/>
+              <a:rPr lang="en-US" sz="1600" b="1" dirty="0"/>
               <a:t>port1</a:t>
             </a:r>
             <a:r>
-              <a:rPr lang="en-US" sz="1800" dirty="0"/>
+              <a:rPr lang="en-US" sz="1600" dirty="0"/>
               <a:t> is used for DM probe messages and </a:t>
             </a:r>
             <a:r>
-              <a:rPr lang="en-US" sz="1800" b="1" dirty="0"/>
+              <a:rPr lang="en-US" sz="1600" b="1" dirty="0"/>
               <a:t>port2</a:t>
             </a:r>
             <a:r>
-              <a:rPr lang="en-US" sz="1800" dirty="0"/>
+              <a:rPr lang="en-US" sz="1600" dirty="0"/>
               <a:t> is used for LM probe messages (unauthenticated mode).</a:t>
+            </a:r>
+          </a:p>
+          <a:p>
+            <a:r>
+              <a:rPr lang="en-US" sz="1600" dirty="0"/>
+              <a:t>Applicable to physical, virtual, LAG and LAG member links</a:t>
             </a:r>
           </a:p>
           <a:p>
             <a:pPr marL="0" indent="0">
               <a:buNone/>
             </a:pPr>
-            <a:endParaRPr lang="en-US" sz="1800" dirty="0"/>
+            <a:endParaRPr lang="en-US" sz="1600" dirty="0"/>
           </a:p>
         </p:txBody>
       </p:sp>
@@ -9426,7 +9432,7 @@
         </p:nvSpPr>
         <p:spPr>
           <a:xfrm>
-            <a:off x="1971675" y="1572719"/>
+            <a:off x="1971675" y="1807212"/>
             <a:ext cx="5200650" cy="2862322"/>
           </a:xfrm>
           <a:prstGeom prst="rect">
@@ -9690,7 +9696,7 @@
               <a:rPr lang="en-CA" sz="1000" dirty="0">
                 <a:latin typeface="Courier" pitchFamily="2" charset="0"/>
               </a:rPr>
-              <a:t>LM Message as specified in Figure 7 or 8            </a:t>
+              <a:t>LM Message as specified in this document            </a:t>
             </a:r>
             <a:r>
               <a:rPr lang="en-US" sz="1000" dirty="0">
@@ -10258,15 +10264,15 @@
             </a:pPr>
             <a:r>
               <a:rPr lang="en-US" sz="1600" dirty="0"/>
-              <a:t>For </a:t>
+              <a:t>For performance delay/loss measurement of </a:t>
             </a:r>
             <a:r>
               <a:rPr lang="en-US" sz="1600" b="1" dirty="0"/>
-              <a:t>end-to-end </a:t>
+              <a:t>end-to-end</a:t>
             </a:r>
             <a:r>
               <a:rPr lang="en-US" sz="1600" dirty="0"/>
-              <a:t>performance delay/loss measurement of SR Policy, the probe query message is sent on the SR Policy with:</a:t>
+              <a:t> SR Path including SR Policy, the probe query message is sent on the SR Policy with:</a:t>
             </a:r>
           </a:p>
           <a:p>
@@ -10812,8 +10818,8 @@
         </p:nvSpPr>
         <p:spPr>
           <a:xfrm>
-            <a:off x="381000" y="742950"/>
-            <a:ext cx="8534400" cy="1143000"/>
+            <a:off x="228600" y="749499"/>
+            <a:ext cx="8686800" cy="1143000"/>
           </a:xfrm>
         </p:spPr>
         <p:txBody>
@@ -10882,8 +10888,8 @@
         </p:nvSpPr>
         <p:spPr>
           <a:xfrm>
-            <a:off x="1676400" y="1923990"/>
-            <a:ext cx="5562600" cy="2862322"/>
+            <a:off x="1828800" y="1857048"/>
+            <a:ext cx="5257800" cy="2862322"/>
           </a:xfrm>
           <a:prstGeom prst="rect">
             <a:avLst/>
@@ -10906,7 +10912,7 @@
                 <a:latin typeface="Courier" pitchFamily="2" charset="0"/>
                 <a:cs typeface="Courier New" panose="02070309020205020404" pitchFamily="49" charset="0"/>
               </a:rPr>
-              <a:t>    +---------------------------------------------------------------+</a:t>
+              <a:t>+---------------------------------------------------------------+</a:t>
             </a:r>
           </a:p>
           <a:p>
@@ -10915,7 +10921,7 @@
                 <a:latin typeface="Courier" pitchFamily="2" charset="0"/>
                 <a:cs typeface="Courier New" panose="02070309020205020404" pitchFamily="49" charset="0"/>
               </a:rPr>
-              <a:t>    | IP Header                                                     |</a:t>
+              <a:t>| IP Header                                                     |</a:t>
             </a:r>
           </a:p>
           <a:p>
@@ -10924,7 +10930,7 @@
                 <a:latin typeface="Courier" pitchFamily="2" charset="0"/>
                 <a:cs typeface="Courier New" panose="02070309020205020404" pitchFamily="49" charset="0"/>
               </a:rPr>
-              <a:t>    .  Source IP Address = Reflector IPv4 or IPv6 Address           .</a:t>
+              <a:t>.  Source IP Address = Reflector IPv4 or IPv6 Address           .</a:t>
             </a:r>
           </a:p>
           <a:p>
@@ -10933,7 +10939,7 @@
                 <a:latin typeface="Courier" pitchFamily="2" charset="0"/>
                 <a:cs typeface="Courier New" panose="02070309020205020404" pitchFamily="49" charset="0"/>
               </a:rPr>
-              <a:t>    .  Destination IP Address = Source IP Address from Query        .</a:t>
+              <a:t>.  Destination IP Address = Source IP Address from Query        .</a:t>
             </a:r>
           </a:p>
           <a:p>
@@ -10942,7 +10948,7 @@
                 <a:latin typeface="Courier" pitchFamily="2" charset="0"/>
                 <a:cs typeface="Courier New" panose="02070309020205020404" pitchFamily="49" charset="0"/>
               </a:rPr>
-              <a:t>    .  Protocol = UDP                                               .</a:t>
+              <a:t>.  Protocol = UDP                                               .</a:t>
             </a:r>
           </a:p>
           <a:p>
@@ -10951,7 +10957,7 @@
                 <a:latin typeface="Courier" pitchFamily="2" charset="0"/>
                 <a:cs typeface="Courier New" panose="02070309020205020404" pitchFamily="49" charset="0"/>
               </a:rPr>
-              <a:t>    .                                                               .</a:t>
+              <a:t>.                                                               .</a:t>
             </a:r>
           </a:p>
           <a:p>
@@ -10960,7 +10966,7 @@
                 <a:latin typeface="Courier" pitchFamily="2" charset="0"/>
                 <a:cs typeface="Courier New" panose="02070309020205020404" pitchFamily="49" charset="0"/>
               </a:rPr>
-              <a:t>    +---------------------------------------------------------------+</a:t>
+              <a:t>+---------------------------------------------------------------+</a:t>
             </a:r>
           </a:p>
           <a:p>
@@ -10969,7 +10975,7 @@
                 <a:latin typeface="Courier" pitchFamily="2" charset="0"/>
                 <a:cs typeface="Courier New" panose="02070309020205020404" pitchFamily="49" charset="0"/>
               </a:rPr>
-              <a:t>    | UDP Header                                                    |</a:t>
+              <a:t>| UDP Header                                                    |</a:t>
             </a:r>
           </a:p>
           <a:p>
@@ -10978,7 +10984,7 @@
                 <a:latin typeface="Courier" pitchFamily="2" charset="0"/>
                 <a:cs typeface="Courier New" panose="02070309020205020404" pitchFamily="49" charset="0"/>
               </a:rPr>
-              <a:t>    .  Source Port = As chosen by Reflector                         .</a:t>
+              <a:t>.  Source Port = As chosen by Reflector                         .</a:t>
             </a:r>
           </a:p>
           <a:p>
@@ -10987,7 +10993,7 @@
                 <a:latin typeface="Courier" pitchFamily="2" charset="0"/>
                 <a:cs typeface="Courier New" panose="02070309020205020404" pitchFamily="49" charset="0"/>
               </a:rPr>
-              <a:t>    .  Destination Port = Source Port from Query                    .</a:t>
+              <a:t>.  Destination Port = Source Port from Query                    .</a:t>
             </a:r>
           </a:p>
           <a:p>
@@ -10996,7 +11002,7 @@
                 <a:latin typeface="Courier" pitchFamily="2" charset="0"/>
                 <a:cs typeface="Courier New" panose="02070309020205020404" pitchFamily="49" charset="0"/>
               </a:rPr>
-              <a:t>    .                                                               .</a:t>
+              <a:t>.                                                               .</a:t>
             </a:r>
           </a:p>
           <a:p>
@@ -11005,7 +11011,7 @@
                 <a:latin typeface="Courier" pitchFamily="2" charset="0"/>
                 <a:cs typeface="Courier New" panose="02070309020205020404" pitchFamily="49" charset="0"/>
               </a:rPr>
-              <a:t>    +---------------------------------------------------------------+</a:t>
+              <a:t>+---------------------------------------------------------------+</a:t>
             </a:r>
           </a:p>
           <a:p>
@@ -11014,7 +11020,7 @@
                 <a:latin typeface="Courier" pitchFamily="2" charset="0"/>
                 <a:cs typeface="Courier New" panose="02070309020205020404" pitchFamily="49" charset="0"/>
               </a:rPr>
-              <a:t>    | Payload = DM Response Message |                               |</a:t>
+              <a:t>| Payload = DM Response Message |                               |</a:t>
             </a:r>
           </a:p>
           <a:p>
@@ -11023,7 +11029,7 @@
                 <a:latin typeface="Courier" pitchFamily="2" charset="0"/>
                 <a:cs typeface="Courier New" panose="02070309020205020404" pitchFamily="49" charset="0"/>
               </a:rPr>
-              <a:t>    . Payload = LM Response Message                                 .</a:t>
+              <a:t>. Payload = LM Response Message                                 .</a:t>
             </a:r>
           </a:p>
           <a:p>
@@ -11032,7 +11038,7 @@
                 <a:latin typeface="Courier" pitchFamily="2" charset="0"/>
                 <a:cs typeface="Courier New" panose="02070309020205020404" pitchFamily="49" charset="0"/>
               </a:rPr>
-              <a:t>    .                                                               .</a:t>
+              <a:t>.                                                               .</a:t>
             </a:r>
           </a:p>
           <a:p>
@@ -11041,7 +11047,7 @@
                 <a:latin typeface="Courier" pitchFamily="2" charset="0"/>
                 <a:cs typeface="Courier New" panose="02070309020205020404" pitchFamily="49" charset="0"/>
               </a:rPr>
-              <a:t>    +---------------------------------------------------------------+</a:t>
+              <a:t>+---------------------------------------------------------------+</a:t>
             </a:r>
           </a:p>
           <a:p>
@@ -11059,7 +11065,7 @@
                 <a:latin typeface="Courier" pitchFamily="2" charset="0"/>
                 <a:cs typeface="Courier New" panose="02070309020205020404" pitchFamily="49" charset="0"/>
               </a:rPr>
-              <a:t>                       Figure: Probe Response Message</a:t>
+              <a:t>                      Figure: Probe Response Message</a:t>
             </a:r>
             <a:endParaRPr lang="en-US" sz="1000" dirty="0">
               <a:latin typeface="Courier" pitchFamily="2" charset="0"/>
@@ -13780,6 +13786,16 @@
             </a:r>
           </a:p>
           <a:p>
+            <a:pPr lvl="3">
+              <a:buFont typeface="Wingdings" pitchFamily="2" charset="2"/>
+              <a:buChar char="ü"/>
+            </a:pPr>
+            <a:r>
+              <a:rPr lang="en-US" sz="1600" dirty="0"/>
+              <a:t>Links include physical, virtual, LAG (bundles) and LAG member links</a:t>
+            </a:r>
+          </a:p>
+          <a:p>
             <a:pPr lvl="2">
               <a:buFont typeface="Wingdings" charset="2"/>
               <a:buChar char="ü"/>
@@ -14117,7 +14133,7 @@
           <a:p>
             <a:pPr lvl="1"/>
             <a:r>
-              <a:rPr lang="en-US" sz="1200" b="1" dirty="0"/>
+              <a:rPr lang="en-US" sz="1200" dirty="0"/>
               <a:t>SPRING Chairs announced in the meeting the agreement with IPPM chairs to progress the draft in SPRING WG</a:t>
             </a:r>
           </a:p>
@@ -14418,7 +14434,7 @@
             </a:pPr>
             <a:r>
               <a:rPr lang="en-US" sz="1600" dirty="0"/>
-              <a:t>None</a:t>
+              <a:t>Align with the latest STAMP TLV draft.</a:t>
             </a:r>
           </a:p>
         </p:txBody>

--- a/draft-gandhi-spring-stamp-srpm-01.pptx
+++ b/draft-gandhi-spring-stamp-srpm-01.pptx
@@ -264,7 +264,7 @@
           <a:p>
             <a:fld id="{E8FA3DB5-7722-3F4F-947D-12B203669AD7}" type="datetimeFigureOut">
               <a:rPr lang="en-US" smtClean="0"/>
-              <a:t>7/16/20</a:t>
+              <a:t>7/21/20</a:t>
             </a:fld>
             <a:endParaRPr lang="en-US"/>
           </a:p>
@@ -2747,7 +2747,7 @@
               </a14:hiddenLine>
             </a:ext>
             <a:ext uri="{FAA26D3D-D897-4be2-8F04-BA451C77F1D7}">
-              <ma14:placeholderFlag xmlns="" xmlns:ma14="http://schemas.microsoft.com/office/mac/drawingml/2011/main" val="1"/>
+              <ma14:placeholderFlag xmlns:ma14="http://schemas.microsoft.com/office/mac/drawingml/2011/main" xmlns="" val="1"/>
             </a:ext>
           </a:extLst>
         </p:spPr>
@@ -5464,7 +5464,7 @@
             </a:r>
             <a:r>
               <a:rPr lang="en-US" sz="1800" dirty="0"/>
-              <a:t>previously </a:t>
+              <a:t>previously part of </a:t>
             </a:r>
             <a:r>
               <a:rPr lang="en-US" sz="1800" i="1" dirty="0"/>
@@ -10272,7 +10272,7 @@
             </a:r>
             <a:r>
               <a:rPr lang="en-US" sz="1600" dirty="0"/>
-              <a:t> SR Path including SR Policy, the probe query message is sent on the SR Policy with:</a:t>
+              <a:t> SR Policy, the probe query message is sent on the SR Policy with:</a:t>
             </a:r>
           </a:p>
           <a:p>

--- a/draft-gandhi-spring-stamp-srpm-01.pptx
+++ b/draft-gandhi-spring-stamp-srpm-01.pptx
@@ -264,7 +264,7 @@
           <a:p>
             <a:fld id="{E8FA3DB5-7722-3F4F-947D-12B203669AD7}" type="datetimeFigureOut">
               <a:rPr lang="en-US" smtClean="0"/>
-              <a:t>7/21/20</a:t>
+              <a:t>7/24/20</a:t>
             </a:fld>
             <a:endParaRPr lang="en-US"/>
           </a:p>
@@ -2747,7 +2747,7 @@
               </a14:hiddenLine>
             </a:ext>
             <a:ext uri="{FAA26D3D-D897-4be2-8F04-BA451C77F1D7}">
-              <ma14:placeholderFlag xmlns:ma14="http://schemas.microsoft.com/office/mac/drawingml/2011/main" xmlns="" val="1"/>
+              <ma14:placeholderFlag xmlns="" xmlns:ma14="http://schemas.microsoft.com/office/mac/drawingml/2011/main" val="1"/>
             </a:ext>
           </a:extLst>
         </p:spPr>
@@ -11472,6 +11472,36 @@
           </a:p>
         </p:txBody>
       </p:sp>
+      <p:pic>
+        <p:nvPicPr>
+          <p:cNvPr id="2" name="Picture 1">
+            <a:extLst>
+              <a:ext uri="{FF2B5EF4-FFF2-40B4-BE49-F238E27FC236}">
+                <a16:creationId xmlns:a16="http://schemas.microsoft.com/office/drawing/2014/main" id="{A03D55E0-FF2D-C744-B69A-17D68B77E926}"/>
+              </a:ext>
+            </a:extLst>
+          </p:cNvPr>
+          <p:cNvPicPr>
+            <a:picLocks noChangeAspect="1"/>
+          </p:cNvPicPr>
+          <p:nvPr/>
+        </p:nvPicPr>
+        <p:blipFill>
+          <a:blip r:embed="rId3"/>
+          <a:stretch>
+            <a:fillRect/>
+          </a:stretch>
+        </p:blipFill>
+        <p:spPr>
+          <a:xfrm>
+            <a:off x="0" y="0"/>
+            <a:ext cx="9144000" cy="5143500"/>
+          </a:xfrm>
+          <a:prstGeom prst="rect">
+            <a:avLst/>
+          </a:prstGeom>
+        </p:spPr>
+      </p:pic>
     </p:spTree>
     <p:extLst>
       <p:ext uri="{BB962C8B-B14F-4D97-AF65-F5344CB8AC3E}">

--- a/draft-gandhi-spring-stamp-srpm-01.pptx
+++ b/draft-gandhi-spring-stamp-srpm-01.pptx
@@ -264,7 +264,7 @@
           <a:p>
             <a:fld id="{E8FA3DB5-7722-3F4F-947D-12B203669AD7}" type="datetimeFigureOut">
               <a:rPr lang="en-US" smtClean="0"/>
-              <a:t>7/24/20</a:t>
+              <a:t>7/25/20</a:t>
             </a:fld>
             <a:endParaRPr lang="en-US"/>
           </a:p>
@@ -2747,7 +2747,7 @@
               </a14:hiddenLine>
             </a:ext>
             <a:ext uri="{FAA26D3D-D897-4be2-8F04-BA451C77F1D7}">
-              <ma14:placeholderFlag xmlns="" xmlns:ma14="http://schemas.microsoft.com/office/mac/drawingml/2011/main" val="1"/>
+              <ma14:placeholderFlag xmlns:ma14="http://schemas.microsoft.com/office/mac/drawingml/2011/main" xmlns="" val="1"/>
             </a:ext>
           </a:extLst>
         </p:spPr>
@@ -8448,7 +8448,7 @@
           <a:p>
             <a:r>
               <a:rPr lang="en-US" sz="2400" dirty="0"/>
-              <a:t>In </a:t>
+              <a:t>Request SPRING </a:t>
             </a:r>
             <a:r>
               <a:rPr lang="en-US" sz="2400" dirty="0">
@@ -8456,7 +8456,7 @@
                 <a:ea typeface="Calibri" charset="0"/>
                 <a:cs typeface="Calibri" charset="0"/>
               </a:rPr>
-              <a:t>WG adoption (SPRING WG) queue</a:t>
+              <a:t>WG adoption</a:t>
             </a:r>
           </a:p>
           <a:p>
@@ -14861,7 +14861,7 @@
         </p:nvSpPr>
         <p:spPr bwMode="auto">
           <a:xfrm>
-            <a:off x="3681950" y="989043"/>
+            <a:off x="3657600" y="989043"/>
             <a:ext cx="5214523" cy="3123932"/>
           </a:xfrm>
           <a:prstGeom prst="rect">

--- a/draft-gandhi-spring-stamp-srpm-01.pptx
+++ b/draft-gandhi-spring-stamp-srpm-01.pptx
@@ -264,7 +264,7 @@
           <a:p>
             <a:fld id="{E8FA3DB5-7722-3F4F-947D-12B203669AD7}" type="datetimeFigureOut">
               <a:rPr lang="en-US" smtClean="0"/>
-              <a:t>7/25/20</a:t>
+              <a:t>7/31/20</a:t>
             </a:fld>
             <a:endParaRPr lang="en-US"/>
           </a:p>
@@ -9202,7 +9202,13 @@
               <a:rPr lang="en-CA" sz="1200" dirty="0">
                 <a:latin typeface="Courier" pitchFamily="2" charset="0"/>
               </a:rPr>
-              <a:t>  Delay Measurement Mode    /              \ </a:t>
+              <a:t>  Delay Measurement Mode    /              \   </a:t>
+            </a:r>
+            <a:r>
+              <a:rPr lang="en-CA" sz="1200" b="1" dirty="0">
+                <a:latin typeface="Courier" pitchFamily="2" charset="0"/>
+              </a:rPr>
+              <a:t>Session ID - Wildcard</a:t>
             </a:r>
           </a:p>
           <a:p>
@@ -9381,8 +9387,8 @@
         </p:nvSpPr>
         <p:spPr>
           <a:xfrm>
-            <a:off x="533400" y="766664"/>
-            <a:ext cx="8153400" cy="923769"/>
+            <a:off x="381000" y="766665"/>
+            <a:ext cx="8305800" cy="923769"/>
           </a:xfrm>
         </p:spPr>
         <p:txBody>
@@ -9413,7 +9419,7 @@
           <a:p>
             <a:r>
               <a:rPr lang="en-US" sz="1600" dirty="0"/>
-              <a:t>Applicable to physical, virtual, LAG and LAG member links</a:t>
+              <a:t>Applicable to physical, virtual, LAG and LAG member links – probe messages pre-routed over the links</a:t>
             </a:r>
           </a:p>
           <a:p>
@@ -10087,8 +10093,8 @@
         </p:nvSpPr>
         <p:spPr bwMode="auto">
           <a:xfrm>
-            <a:off x="228600" y="1428750"/>
-            <a:ext cx="3962400" cy="2641926"/>
+            <a:off x="228600" y="1428749"/>
+            <a:ext cx="3962400" cy="3208571"/>
           </a:xfrm>
           <a:prstGeom prst="rect">
             <a:avLst/>
@@ -10302,6 +10308,45 @@
               <a:rPr lang="en-US" sz="1600" dirty="0"/>
               <a:t>] with Segment List of SRv6 Policy</a:t>
             </a:r>
+          </a:p>
+          <a:p>
+            <a:pPr>
+              <a:buFont typeface="+mj-lt"/>
+              <a:buAutoNum type="arabicPeriod"/>
+            </a:pPr>
+            <a:endParaRPr lang="en-US" sz="1600" dirty="0"/>
+          </a:p>
+          <a:p>
+            <a:pPr marL="0" indent="0">
+              <a:buNone/>
+            </a:pPr>
+            <a:r>
+              <a:rPr lang="en-US" sz="1600" dirty="0"/>
+              <a:t>User-configured destination UDP </a:t>
+            </a:r>
+            <a:r>
+              <a:rPr lang="en-US" sz="1600" b="1" dirty="0"/>
+              <a:t>port1</a:t>
+            </a:r>
+            <a:r>
+              <a:rPr lang="en-US" sz="1600" dirty="0"/>
+              <a:t> is used for DM probe messages and </a:t>
+            </a:r>
+            <a:r>
+              <a:rPr lang="en-US" sz="1600" b="1" dirty="0"/>
+              <a:t>port2</a:t>
+            </a:r>
+            <a:r>
+              <a:rPr lang="en-US" sz="1600" dirty="0"/>
+              <a:t> is used for LM probe messages (unauthenticated mode).</a:t>
+            </a:r>
+          </a:p>
+          <a:p>
+            <a:pPr>
+              <a:buFont typeface="+mj-lt"/>
+              <a:buAutoNum type="arabicPeriod"/>
+            </a:pPr>
+            <a:endParaRPr lang="en-US" sz="1600" dirty="0"/>
           </a:p>
         </p:txBody>
       </p:sp>
@@ -11758,7 +11803,7 @@
                 <a:latin typeface="Calibri Light" panose="020F0302020204030204" pitchFamily="34" charset="0"/>
                 <a:cs typeface="Calibri Light" panose="020F0302020204030204" pitchFamily="34" charset="0"/>
               </a:rPr>
-              <a:t>(DM+LM Combined Probe Message)</a:t>
+              <a:t>(Combined DM+LM Probe Message)</a:t>
             </a:r>
           </a:p>
         </p:txBody>
@@ -13779,8 +13824,8 @@
         </p:nvSpPr>
         <p:spPr>
           <a:xfrm>
-            <a:off x="685800" y="890891"/>
-            <a:ext cx="7772400" cy="3238500"/>
+            <a:off x="685800" y="895350"/>
+            <a:ext cx="7772400" cy="3585859"/>
           </a:xfrm>
         </p:spPr>
         <p:txBody>
@@ -13791,7 +13836,7 @@
               <a:buNone/>
             </a:pPr>
             <a:r>
-              <a:rPr lang="en-US" sz="1600" dirty="0"/>
+              <a:rPr lang="en-US" sz="1400" dirty="0"/>
               <a:t>Requirements:</a:t>
             </a:r>
           </a:p>
@@ -13801,7 +13846,7 @@
               <a:buChar char="§"/>
             </a:pPr>
             <a:r>
-              <a:rPr lang="en-US" sz="1600" dirty="0"/>
+              <a:rPr lang="en-US" sz="1400" dirty="0"/>
               <a:t>Delay and Loss Performance Measurement (PM) </a:t>
             </a:r>
           </a:p>
@@ -13811,7 +13856,7 @@
               <a:buChar char="ü"/>
             </a:pPr>
             <a:r>
-              <a:rPr lang="en-US" sz="1600" dirty="0"/>
+              <a:rPr lang="en-US" sz="1400" dirty="0"/>
               <a:t>Links and End-to-end P2P/P2MP SR Paths</a:t>
             </a:r>
           </a:p>
@@ -13821,7 +13866,7 @@
               <a:buChar char="ü"/>
             </a:pPr>
             <a:r>
-              <a:rPr lang="en-US" sz="1600" dirty="0"/>
+              <a:rPr lang="en-US" sz="1400" dirty="0"/>
               <a:t>Links include physical, virtual, LAG (bundles) and LAG member links</a:t>
             </a:r>
           </a:p>
@@ -13831,7 +13876,7 @@
               <a:buChar char="ü"/>
             </a:pPr>
             <a:r>
-              <a:rPr lang="en-US" sz="1600" dirty="0"/>
+              <a:rPr lang="en-US" sz="1400" dirty="0"/>
               <a:t>Applicable to SR-MPLS/SRv6 data planes</a:t>
             </a:r>
           </a:p>
@@ -13841,8 +13886,36 @@
               <a:buChar char="§"/>
             </a:pPr>
             <a:r>
-              <a:rPr lang="en-US" sz="1600" dirty="0"/>
-              <a:t>Handle ECMP for SR Paths</a:t>
+              <a:rPr lang="en-US" sz="1400" dirty="0"/>
+              <a:t>No need to signal to bootstrap PM session - spirit of SR</a:t>
+            </a:r>
+          </a:p>
+          <a:p>
+            <a:pPr lvl="2">
+              <a:buFont typeface="Wingdings" charset="2"/>
+              <a:buChar char="ü"/>
+            </a:pPr>
+            <a:r>
+              <a:rPr lang="en-US" sz="1400" dirty="0"/>
+              <a:t>Stateless on egress node - spirit of SR </a:t>
+            </a:r>
+          </a:p>
+          <a:p>
+            <a:pPr lvl="2">
+              <a:buFont typeface="Wingdings" charset="2"/>
+              <a:buChar char="ü"/>
+            </a:pPr>
+            <a:r>
+              <a:rPr lang="en-US" sz="1400" dirty="0"/>
+              <a:t>State is </a:t>
+            </a:r>
+            <a:r>
+              <a:rPr lang="en-US" sz="1400"/>
+              <a:t>in the probe </a:t>
+            </a:r>
+            <a:r>
+              <a:rPr lang="en-US" sz="1400" dirty="0"/>
+              <a:t>message</a:t>
             </a:r>
           </a:p>
           <a:p>
@@ -13851,7 +13924,17 @@
               <a:buChar char="§"/>
             </a:pPr>
             <a:r>
-              <a:rPr lang="en-US" sz="1600" dirty="0"/>
+              <a:rPr lang="en-US" sz="1400" dirty="0"/>
+              <a:t>Handle ECMP for SR Paths</a:t>
+            </a:r>
+          </a:p>
+          <a:p>
+            <a:pPr lvl="1">
+              <a:buFont typeface="Wingdings" charset="2"/>
+              <a:buChar char="§"/>
+            </a:pPr>
+            <a:r>
+              <a:rPr lang="en-US" sz="1400" dirty="0"/>
               <a:t>Support stand-alone direct-mode loss measurement</a:t>
             </a:r>
           </a:p>
@@ -13860,7 +13943,7 @@
               <a:buNone/>
             </a:pPr>
             <a:r>
-              <a:rPr lang="en-US" sz="1600" dirty="0"/>
+              <a:rPr lang="en-US" sz="1400" dirty="0"/>
               <a:t>Scope:</a:t>
             </a:r>
           </a:p>
@@ -13870,15 +13953,15 @@
               <a:buChar char="§"/>
             </a:pPr>
             <a:r>
-              <a:rPr lang="en-US" sz="1600" dirty="0"/>
+              <a:rPr lang="en-US" sz="1400" dirty="0"/>
               <a:t>STAMP [</a:t>
             </a:r>
             <a:r>
-              <a:rPr lang="en-CA" sz="1600" dirty="0"/>
+              <a:rPr lang="en-CA" sz="1400" dirty="0"/>
               <a:t>RFC 8762</a:t>
             </a:r>
             <a:r>
-              <a:rPr lang="en-US" sz="1600" dirty="0"/>
+              <a:rPr lang="en-US" sz="1400" dirty="0"/>
               <a:t>]</a:t>
             </a:r>
           </a:p>
@@ -13888,38 +13971,38 @@
               <a:buChar char="§"/>
             </a:pPr>
             <a:r>
-              <a:rPr lang="en-US" sz="1600" dirty="0"/>
+              <a:rPr lang="en-US" sz="1400" dirty="0"/>
               <a:t>STAMP TLVs [</a:t>
             </a:r>
             <a:r>
-              <a:rPr lang="en-CA" sz="1600" dirty="0"/>
+              <a:rPr lang="en-CA" sz="1400" dirty="0"/>
               <a:t>draft-</a:t>
             </a:r>
             <a:r>
-              <a:rPr lang="en-CA" sz="1600" dirty="0" err="1"/>
+              <a:rPr lang="en-CA" sz="1400" dirty="0" err="1"/>
               <a:t>ietf</a:t>
             </a:r>
             <a:r>
-              <a:rPr lang="en-CA" sz="1600" dirty="0"/>
+              <a:rPr lang="en-CA" sz="1400" dirty="0"/>
               <a:t>-</a:t>
             </a:r>
             <a:r>
-              <a:rPr lang="en-CA" sz="1600" dirty="0" err="1"/>
+              <a:rPr lang="en-CA" sz="1400" dirty="0" err="1"/>
               <a:t>ippm</a:t>
             </a:r>
             <a:r>
-              <a:rPr lang="en-CA" sz="1600" dirty="0"/>
+              <a:rPr lang="en-CA" sz="1400" dirty="0"/>
               <a:t>-stamp-option-</a:t>
             </a:r>
             <a:r>
-              <a:rPr lang="en-CA" sz="1600" dirty="0" err="1"/>
+              <a:rPr lang="en-CA" sz="1400" dirty="0" err="1"/>
               <a:t>tlv</a:t>
             </a:r>
             <a:r>
-              <a:rPr lang="en-CA" sz="1600" dirty="0"/>
+              <a:rPr lang="en-CA" sz="1400" dirty="0"/>
               <a:t>]</a:t>
             </a:r>
-            <a:endParaRPr lang="en-US" sz="1600" dirty="0"/>
+            <a:endParaRPr lang="en-US" sz="1400" dirty="0"/>
           </a:p>
         </p:txBody>
       </p:sp>
@@ -14071,164 +14154,185 @@
           <a:lstStyle/>
           <a:p>
             <a:r>
-              <a:rPr lang="en-US" sz="1200" dirty="0"/>
+              <a:rPr lang="en-US" sz="1100" dirty="0"/>
               <a:t>Feb 2019</a:t>
             </a:r>
           </a:p>
           <a:p>
             <a:pPr lvl="1"/>
             <a:r>
-              <a:rPr lang="en-US" sz="1200" dirty="0"/>
+              <a:rPr lang="en-US" sz="1100" dirty="0"/>
               <a:t>Draft was published - </a:t>
             </a:r>
             <a:r>
-              <a:rPr lang="en-US" sz="1200" i="1" dirty="0"/>
+              <a:rPr lang="en-US" sz="1100" i="1" dirty="0"/>
               <a:t>draft-gandhi-spring-twamp-srpm-00</a:t>
             </a:r>
-            <a:endParaRPr lang="en-US" sz="1200" dirty="0"/>
-          </a:p>
-          <a:p>
-            <a:r>
-              <a:rPr lang="en-US" sz="1200" dirty="0"/>
+            <a:endParaRPr lang="en-US" sz="1100" dirty="0"/>
+          </a:p>
+          <a:p>
+            <a:r>
+              <a:rPr lang="en-US" sz="1100" dirty="0"/>
               <a:t>Mar 2019</a:t>
             </a:r>
           </a:p>
           <a:p>
             <a:pPr lvl="1"/>
             <a:r>
-              <a:rPr lang="en-US" sz="1200" dirty="0"/>
+              <a:rPr lang="en-US" sz="1100" dirty="0"/>
               <a:t>Presented </a:t>
             </a:r>
             <a:r>
-              <a:rPr lang="en-US" sz="1200" i="1" dirty="0"/>
+              <a:rPr lang="en-US" sz="1100" i="1" dirty="0"/>
               <a:t>draft-gandhi-spring-twamp-srpm-00</a:t>
             </a:r>
             <a:r>
-              <a:rPr lang="en-US" sz="1200" dirty="0"/>
+              <a:rPr lang="en-US" sz="1100" dirty="0"/>
               <a:t> at IETF 104 Prague in SPRING WG</a:t>
             </a:r>
           </a:p>
           <a:p>
             <a:r>
-              <a:rPr lang="en-US" sz="1200" dirty="0"/>
+              <a:rPr lang="en-US" sz="1100" dirty="0"/>
               <a:t>May 2019</a:t>
             </a:r>
           </a:p>
           <a:p>
             <a:pPr lvl="1"/>
             <a:r>
-              <a:rPr lang="en-US" sz="1200" dirty="0"/>
+              <a:rPr lang="en-US" sz="1100" dirty="0"/>
               <a:t>Added STAMP TLV for Return Path </a:t>
             </a:r>
           </a:p>
           <a:p>
             <a:r>
-              <a:rPr lang="en-US" sz="1200" dirty="0"/>
+              <a:rPr lang="en-US" sz="1100" dirty="0"/>
               <a:t>July 2019</a:t>
             </a:r>
           </a:p>
           <a:p>
             <a:pPr lvl="1"/>
             <a:r>
-              <a:rPr lang="en-US" sz="1200" dirty="0"/>
+              <a:rPr lang="en-US" sz="1100" dirty="0"/>
               <a:t>Presented </a:t>
             </a:r>
             <a:r>
-              <a:rPr lang="en-US" sz="1200" i="1" dirty="0"/>
+              <a:rPr lang="en-US" sz="1100" i="1" dirty="0"/>
               <a:t>draft-gandhi-spring-twamp-srpm-01</a:t>
             </a:r>
             <a:r>
-              <a:rPr lang="en-US" sz="1200" dirty="0"/>
+              <a:rPr lang="en-US" sz="1100" dirty="0"/>
               <a:t> at IETF 105 Montreal in IPPM WG</a:t>
             </a:r>
           </a:p>
           <a:p>
             <a:pPr lvl="2"/>
             <a:r>
-              <a:rPr lang="en-US" sz="1200" dirty="0"/>
+              <a:rPr lang="en-US" sz="1100" dirty="0"/>
               <a:t>Slide 9 Titled - </a:t>
             </a:r>
             <a:r>
-              <a:rPr lang="en-CA" sz="1200" dirty="0"/>
+              <a:rPr lang="en-CA" sz="1100" dirty="0"/>
               <a:t>Applicability of STAMP</a:t>
             </a:r>
-            <a:endParaRPr lang="en-US" sz="1200" dirty="0"/>
-          </a:p>
-          <a:p>
-            <a:r>
-              <a:rPr lang="en-US" sz="1200" dirty="0"/>
+            <a:endParaRPr lang="en-US" sz="1100" dirty="0"/>
+          </a:p>
+          <a:p>
+            <a:r>
+              <a:rPr lang="en-US" sz="1100" dirty="0"/>
               <a:t>Nov 2019</a:t>
             </a:r>
           </a:p>
           <a:p>
             <a:pPr lvl="1"/>
             <a:r>
-              <a:rPr lang="en-US" sz="1200" dirty="0"/>
+              <a:rPr lang="en-US" sz="1100" dirty="0"/>
               <a:t>SPRING Chairs announced in the meeting the agreement with IPPM chairs to progress the draft in SPRING WG</a:t>
             </a:r>
           </a:p>
           <a:p>
             <a:pPr lvl="1"/>
             <a:r>
-              <a:rPr lang="en-US" sz="1200" dirty="0"/>
+              <a:rPr lang="en-US" sz="1100" dirty="0"/>
               <a:t>Presented </a:t>
             </a:r>
             <a:r>
-              <a:rPr lang="en-US" sz="1200" i="1" dirty="0"/>
+              <a:rPr lang="en-US" sz="1100" i="1" dirty="0"/>
               <a:t>draft-gandhi-spring-twamp-srpm-04</a:t>
             </a:r>
             <a:r>
-              <a:rPr lang="en-US" sz="1200" dirty="0"/>
+              <a:rPr lang="en-US" sz="1100" dirty="0"/>
               <a:t> at IETF 106 Singapore in SPRING WG</a:t>
             </a:r>
           </a:p>
           <a:p>
             <a:r>
-              <a:rPr lang="en-US" sz="1200" dirty="0"/>
+              <a:rPr lang="en-US" sz="1100" dirty="0"/>
               <a:t>Mar 2020</a:t>
             </a:r>
           </a:p>
           <a:p>
             <a:pPr lvl="1"/>
             <a:r>
-              <a:rPr lang="en-US" sz="1200" dirty="0"/>
+              <a:rPr lang="en-US" sz="1100" dirty="0"/>
               <a:t>Moved STAMP support to </a:t>
             </a:r>
             <a:r>
-              <a:rPr lang="en-US" sz="1200" i="1" dirty="0"/>
+              <a:rPr lang="en-US" sz="1100" i="1" dirty="0"/>
               <a:t>draft-gandhi-spring-</a:t>
             </a:r>
             <a:r>
-              <a:rPr lang="en-US" sz="1200" b="1" i="1" dirty="0"/>
+              <a:rPr lang="en-US" sz="1100" b="1" i="1" dirty="0"/>
               <a:t>stamp</a:t>
             </a:r>
             <a:r>
-              <a:rPr lang="en-US" sz="1200" i="1" dirty="0"/>
+              <a:rPr lang="en-US" sz="1100" i="1" dirty="0"/>
               <a:t>-srpm-00</a:t>
             </a:r>
           </a:p>
           <a:p>
             <a:pPr lvl="1"/>
             <a:r>
-              <a:rPr lang="en-US" sz="1200" dirty="0"/>
+              <a:rPr lang="en-US" sz="1100" dirty="0"/>
               <a:t>Keep TWAMP Light support as informational in </a:t>
             </a:r>
             <a:r>
-              <a:rPr lang="en-US" sz="1200" i="1" dirty="0"/>
+              <a:rPr lang="en-US" sz="1100" i="1" dirty="0"/>
               <a:t>draft-gandhi-spring-</a:t>
             </a:r>
             <a:r>
-              <a:rPr lang="en-US" sz="1200" b="1" i="1" dirty="0"/>
+              <a:rPr lang="en-US" sz="1100" b="1" i="1" dirty="0"/>
               <a:t>twamp</a:t>
             </a:r>
             <a:r>
-              <a:rPr lang="en-US" sz="1200" i="1" dirty="0"/>
+              <a:rPr lang="en-US" sz="1100" i="1" dirty="0"/>
               <a:t>-srpm-08</a:t>
             </a:r>
           </a:p>
           <a:p>
+            <a:r>
+              <a:rPr lang="en-US" sz="1100" dirty="0"/>
+              <a:t>Jul 2020</a:t>
+            </a:r>
+          </a:p>
+          <a:p>
             <a:pPr lvl="1"/>
-            <a:endParaRPr lang="en-US" sz="1200" i="1" dirty="0"/>
+            <a:r>
+              <a:rPr lang="en-US" sz="1100" dirty="0"/>
+              <a:t>Presented </a:t>
+            </a:r>
+            <a:r>
+              <a:rPr lang="en-US" sz="1100" i="1" dirty="0"/>
+              <a:t>draft-gandhi-spring-stamp-srpm-01</a:t>
+            </a:r>
+            <a:r>
+              <a:rPr lang="en-US" sz="1100" dirty="0"/>
+              <a:t> at IETF 108 in SPRING and IPPM WG </a:t>
+            </a:r>
+          </a:p>
+          <a:p>
+            <a:pPr lvl="1"/>
+            <a:endParaRPr lang="en-US" sz="1100" i="1" dirty="0"/>
           </a:p>
         </p:txBody>
       </p:sp>
